--- a/content/a-sections/a-section2/Asec2_2020_slides.pptx
+++ b/content/a-sections/a-section2/Asec2_2020_slides.pptx
@@ -68,7 +68,6 @@
     <p:sldId id="313" r:id="rId65"/>
     <p:sldId id="314" r:id="rId66"/>
     <p:sldId id="315" r:id="rId67"/>
-    <p:sldId id="316" r:id="rId68"/>
   </p:sldIdLst>
   <p:sldSz cx="12192000" cy="6858000"/>
   <p:notesSz cx="6858000" cy="9144000"/>
@@ -818,7 +817,7 @@
       </p:grpSpPr>
       <p:sp>
         <p:nvSpPr>
-          <p:cNvPr id="227" name="Shape 227"/>
+          <p:cNvPr id="234" name="Shape 234"/>
           <p:cNvSpPr/>
           <p:nvPr>
             <p:ph type="sldImg"/>
@@ -839,7 +838,7 @@
       </p:sp>
       <p:sp>
         <p:nvSpPr>
-          <p:cNvPr id="228" name="Shape 228"/>
+          <p:cNvPr id="235" name="Shape 235"/>
           <p:cNvSpPr/>
           <p:nvPr>
             <p:ph type="body" sz="quarter" idx="1"/>
@@ -856,7 +855,7 @@
           <a:p>
             <a:pPr/>
             <a:r>
-              <a:t>Regularization will, in most cases, add a bias to our coefficients such that they perform worse on train data, but hopefully they perform better on test data. Complex model hard to understand!</a:t>
+              <a:t>Although we learn from this formulation that Ridge helps because it shrinks the parameters (less model complexity translates to better out of sample error, provable with learning theory), This formulation is not the original one. In fact, originally, it was proposed as a way to solve instability in the Gram matrix by adding a constant to the eigenvalues.</a:t>
             </a:r>
           </a:p>
         </p:txBody>
@@ -888,7 +887,7 @@
       </p:grpSpPr>
       <p:sp>
         <p:nvSpPr>
-          <p:cNvPr id="241" name="Shape 241"/>
+          <p:cNvPr id="308" name="Shape 308"/>
           <p:cNvSpPr/>
           <p:nvPr>
             <p:ph type="sldImg"/>
@@ -909,7 +908,7 @@
       </p:sp>
       <p:sp>
         <p:nvSpPr>
-          <p:cNvPr id="242" name="Shape 242"/>
+          <p:cNvPr id="309" name="Shape 309"/>
           <p:cNvSpPr/>
           <p:nvPr>
             <p:ph type="body" sz="quarter" idx="1"/>
@@ -926,8 +925,21 @@
           <a:p>
             <a:pPr/>
             <a:r>
-              <a:t>Although we learn from this formulation that Ridge helps because it shrinks the parameters (less model complexity translates to better out of sample error, provable with learning theory), This formulation is not the original one. In fact, originally, it was proposed as a way to solve instability in the Gram matrix by adding a constant to the eigenvalues.</a:t>
+              <a:t>If there's multicollinearity, you get a "ridge" in the likelihood function (likelihood is a function of the β's). This in turn yields a long "valley" in the RSS (since RSS=−2logL−2log⁡L).</a:t>
             </a:r>
+          </a:p>
+          <a:p>
+            <a:pPr>
+              <a:defRPr i="1"/>
+            </a:pPr>
+            <a:r>
+              <a:t>Ridge</a:t>
+            </a:r>
+            <a:r>
+              <a:rPr i="0"/>
+              <a:t> regression "fixes" the ridge - it adds a penalty that turns the ridge into a nice peak in likelihood space, equivalently a nice depression in the criterion we're minimizing.</a:t>
+            </a:r>
+            <a:endParaRPr i="0"/>
           </a:p>
         </p:txBody>
       </p:sp>
@@ -958,7 +970,7 @@
       </p:grpSpPr>
       <p:sp>
         <p:nvSpPr>
-          <p:cNvPr id="315" name="Shape 315"/>
+          <p:cNvPr id="351" name="Shape 351"/>
           <p:cNvSpPr/>
           <p:nvPr>
             <p:ph type="sldImg"/>
@@ -979,7 +991,7 @@
       </p:sp>
       <p:sp>
         <p:nvSpPr>
-          <p:cNvPr id="316" name="Shape 316"/>
+          <p:cNvPr id="352" name="Shape 352"/>
           <p:cNvSpPr/>
           <p:nvPr>
             <p:ph type="body" sz="quarter" idx="1"/>
@@ -996,21 +1008,8 @@
           <a:p>
             <a:pPr/>
             <a:r>
-              <a:t>If there's multicollinearity, you get a "ridge" in the likelihood function (likelihood is a function of the β's). This in turn yields a long "valley" in the RSS (since RSS=−2logL−2log⁡L).</a:t>
+              <a:t>Im putting a cap on how little correlation with the output I want. If xty is smaller than lambda, eliminated!</a:t>
             </a:r>
-          </a:p>
-          <a:p>
-            <a:pPr>
-              <a:defRPr i="1"/>
-            </a:pPr>
-            <a:r>
-              <a:t>Ridge</a:t>
-            </a:r>
-            <a:r>
-              <a:rPr i="0"/>
-              <a:t> regression "fixes" the ridge - it adds a penalty that turns the ridge into a nice peak in likelihood space, equivalently a nice depression in the criterion we're minimizing.</a:t>
-            </a:r>
-            <a:endParaRPr i="0"/>
           </a:p>
         </p:txBody>
       </p:sp>
@@ -1041,7 +1040,7 @@
       </p:grpSpPr>
       <p:sp>
         <p:nvSpPr>
-          <p:cNvPr id="358" name="Shape 358"/>
+          <p:cNvPr id="379" name="Shape 379"/>
           <p:cNvSpPr/>
           <p:nvPr>
             <p:ph type="sldImg"/>
@@ -1062,7 +1061,7 @@
       </p:sp>
       <p:sp>
         <p:nvSpPr>
-          <p:cNvPr id="359" name="Shape 359"/>
+          <p:cNvPr id="380" name="Shape 380"/>
           <p:cNvSpPr/>
           <p:nvPr>
             <p:ph type="body" sz="quarter" idx="1"/>
@@ -1079,7 +1078,37 @@
           <a:p>
             <a:pPr/>
             <a:r>
-              <a:t>Im putting a cap on how little correlation with the output I want. If xty is smaller than lambda, eliminated!</a:t>
+              <a:t>In addition, both empirical evidence and theoretical analysis (Efron et al., 2004) show</a:t>
+            </a:r>
+          </a:p>
+          <a:p>
+            <a:pPr/>
+            <a:r>
+              <a:t>that when there are a number of highly-correlated predictors, then the LASSO estimator</a:t>
+            </a:r>
+          </a:p>
+          <a:p>
+            <a:pPr/>
+            <a:r>
+              <a:t>indierently selects one among them and discards the rest. This can be highly problematic</a:t>
+            </a:r>
+          </a:p>
+          <a:p>
+            <a:pPr/>
+            <a:r>
+              <a:t>in practice; for example, if a group of clustered genes jointly predict for a disease but are</a:t>
+            </a:r>
+          </a:p>
+          <a:p>
+            <a:pPr/>
+            <a:r>
+              <a:t>correlated, it would be scientifically invalid to randomly select one of these genes and</a:t>
+            </a:r>
+          </a:p>
+          <a:p>
+            <a:pPr/>
+            <a:r>
+              <a:t>ignore the rest.</a:t>
             </a:r>
           </a:p>
         </p:txBody>
@@ -1111,7 +1140,7 @@
       </p:grpSpPr>
       <p:sp>
         <p:nvSpPr>
-          <p:cNvPr id="386" name="Shape 386"/>
+          <p:cNvPr id="539" name="Shape 539"/>
           <p:cNvSpPr/>
           <p:nvPr>
             <p:ph type="sldImg"/>
@@ -1132,107 +1161,7 @@
       </p:sp>
       <p:sp>
         <p:nvSpPr>
-          <p:cNvPr id="387" name="Shape 387"/>
-          <p:cNvSpPr/>
-          <p:nvPr>
-            <p:ph type="body" sz="quarter" idx="1"/>
-          </p:nvPr>
-        </p:nvSpPr>
-        <p:spPr>
-          <a:prstGeom prst="rect">
-            <a:avLst/>
-          </a:prstGeom>
-        </p:spPr>
-        <p:txBody>
-          <a:bodyPr/>
-          <a:lstStyle/>
-          <a:p>
-            <a:pPr/>
-            <a:r>
-              <a:t>In addition, both empirical evidence and theoretical analysis (Efron et al., 2004) show</a:t>
-            </a:r>
-          </a:p>
-          <a:p>
-            <a:pPr/>
-            <a:r>
-              <a:t>that when there are a number of highly-correlated predictors, then the LASSO estimator</a:t>
-            </a:r>
-          </a:p>
-          <a:p>
-            <a:pPr/>
-            <a:r>
-              <a:t>indierently selects one among them and discards the rest. This can be highly problematic</a:t>
-            </a:r>
-          </a:p>
-          <a:p>
-            <a:pPr/>
-            <a:r>
-              <a:t>in practice; for example, if a group of clustered genes jointly predict for a disease but are</a:t>
-            </a:r>
-          </a:p>
-          <a:p>
-            <a:pPr/>
-            <a:r>
-              <a:t>correlated, it would be scientifically invalid to randomly select one of these genes and</a:t>
-            </a:r>
-          </a:p>
-          <a:p>
-            <a:pPr/>
-            <a:r>
-              <a:t>ignore the rest.</a:t>
-            </a:r>
-          </a:p>
-        </p:txBody>
-      </p:sp>
-    </p:spTree>
-  </p:cSld>
-  <p:clrMapOvr>
-    <a:masterClrMapping/>
-  </p:clrMapOvr>
-</p:notes>
-</file>
-
-<file path=ppt/notesSlides/notesSlide9.xml><?xml version="1.0" encoding="utf-8"?>
-<p:notes xmlns:a="http://schemas.openxmlformats.org/drawingml/2006/main" xmlns:r="http://schemas.openxmlformats.org/officeDocument/2006/relationships" xmlns:p="http://schemas.openxmlformats.org/presentationml/2006/main" showMasterSp="1" showMasterPhAnim="1">
-  <p:cSld>
-    <p:spTree>
-      <p:nvGrpSpPr>
-        <p:cNvPr id="1" name=""/>
-        <p:cNvGrpSpPr/>
-        <p:nvPr/>
-      </p:nvGrpSpPr>
-      <p:grpSpPr>
-        <a:xfrm>
-          <a:off x="0" y="0"/>
-          <a:ext cx="0" cy="0"/>
-          <a:chOff x="0" y="0"/>
-          <a:chExt cx="0" cy="0"/>
-        </a:xfrm>
-      </p:grpSpPr>
-      <p:sp>
-        <p:nvSpPr>
-          <p:cNvPr id="546" name="Shape 546"/>
-          <p:cNvSpPr/>
-          <p:nvPr>
-            <p:ph type="sldImg"/>
-          </p:nvPr>
-        </p:nvSpPr>
-        <p:spPr>
-          <a:prstGeom prst="rect">
-            <a:avLst/>
-          </a:prstGeom>
-        </p:spPr>
-        <p:txBody>
-          <a:bodyPr/>
-          <a:lstStyle/>
-          <a:p>
-            <a:pPr/>
-          </a:p>
-        </p:txBody>
-      </p:sp>
-      <p:sp>
-        <p:nvSpPr>
-          <p:cNvPr id="547" name="Shape 547"/>
+          <p:cNvPr id="540" name="Shape 540"/>
           <p:cNvSpPr/>
           <p:nvPr>
             <p:ph type="body" sz="quarter" idx="1"/>
@@ -5753,8 +5682,8 @@
         </p:nvSpPr>
         <p:spPr>
           <a:xfrm>
-            <a:off x="349291" y="216530"/>
-            <a:ext cx="11493418" cy="767278"/>
+            <a:off x="865715" y="2747961"/>
+            <a:ext cx="10363201" cy="1362077"/>
           </a:xfrm>
           <a:prstGeom prst="rect">
             <a:avLst/>
@@ -5766,23 +5695,23 @@
           <a:p>
             <a:pPr/>
             <a:r>
-              <a:t>Generalization</a:t>
+              <a:t>Ridge regression</a:t>
             </a:r>
           </a:p>
         </p:txBody>
       </p:sp>
       <p:sp>
         <p:nvSpPr>
-          <p:cNvPr id="224" name="Content Placeholder 2"/>
+          <p:cNvPr id="224" name="Text Placeholder 2"/>
           <p:cNvSpPr txBox="1"/>
           <p:nvPr>
-            <p:ph type="body" idx="1"/>
+            <p:ph type="body" sz="quarter" idx="1"/>
           </p:nvPr>
         </p:nvSpPr>
         <p:spPr>
           <a:xfrm>
-            <a:off x="1138888" y="1416596"/>
-            <a:ext cx="10426465" cy="4928075"/>
+            <a:off x="914400" y="3429000"/>
+            <a:ext cx="10363200" cy="365125"/>
           </a:xfrm>
           <a:prstGeom prst="rect">
             <a:avLst/>
@@ -5791,15 +5720,14 @@
         <p:txBody>
           <a:bodyPr/>
           <a:lstStyle>
-            <a:lvl1pPr marL="457200" indent="-457200">
-              <a:buSzPct val="100000"/>
-              <a:buChar char="-"/>
+            <a:lvl1pPr defTabSz="448038">
+              <a:defRPr sz="1960"/>
             </a:lvl1pPr>
           </a:lstStyle>
           <a:p>
             <a:pPr/>
             <a:r>
-              <a:t>Can define generalization: error on available dataset and all hypothetical datasets doesn’t differ too much!</a:t>
+              <a:t>Instability destroyer</a:t>
             </a:r>
           </a:p>
         </p:txBody>
@@ -5814,7 +5742,7 @@
         </p:nvSpPr>
         <p:spPr>
           <a:xfrm>
-            <a:off x="11724818" y="6448742"/>
+            <a:off x="11318418" y="6404295"/>
             <a:ext cx="263982" cy="269241"/>
           </a:xfrm>
           <a:prstGeom prst="rect">
@@ -5835,35 +5763,6 @@
           </a:p>
         </p:txBody>
       </p:sp>
-      <p:pic>
-        <p:nvPicPr>
-          <p:cNvPr id="226" name="Screen Shot 2020-09-28 at 12.30.44 PM.png" descr="Screen Shot 2020-09-28 at 12.30.44 PM.png"/>
-          <p:cNvPicPr>
-            <a:picLocks noChangeAspect="1"/>
-          </p:cNvPicPr>
-          <p:nvPr/>
-        </p:nvPicPr>
-        <p:blipFill>
-          <a:blip r:embed="rId3">
-            <a:extLst/>
-          </a:blip>
-          <a:stretch>
-            <a:fillRect/>
-          </a:stretch>
-        </p:blipFill>
-        <p:spPr>
-          <a:xfrm>
-            <a:off x="2509105" y="2826875"/>
-            <a:ext cx="7173790" cy="2869517"/>
-          </a:xfrm>
-          <a:prstGeom prst="rect">
-            <a:avLst/>
-          </a:prstGeom>
-          <a:ln w="12700">
-            <a:miter lim="400000"/>
-          </a:ln>
-        </p:spPr>
-      </p:pic>
     </p:spTree>
   </p:cSld>
   <p:clrMapOvr>
@@ -5892,124 +5791,7 @@
       </p:grpSpPr>
       <p:sp>
         <p:nvSpPr>
-          <p:cNvPr id="230" name="Title 1"/>
-          <p:cNvSpPr txBox="1"/>
-          <p:nvPr>
-            <p:ph type="title"/>
-          </p:nvPr>
-        </p:nvSpPr>
-        <p:spPr>
-          <a:xfrm>
-            <a:off x="865715" y="2747961"/>
-            <a:ext cx="10363201" cy="1362077"/>
-          </a:xfrm>
-          <a:prstGeom prst="rect">
-            <a:avLst/>
-          </a:prstGeom>
-        </p:spPr>
-        <p:txBody>
-          <a:bodyPr/>
-          <a:lstStyle/>
-          <a:p>
-            <a:pPr/>
-            <a:r>
-              <a:t>Ridge regression</a:t>
-            </a:r>
-          </a:p>
-        </p:txBody>
-      </p:sp>
-      <p:sp>
-        <p:nvSpPr>
-          <p:cNvPr id="231" name="Text Placeholder 2"/>
-          <p:cNvSpPr txBox="1"/>
-          <p:nvPr>
-            <p:ph type="body" sz="quarter" idx="1"/>
-          </p:nvPr>
-        </p:nvSpPr>
-        <p:spPr>
-          <a:xfrm>
-            <a:off x="914400" y="3429000"/>
-            <a:ext cx="10363200" cy="365125"/>
-          </a:xfrm>
-          <a:prstGeom prst="rect">
-            <a:avLst/>
-          </a:prstGeom>
-        </p:spPr>
-        <p:txBody>
-          <a:bodyPr/>
-          <a:lstStyle>
-            <a:lvl1pPr defTabSz="448038">
-              <a:defRPr sz="1960"/>
-            </a:lvl1pPr>
-          </a:lstStyle>
-          <a:p>
-            <a:pPr/>
-            <a:r>
-              <a:t>Instability destroyer</a:t>
-            </a:r>
-          </a:p>
-        </p:txBody>
-      </p:sp>
-      <p:sp>
-        <p:nvSpPr>
-          <p:cNvPr id="232" name="Slide Number Placeholder 3"/>
-          <p:cNvSpPr txBox="1"/>
-          <p:nvPr>
-            <p:ph type="sldNum" sz="quarter" idx="2"/>
-          </p:nvPr>
-        </p:nvSpPr>
-        <p:spPr>
-          <a:xfrm>
-            <a:off x="11318418" y="6404295"/>
-            <a:ext cx="263982" cy="269241"/>
-          </a:xfrm>
-          <a:prstGeom prst="rect">
-            <a:avLst/>
-          </a:prstGeom>
-          <a:extLst>
-            <a:ext uri="{C572A759-6A51-4108-AA02-DFA0A04FC94B}">
-              <ma14:wrappingTextBoxFlag xmlns:ma14="http://schemas.microsoft.com/office/mac/drawingml/2011/main" val="1"/>
-            </a:ext>
-          </a:extLst>
-        </p:spPr>
-        <p:txBody>
-          <a:bodyPr/>
-          <a:lstStyle/>
-          <a:p>
-            <a:pPr/>
-            <a:fld id="{86CB4B4D-7CA3-9044-876B-883B54F8677D}" type="slidenum"/>
-          </a:p>
-        </p:txBody>
-      </p:sp>
-    </p:spTree>
-  </p:cSld>
-  <p:clrMapOvr>
-    <a:masterClrMapping/>
-  </p:clrMapOvr>
-  <p:transition xmlns:p14="http://schemas.microsoft.com/office/powerpoint/2010/main" spd="med" advClick="1"/>
-</p:sld>
-</file>
-
-<file path=ppt/slides/slide13.xml><?xml version="1.0" encoding="utf-8"?>
-<p:sld xmlns:a="http://schemas.openxmlformats.org/drawingml/2006/main" xmlns:r="http://schemas.openxmlformats.org/officeDocument/2006/relationships" xmlns:p="http://schemas.openxmlformats.org/presentationml/2006/main" showMasterSp="1" showMasterPhAnim="1">
-  <p:cSld>
-    <p:spTree>
-      <p:nvGrpSpPr>
-        <p:cNvPr id="1" name=""/>
-        <p:cNvGrpSpPr/>
-        <p:nvPr/>
-      </p:nvGrpSpPr>
-      <p:grpSpPr>
-        <a:xfrm>
-          <a:off x="0" y="0"/>
-          <a:ext cx="0" cy="0"/>
-          <a:chOff x="0" y="0"/>
-          <a:chExt cx="0" cy="0"/>
-        </a:xfrm>
-      </p:grpSpPr>
-      <p:sp>
-        <p:nvSpPr>
-          <p:cNvPr id="234" name="Rectangle: Rounded Corners 4"/>
+          <p:cNvPr id="227" name="Rectangle: Rounded Corners 4"/>
           <p:cNvSpPr/>
           <p:nvPr/>
         </p:nvSpPr>
@@ -6055,7 +5837,7 @@
       </p:sp>
       <p:sp>
         <p:nvSpPr>
-          <p:cNvPr id="235" name="Title 1"/>
+          <p:cNvPr id="228" name="Title 1"/>
           <p:cNvSpPr txBox="1"/>
           <p:nvPr>
             <p:ph type="title"/>
@@ -6083,7 +5865,7 @@
       </p:sp>
       <p:sp>
         <p:nvSpPr>
-          <p:cNvPr id="236" name="Slide Number Placeholder 3"/>
+          <p:cNvPr id="229" name="Slide Number Placeholder 3"/>
           <p:cNvSpPr txBox="1"/>
           <p:nvPr>
             <p:ph type="sldNum" sz="quarter" idx="2"/>
@@ -6114,7 +5896,7 @@
       </p:sp>
       <p:sp>
         <p:nvSpPr>
-          <p:cNvPr id="237" name="Content Placeholder 2"/>
+          <p:cNvPr id="230" name="Content Placeholder 2"/>
           <p:cNvSpPr txBox="1"/>
           <p:nvPr>
             <p:ph type="body" idx="1"/>
@@ -6148,7 +5930,7 @@
       </p:sp>
       <p:sp>
         <p:nvSpPr>
-          <p:cNvPr id="238" name="Oval 6"/>
+          <p:cNvPr id="231" name="Oval 6"/>
           <p:cNvSpPr/>
           <p:nvPr/>
         </p:nvSpPr>
@@ -6177,7 +5959,7 @@
       </p:sp>
       <p:sp>
         <p:nvSpPr>
-          <p:cNvPr id="239" name="TextBox 7"/>
+          <p:cNvPr id="232" name="TextBox 7"/>
           <p:cNvSpPr txBox="1"/>
           <p:nvPr/>
         </p:nvSpPr>
@@ -6228,7 +6010,7 @@
       </p:sp>
       <p:sp>
         <p:nvSpPr>
-          <p:cNvPr id="240" name="Freeform: Shape 8"/>
+          <p:cNvPr id="233" name="Freeform: Shape 8"/>
           <p:cNvSpPr/>
           <p:nvPr/>
         </p:nvSpPr>
@@ -6334,7 +6116,7 @@
                                       <p:cBhvr>
                                         <p:cTn id="6" fill="hold"/>
                                         <p:tgtEl>
-                                          <p:spTgt spid="237">
+                                          <p:spTgt spid="230">
                                             <p:bg/>
                                           </p:spTgt>
                                         </p:tgtEl>
@@ -6350,7 +6132,7 @@
                                       <p:cBhvr>
                                         <p:cTn id="7" dur="500"/>
                                         <p:tgtEl>
-                                          <p:spTgt spid="237">
+                                          <p:spTgt spid="230">
                                             <p:bg/>
                                           </p:spTgt>
                                         </p:tgtEl>
@@ -6372,7 +6154,7 @@
                                       <p:cBhvr>
                                         <p:cTn id="9" fill="hold"/>
                                         <p:tgtEl>
-                                          <p:spTgt spid="237">
+                                          <p:spTgt spid="230">
                                             <p:txEl>
                                               <p:pRg st="0" end="0"/>
                                             </p:txEl>
@@ -6390,7 +6172,7 @@
                                       <p:cBhvr>
                                         <p:cTn id="10" dur="500"/>
                                         <p:tgtEl>
-                                          <p:spTgt spid="237">
+                                          <p:spTgt spid="230">
                                             <p:txEl>
                                               <p:pRg st="0" end="0"/>
                                             </p:txEl>
@@ -6423,7 +6205,7 @@
                                       <p:cBhvr>
                                         <p:cTn id="13" fill="hold"/>
                                         <p:tgtEl>
-                                          <p:spTgt spid="234"/>
+                                          <p:spTgt spid="227"/>
                                         </p:tgtEl>
                                         <p:attrNameLst>
                                           <p:attrName>style.visibility</p:attrName>
@@ -6437,7 +6219,7 @@
                                       <p:cBhvr>
                                         <p:cTn id="14" dur="500"/>
                                         <p:tgtEl>
-                                          <p:spTgt spid="234"/>
+                                          <p:spTgt spid="227"/>
                                         </p:tgtEl>
                                       </p:cBhvr>
                                     </p:animEffect>
@@ -6475,7 +6257,7 @@
                                       <p:cBhvr>
                                         <p:cTn id="18" fill="hold"/>
                                         <p:tgtEl>
-                                          <p:spTgt spid="238"/>
+                                          <p:spTgt spid="231"/>
                                         </p:tgtEl>
                                         <p:attrNameLst>
                                           <p:attrName>style.visibility</p:attrName>
@@ -6489,7 +6271,7 @@
                                       <p:cBhvr>
                                         <p:cTn id="19" dur="500"/>
                                         <p:tgtEl>
-                                          <p:spTgt spid="238"/>
+                                          <p:spTgt spid="231"/>
                                         </p:tgtEl>
                                       </p:cBhvr>
                                     </p:animEffect>
@@ -6518,7 +6300,7 @@
                                       <p:cBhvr>
                                         <p:cTn id="22" fill="hold"/>
                                         <p:tgtEl>
-                                          <p:spTgt spid="240"/>
+                                          <p:spTgt spid="233"/>
                                         </p:tgtEl>
                                         <p:attrNameLst>
                                           <p:attrName>style.visibility</p:attrName>
@@ -6532,7 +6314,7 @@
                                       <p:cBhvr>
                                         <p:cTn id="23" dur="500"/>
                                         <p:tgtEl>
-                                          <p:spTgt spid="240"/>
+                                          <p:spTgt spid="233"/>
                                         </p:tgtEl>
                                       </p:cBhvr>
                                     </p:animEffect>
@@ -6561,7 +6343,7 @@
                                       <p:cBhvr>
                                         <p:cTn id="26" fill="hold"/>
                                         <p:tgtEl>
-                                          <p:spTgt spid="239"/>
+                                          <p:spTgt spid="232"/>
                                         </p:tgtEl>
                                         <p:attrNameLst>
                                           <p:attrName>style.visibility</p:attrName>
@@ -6575,7 +6357,7 @@
                                       <p:cBhvr>
                                         <p:cTn id="27" dur="500"/>
                                         <p:tgtEl>
-                                          <p:spTgt spid="239"/>
+                                          <p:spTgt spid="232"/>
                                         </p:tgtEl>
                                       </p:cBhvr>
                                     </p:animEffect>
@@ -6610,17 +6392,17 @@
       </p:par>
     </p:tnLst>
     <p:bldLst>
-      <p:bldP build="p" bldLvl="5" animBg="1" rev="0" advAuto="0" spid="237" grpId="1"/>
-      <p:bldP build="whole" bldLvl="1" animBg="1" rev="0" advAuto="0" spid="234" grpId="2"/>
-      <p:bldP build="whole" bldLvl="1" animBg="1" rev="0" advAuto="0" spid="240" grpId="4"/>
-      <p:bldP build="whole" bldLvl="1" animBg="1" rev="0" advAuto="0" spid="239" grpId="5"/>
-      <p:bldP build="whole" bldLvl="1" animBg="1" rev="0" advAuto="0" spid="238" grpId="3"/>
+      <p:bldP build="p" bldLvl="5" animBg="1" rev="0" advAuto="0" spid="230" grpId="1"/>
+      <p:bldP build="whole" bldLvl="1" animBg="1" rev="0" advAuto="0" spid="231" grpId="3"/>
+      <p:bldP build="whole" bldLvl="1" animBg="1" rev="0" advAuto="0" spid="227" grpId="2"/>
+      <p:bldP build="whole" bldLvl="1" animBg="1" rev="0" advAuto="0" spid="232" grpId="5"/>
+      <p:bldP build="whole" bldLvl="1" animBg="1" rev="0" advAuto="0" spid="233" grpId="4"/>
     </p:bldLst>
   </p:timing>
 </p:sld>
 </file>
 
-<file path=ppt/slides/slide14.xml><?xml version="1.0" encoding="utf-8"?>
+<file path=ppt/slides/slide13.xml><?xml version="1.0" encoding="utf-8"?>
 <p:sld xmlns:a="http://schemas.openxmlformats.org/drawingml/2006/main" xmlns:r="http://schemas.openxmlformats.org/officeDocument/2006/relationships" xmlns:p="http://schemas.openxmlformats.org/presentationml/2006/main" showMasterSp="1" showMasterPhAnim="1">
   <p:cSld>
     <p:spTree>
@@ -6639,7 +6421,7 @@
       </p:grpSpPr>
       <p:sp>
         <p:nvSpPr>
-          <p:cNvPr id="244" name="Title 1"/>
+          <p:cNvPr id="237" name="Title 1"/>
           <p:cNvSpPr txBox="1"/>
           <p:nvPr>
             <p:ph type="title"/>
@@ -6667,7 +6449,7 @@
       </p:sp>
       <p:sp>
         <p:nvSpPr>
-          <p:cNvPr id="245" name="Content Placeholder 2"/>
+          <p:cNvPr id="238" name="Content Placeholder 2"/>
           <p:cNvSpPr txBox="1"/>
           <p:nvPr>
             <p:ph type="body" idx="1"/>
@@ -6701,7 +6483,7 @@
       </p:sp>
       <p:sp>
         <p:nvSpPr>
-          <p:cNvPr id="246" name="Slide Number Placeholder 3"/>
+          <p:cNvPr id="239" name="Slide Number Placeholder 3"/>
           <p:cNvSpPr txBox="1"/>
           <p:nvPr>
             <p:ph type="sldNum" sz="quarter" idx="2"/>
@@ -6732,7 +6514,7 @@
       </p:sp>
       <p:sp>
         <p:nvSpPr>
-          <p:cNvPr id="247" name="TextBox 4"/>
+          <p:cNvPr id="240" name="TextBox 4"/>
           <p:cNvSpPr txBox="1"/>
           <p:nvPr/>
         </p:nvSpPr>
@@ -6776,7 +6558,7 @@
       </p:sp>
       <p:sp>
         <p:nvSpPr>
-          <p:cNvPr id="248" name="Straight Connector 6"/>
+          <p:cNvPr id="241" name="Straight Connector 6"/>
           <p:cNvSpPr/>
           <p:nvPr/>
         </p:nvSpPr>
@@ -6804,7 +6586,7 @@
       </p:sp>
       <p:grpSp>
         <p:nvGrpSpPr>
-          <p:cNvPr id="251" name="Rectangle 7"/>
+          <p:cNvPr id="244" name="Rectangle 7"/>
           <p:cNvGrpSpPr/>
           <p:nvPr/>
         </p:nvGrpSpPr>
@@ -6818,7 +6600,7 @@
         </p:grpSpPr>
         <p:sp>
           <p:nvSpPr>
-            <p:cNvPr id="249" name="Rectangle"/>
+            <p:cNvPr id="242" name="Rectangle"/>
             <p:cNvSpPr/>
             <p:nvPr/>
           </p:nvSpPr>
@@ -6855,7 +6637,7 @@
         </p:sp>
         <p:sp>
           <p:nvSpPr>
-            <p:cNvPr id="250" name="Text"/>
+            <p:cNvPr id="243" name="Text"/>
             <p:cNvSpPr txBox="1"/>
             <p:nvPr/>
           </p:nvSpPr>
@@ -6932,7 +6714,7 @@
                                       <p:cBhvr>
                                         <p:cTn id="6" fill="hold"/>
                                         <p:tgtEl>
-                                          <p:spTgt spid="245">
+                                          <p:spTgt spid="238">
                                             <p:bg/>
                                           </p:spTgt>
                                         </p:tgtEl>
@@ -6948,7 +6730,7 @@
                                       <p:cBhvr>
                                         <p:cTn id="7" dur="500"/>
                                         <p:tgtEl>
-                                          <p:spTgt spid="245">
+                                          <p:spTgt spid="238">
                                             <p:bg/>
                                           </p:spTgt>
                                         </p:tgtEl>
@@ -6970,7 +6752,7 @@
                                       <p:cBhvr>
                                         <p:cTn id="9" fill="hold"/>
                                         <p:tgtEl>
-                                          <p:spTgt spid="245">
+                                          <p:spTgt spid="238">
                                             <p:txEl>
                                               <p:pRg st="0" end="0"/>
                                             </p:txEl>
@@ -6988,7 +6770,7 @@
                                       <p:cBhvr>
                                         <p:cTn id="10" dur="500"/>
                                         <p:tgtEl>
-                                          <p:spTgt spid="245">
+                                          <p:spTgt spid="238">
                                             <p:txEl>
                                               <p:pRg st="0" end="0"/>
                                             </p:txEl>
@@ -7027,13 +6809,13 @@
       </p:par>
     </p:tnLst>
     <p:bldLst>
-      <p:bldP build="p" bldLvl="5" animBg="1" rev="0" advAuto="0" spid="245" grpId="1"/>
+      <p:bldP build="p" bldLvl="5" animBg="1" rev="0" advAuto="0" spid="238" grpId="1"/>
     </p:bldLst>
   </p:timing>
 </p:sld>
 </file>
 
-<file path=ppt/slides/slide15.xml><?xml version="1.0" encoding="utf-8"?>
+<file path=ppt/slides/slide14.xml><?xml version="1.0" encoding="utf-8"?>
 <p:sld xmlns:a="http://schemas.openxmlformats.org/drawingml/2006/main" xmlns:r="http://schemas.openxmlformats.org/officeDocument/2006/relationships" xmlns:p="http://schemas.openxmlformats.org/presentationml/2006/main" showMasterSp="1" showMasterPhAnim="1">
   <p:cSld>
     <p:spTree>
@@ -7052,7 +6834,7 @@
       </p:grpSpPr>
       <p:sp>
         <p:nvSpPr>
-          <p:cNvPr id="253" name="Title 1"/>
+          <p:cNvPr id="246" name="Title 1"/>
           <p:cNvSpPr txBox="1"/>
           <p:nvPr>
             <p:ph type="title"/>
@@ -7080,7 +6862,7 @@
       </p:sp>
       <p:sp>
         <p:nvSpPr>
-          <p:cNvPr id="254" name="Content Placeholder 2"/>
+          <p:cNvPr id="247" name="Content Placeholder 2"/>
           <p:cNvSpPr txBox="1"/>
           <p:nvPr>
             <p:ph type="body" idx="1"/>
@@ -7114,7 +6896,7 @@
       </p:sp>
       <p:sp>
         <p:nvSpPr>
-          <p:cNvPr id="255" name="Slide Number Placeholder 3"/>
+          <p:cNvPr id="248" name="Slide Number Placeholder 3"/>
           <p:cNvSpPr txBox="1"/>
           <p:nvPr>
             <p:ph type="sldNum" sz="quarter" idx="2"/>
@@ -7145,7 +6927,7 @@
       </p:sp>
       <p:grpSp>
         <p:nvGrpSpPr>
-          <p:cNvPr id="258" name="Rectangle 5"/>
+          <p:cNvPr id="251" name="Rectangle 5"/>
           <p:cNvGrpSpPr/>
           <p:nvPr/>
         </p:nvGrpSpPr>
@@ -7159,7 +6941,7 @@
         </p:grpSpPr>
         <p:sp>
           <p:nvSpPr>
-            <p:cNvPr id="256" name="Rectangle"/>
+            <p:cNvPr id="249" name="Rectangle"/>
             <p:cNvSpPr/>
             <p:nvPr/>
           </p:nvSpPr>
@@ -7196,7 +6978,7 @@
         </p:sp>
         <p:sp>
           <p:nvSpPr>
-            <p:cNvPr id="257" name="Text"/>
+            <p:cNvPr id="250" name="Text"/>
             <p:cNvSpPr txBox="1"/>
             <p:nvPr/>
           </p:nvSpPr>
@@ -7236,7 +7018,7 @@
       </p:grpSp>
       <p:sp>
         <p:nvSpPr>
-          <p:cNvPr id="259" name="Arrow: Down 6"/>
+          <p:cNvPr id="252" name="Arrow: Down 6"/>
           <p:cNvSpPr/>
           <p:nvPr/>
         </p:nvSpPr>
@@ -7353,7 +7135,7 @@
                                       <p:cBhvr>
                                         <p:cTn id="6" fill="hold"/>
                                         <p:tgtEl>
-                                          <p:spTgt spid="254">
+                                          <p:spTgt spid="247">
                                             <p:bg/>
                                           </p:spTgt>
                                         </p:tgtEl>
@@ -7369,7 +7151,7 @@
                                       <p:cBhvr>
                                         <p:cTn id="7" dur="500"/>
                                         <p:tgtEl>
-                                          <p:spTgt spid="254">
+                                          <p:spTgt spid="247">
                                             <p:bg/>
                                           </p:spTgt>
                                         </p:tgtEl>
@@ -7391,7 +7173,7 @@
                                       <p:cBhvr>
                                         <p:cTn id="9" fill="hold"/>
                                         <p:tgtEl>
-                                          <p:spTgt spid="254">
+                                          <p:spTgt spid="247">
                                             <p:txEl>
                                               <p:pRg st="0" end="0"/>
                                             </p:txEl>
@@ -7409,7 +7191,7 @@
                                       <p:cBhvr>
                                         <p:cTn id="10" dur="500"/>
                                         <p:tgtEl>
-                                          <p:spTgt spid="254">
+                                          <p:spTgt spid="247">
                                             <p:txEl>
                                               <p:pRg st="0" end="0"/>
                                             </p:txEl>
@@ -7442,7 +7224,7 @@
                                       <p:cBhvr>
                                         <p:cTn id="13" fill="hold"/>
                                         <p:tgtEl>
-                                          <p:spTgt spid="258"/>
+                                          <p:spTgt spid="251"/>
                                         </p:tgtEl>
                                         <p:attrNameLst>
                                           <p:attrName>style.visibility</p:attrName>
@@ -7456,7 +7238,7 @@
                                       <p:cBhvr>
                                         <p:cTn id="14" dur="500"/>
                                         <p:tgtEl>
-                                          <p:spTgt spid="258"/>
+                                          <p:spTgt spid="251"/>
                                         </p:tgtEl>
                                       </p:cBhvr>
                                     </p:animEffect>
@@ -7485,7 +7267,7 @@
                                       <p:cBhvr>
                                         <p:cTn id="17" fill="hold"/>
                                         <p:tgtEl>
-                                          <p:spTgt spid="259"/>
+                                          <p:spTgt spid="252"/>
                                         </p:tgtEl>
                                         <p:attrNameLst>
                                           <p:attrName>style.visibility</p:attrName>
@@ -7499,7 +7281,7 @@
                                       <p:cBhvr>
                                         <p:cTn id="18" dur="500"/>
                                         <p:tgtEl>
-                                          <p:spTgt spid="259"/>
+                                          <p:spTgt spid="252"/>
                                         </p:tgtEl>
                                       </p:cBhvr>
                                     </p:animEffect>
@@ -7534,15 +7316,15 @@
       </p:par>
     </p:tnLst>
     <p:bldLst>
-      <p:bldP build="whole" bldLvl="1" animBg="1" rev="0" advAuto="0" spid="258" grpId="2"/>
-      <p:bldP build="whole" bldLvl="1" animBg="1" rev="0" advAuto="0" spid="259" grpId="3"/>
-      <p:bldP build="p" bldLvl="5" animBg="1" rev="0" advAuto="0" spid="254" grpId="1"/>
+      <p:bldP build="p" bldLvl="5" animBg="1" rev="0" advAuto="0" spid="247" grpId="1"/>
+      <p:bldP build="whole" bldLvl="1" animBg="1" rev="0" advAuto="0" spid="251" grpId="2"/>
+      <p:bldP build="whole" bldLvl="1" animBg="1" rev="0" advAuto="0" spid="252" grpId="3"/>
     </p:bldLst>
   </p:timing>
 </p:sld>
 </file>
 
-<file path=ppt/slides/slide16.xml><?xml version="1.0" encoding="utf-8"?>
+<file path=ppt/slides/slide15.xml><?xml version="1.0" encoding="utf-8"?>
 <p:sld xmlns:a="http://schemas.openxmlformats.org/drawingml/2006/main" xmlns:r="http://schemas.openxmlformats.org/officeDocument/2006/relationships" xmlns:p="http://schemas.openxmlformats.org/presentationml/2006/main" showMasterSp="1" showMasterPhAnim="1">
   <p:cSld>
     <p:spTree>
@@ -7561,7 +7343,7 @@
       </p:grpSpPr>
       <p:sp>
         <p:nvSpPr>
-          <p:cNvPr id="261" name="Title 1"/>
+          <p:cNvPr id="254" name="Title 1"/>
           <p:cNvSpPr txBox="1"/>
           <p:nvPr>
             <p:ph type="title"/>
@@ -7589,7 +7371,7 @@
       </p:sp>
       <p:sp>
         <p:nvSpPr>
-          <p:cNvPr id="262" name="Content Placeholder 2"/>
+          <p:cNvPr id="255" name="Content Placeholder 2"/>
           <p:cNvSpPr txBox="1"/>
           <p:nvPr>
             <p:ph type="body" idx="1"/>
@@ -7623,7 +7405,7 @@
       </p:sp>
       <p:sp>
         <p:nvSpPr>
-          <p:cNvPr id="263" name="Slide Number Placeholder 3"/>
+          <p:cNvPr id="256" name="Slide Number Placeholder 3"/>
           <p:cNvSpPr txBox="1"/>
           <p:nvPr>
             <p:ph type="sldNum" sz="quarter" idx="2"/>
@@ -7691,7 +7473,7 @@
                                       <p:cBhvr>
                                         <p:cTn id="6" fill="hold"/>
                                         <p:tgtEl>
-                                          <p:spTgt spid="262">
+                                          <p:spTgt spid="255">
                                             <p:bg/>
                                           </p:spTgt>
                                         </p:tgtEl>
@@ -7707,7 +7489,7 @@
                                       <p:cBhvr>
                                         <p:cTn id="7" dur="500"/>
                                         <p:tgtEl>
-                                          <p:spTgt spid="262">
+                                          <p:spTgt spid="255">
                                             <p:bg/>
                                           </p:spTgt>
                                         </p:tgtEl>
@@ -7729,7 +7511,7 @@
                                       <p:cBhvr>
                                         <p:cTn id="9" fill="hold"/>
                                         <p:tgtEl>
-                                          <p:spTgt spid="262">
+                                          <p:spTgt spid="255">
                                             <p:txEl>
                                               <p:pRg st="0" end="0"/>
                                             </p:txEl>
@@ -7747,7 +7529,7 @@
                                       <p:cBhvr>
                                         <p:cTn id="10" dur="500"/>
                                         <p:tgtEl>
-                                          <p:spTgt spid="262">
+                                          <p:spTgt spid="255">
                                             <p:txEl>
                                               <p:pRg st="0" end="0"/>
                                             </p:txEl>
@@ -7786,13 +7568,13 @@
       </p:par>
     </p:tnLst>
     <p:bldLst>
-      <p:bldP build="p" bldLvl="5" animBg="1" rev="0" advAuto="0" spid="262" grpId="1"/>
+      <p:bldP build="p" bldLvl="5" animBg="1" rev="0" advAuto="0" spid="255" grpId="1"/>
     </p:bldLst>
   </p:timing>
 </p:sld>
 </file>
 
-<file path=ppt/slides/slide17.xml><?xml version="1.0" encoding="utf-8"?>
+<file path=ppt/slides/slide16.xml><?xml version="1.0" encoding="utf-8"?>
 <p:sld xmlns:a="http://schemas.openxmlformats.org/drawingml/2006/main" xmlns:r="http://schemas.openxmlformats.org/officeDocument/2006/relationships" xmlns:p="http://schemas.openxmlformats.org/presentationml/2006/main" showMasterSp="1" showMasterPhAnim="1">
   <p:cSld>
     <p:spTree>
@@ -7811,7 +7593,7 @@
       </p:grpSpPr>
       <p:sp>
         <p:nvSpPr>
-          <p:cNvPr id="265" name="Title 1"/>
+          <p:cNvPr id="258" name="Title 1"/>
           <p:cNvSpPr txBox="1"/>
           <p:nvPr>
             <p:ph type="title"/>
@@ -7839,7 +7621,7 @@
       </p:sp>
       <p:sp>
         <p:nvSpPr>
-          <p:cNvPr id="266" name="Content Placeholder 2"/>
+          <p:cNvPr id="259" name="Content Placeholder 2"/>
           <p:cNvSpPr txBox="1"/>
           <p:nvPr>
             <p:ph type="body" idx="1"/>
@@ -7873,7 +7655,7 @@
       </p:sp>
       <p:sp>
         <p:nvSpPr>
-          <p:cNvPr id="267" name="Slide Number Placeholder 3"/>
+          <p:cNvPr id="260" name="Slide Number Placeholder 3"/>
           <p:cNvSpPr txBox="1"/>
           <p:nvPr>
             <p:ph type="sldNum" sz="quarter" idx="2"/>
@@ -7941,7 +7723,7 @@
                                       <p:cBhvr>
                                         <p:cTn id="6" fill="hold"/>
                                         <p:tgtEl>
-                                          <p:spTgt spid="266">
+                                          <p:spTgt spid="259">
                                             <p:bg/>
                                           </p:spTgt>
                                         </p:tgtEl>
@@ -7957,7 +7739,7 @@
                                       <p:cBhvr>
                                         <p:cTn id="7" dur="500"/>
                                         <p:tgtEl>
-                                          <p:spTgt spid="266">
+                                          <p:spTgt spid="259">
                                             <p:bg/>
                                           </p:spTgt>
                                         </p:tgtEl>
@@ -7979,7 +7761,7 @@
                                       <p:cBhvr>
                                         <p:cTn id="9" fill="hold"/>
                                         <p:tgtEl>
-                                          <p:spTgt spid="266">
+                                          <p:spTgt spid="259">
                                             <p:txEl>
                                               <p:pRg st="0" end="0"/>
                                             </p:txEl>
@@ -7997,7 +7779,7 @@
                                       <p:cBhvr>
                                         <p:cTn id="10" dur="500"/>
                                         <p:tgtEl>
-                                          <p:spTgt spid="266">
+                                          <p:spTgt spid="259">
                                             <p:txEl>
                                               <p:pRg st="0" end="0"/>
                                             </p:txEl>
@@ -8036,13 +7818,13 @@
       </p:par>
     </p:tnLst>
     <p:bldLst>
-      <p:bldP build="p" bldLvl="5" animBg="1" rev="0" advAuto="0" spid="266" grpId="1"/>
+      <p:bldP build="p" bldLvl="5" animBg="1" rev="0" advAuto="0" spid="259" grpId="1"/>
     </p:bldLst>
   </p:timing>
 </p:sld>
 </file>
 
-<file path=ppt/slides/slide18.xml><?xml version="1.0" encoding="utf-8"?>
+<file path=ppt/slides/slide17.xml><?xml version="1.0" encoding="utf-8"?>
 <p:sld xmlns:a="http://schemas.openxmlformats.org/drawingml/2006/main" xmlns:r="http://schemas.openxmlformats.org/officeDocument/2006/relationships" xmlns:p="http://schemas.openxmlformats.org/presentationml/2006/main" showMasterSp="1" showMasterPhAnim="1">
   <p:cSld>
     <p:spTree>
@@ -8061,7 +7843,7 @@
       </p:grpSpPr>
       <p:sp>
         <p:nvSpPr>
-          <p:cNvPr id="269" name="Title 1"/>
+          <p:cNvPr id="262" name="Title 1"/>
           <p:cNvSpPr txBox="1"/>
           <p:nvPr>
             <p:ph type="title"/>
@@ -8106,7 +7888,7 @@
       </p:sp>
       <p:sp>
         <p:nvSpPr>
-          <p:cNvPr id="270" name="Content Placeholder 2"/>
+          <p:cNvPr id="263" name="Content Placeholder 2"/>
           <p:cNvSpPr txBox="1"/>
           <p:nvPr>
             <p:ph type="body" sz="quarter" idx="1"/>
@@ -8160,7 +7942,7 @@
       </p:sp>
       <p:sp>
         <p:nvSpPr>
-          <p:cNvPr id="271" name="Slide Number Placeholder 3"/>
+          <p:cNvPr id="264" name="Slide Number Placeholder 3"/>
           <p:cNvSpPr txBox="1"/>
           <p:nvPr>
             <p:ph type="sldNum" sz="quarter" idx="2"/>
@@ -8191,7 +7973,7 @@
       </p:sp>
       <p:pic>
         <p:nvPicPr>
-          <p:cNvPr id="272" name="Picture 225" descr="Picture 225"/>
+          <p:cNvPr id="265" name="Picture 225" descr="Picture 225"/>
           <p:cNvPicPr>
             <a:picLocks noChangeAspect="1"/>
           </p:cNvPicPr>
@@ -8221,7 +8003,7 @@
       </p:pic>
       <p:pic>
         <p:nvPicPr>
-          <p:cNvPr id="273" name="Picture 225" descr="Picture 225"/>
+          <p:cNvPr id="266" name="Picture 225" descr="Picture 225"/>
           <p:cNvPicPr>
             <a:picLocks noChangeAspect="1"/>
           </p:cNvPicPr>
@@ -8251,7 +8033,7 @@
       </p:pic>
       <p:sp>
         <p:nvSpPr>
-          <p:cNvPr id="274" name="Content Placeholder 2"/>
+          <p:cNvPr id="267" name="Content Placeholder 2"/>
           <p:cNvSpPr txBox="1"/>
           <p:nvPr/>
         </p:nvSpPr>
@@ -8351,7 +8133,7 @@
 </p:sld>
 </file>
 
-<file path=ppt/slides/slide19.xml><?xml version="1.0" encoding="utf-8"?>
+<file path=ppt/slides/slide18.xml><?xml version="1.0" encoding="utf-8"?>
 <p:sld xmlns:a="http://schemas.openxmlformats.org/drawingml/2006/main" xmlns:r="http://schemas.openxmlformats.org/officeDocument/2006/relationships" xmlns:p="http://schemas.openxmlformats.org/presentationml/2006/main" showMasterSp="1" showMasterPhAnim="1">
   <p:cSld>
     <p:spTree>
@@ -8370,7 +8152,7 @@
       </p:grpSpPr>
       <p:sp>
         <p:nvSpPr>
-          <p:cNvPr id="276" name="Title 1"/>
+          <p:cNvPr id="269" name="Title 1"/>
           <p:cNvSpPr txBox="1"/>
           <p:nvPr>
             <p:ph type="title"/>
@@ -8398,7 +8180,7 @@
       </p:sp>
       <p:sp>
         <p:nvSpPr>
-          <p:cNvPr id="277" name="Content Placeholder 2"/>
+          <p:cNvPr id="270" name="Content Placeholder 2"/>
           <p:cNvSpPr txBox="1"/>
           <p:nvPr>
             <p:ph type="body" sz="half" idx="1"/>
@@ -8450,7 +8232,7 @@
       </p:sp>
       <p:sp>
         <p:nvSpPr>
-          <p:cNvPr id="278" name="Slide Number Placeholder 3"/>
+          <p:cNvPr id="271" name="Slide Number Placeholder 3"/>
           <p:cNvSpPr txBox="1"/>
           <p:nvPr>
             <p:ph type="sldNum" sz="quarter" idx="2"/>
@@ -8481,7 +8263,7 @@
       </p:sp>
       <p:grpSp>
         <p:nvGrpSpPr>
-          <p:cNvPr id="281" name="Rectangle 4"/>
+          <p:cNvPr id="274" name="Rectangle 4"/>
           <p:cNvGrpSpPr/>
           <p:nvPr/>
         </p:nvGrpSpPr>
@@ -8495,7 +8277,7 @@
         </p:grpSpPr>
         <p:sp>
           <p:nvSpPr>
-            <p:cNvPr id="279" name="Rectangle"/>
+            <p:cNvPr id="272" name="Rectangle"/>
             <p:cNvSpPr/>
             <p:nvPr/>
           </p:nvSpPr>
@@ -8532,7 +8314,7 @@
         </p:sp>
         <p:sp>
           <p:nvSpPr>
-            <p:cNvPr id="280" name="Text"/>
+            <p:cNvPr id="273" name="Text"/>
             <p:cNvSpPr txBox="1"/>
             <p:nvPr/>
           </p:nvSpPr>
@@ -8572,7 +8354,7 @@
       </p:grpSp>
       <p:grpSp>
         <p:nvGrpSpPr>
-          <p:cNvPr id="284" name="TextBox 5"/>
+          <p:cNvPr id="277" name="TextBox 5"/>
           <p:cNvGrpSpPr/>
           <p:nvPr/>
         </p:nvGrpSpPr>
@@ -8586,7 +8368,7 @@
         </p:grpSpPr>
         <p:sp>
           <p:nvSpPr>
-            <p:cNvPr id="282" name="Rectangle"/>
+            <p:cNvPr id="275" name="Rectangle"/>
             <p:cNvSpPr/>
             <p:nvPr/>
           </p:nvSpPr>
@@ -8623,7 +8405,7 @@
         </p:sp>
         <p:sp>
           <p:nvSpPr>
-            <p:cNvPr id="283" name="Text"/>
+            <p:cNvPr id="276" name="Text"/>
             <p:cNvSpPr txBox="1"/>
             <p:nvPr/>
           </p:nvSpPr>
@@ -8700,7 +8482,7 @@
                                       <p:cBhvr>
                                         <p:cTn id="6" fill="hold"/>
                                         <p:tgtEl>
-                                          <p:spTgt spid="284"/>
+                                          <p:spTgt spid="277"/>
                                         </p:tgtEl>
                                         <p:attrNameLst>
                                           <p:attrName>style.visibility</p:attrName>
@@ -8714,7 +8496,7 @@
                                       <p:cBhvr>
                                         <p:cTn id="7" dur="500"/>
                                         <p:tgtEl>
-                                          <p:spTgt spid="284"/>
+                                          <p:spTgt spid="277"/>
                                         </p:tgtEl>
                                       </p:cBhvr>
                                     </p:animEffect>
@@ -8749,13 +8531,13 @@
       </p:par>
     </p:tnLst>
     <p:bldLst>
-      <p:bldP build="whole" bldLvl="1" animBg="1" rev="0" advAuto="0" spid="284" grpId="1"/>
+      <p:bldP build="whole" bldLvl="1" animBg="1" rev="0" advAuto="0" spid="277" grpId="1"/>
     </p:bldLst>
   </p:timing>
 </p:sld>
 </file>
 
-<file path=ppt/slides/slide2.xml><?xml version="1.0" encoding="utf-8"?>
+<file path=ppt/slides/slide19.xml><?xml version="1.0" encoding="utf-8"?>
 <p:sld xmlns:a="http://schemas.openxmlformats.org/drawingml/2006/main" xmlns:r="http://schemas.openxmlformats.org/officeDocument/2006/relationships" xmlns:p="http://schemas.openxmlformats.org/presentationml/2006/main" showMasterSp="1" showMasterPhAnim="1">
   <p:cSld>
     <p:spTree>
@@ -8774,7 +8556,7 @@
       </p:grpSpPr>
       <p:sp>
         <p:nvSpPr>
-          <p:cNvPr id="151" name="Title 1"/>
+          <p:cNvPr id="279" name="Title 1"/>
           <p:cNvSpPr txBox="1"/>
           <p:nvPr>
             <p:ph type="title"/>
@@ -8795,199 +8577,6 @@
           <a:p>
             <a:pPr/>
             <a:r>
-              <a:t>Outline</a:t>
-            </a:r>
-          </a:p>
-        </p:txBody>
-      </p:sp>
-      <p:sp>
-        <p:nvSpPr>
-          <p:cNvPr id="152" name="Content Placeholder 2"/>
-          <p:cNvSpPr txBox="1"/>
-          <p:nvPr>
-            <p:ph type="body" idx="1"/>
-          </p:nvPr>
-        </p:nvSpPr>
-        <p:spPr>
-          <a:xfrm>
-            <a:off x="829605" y="1177757"/>
-            <a:ext cx="10532790" cy="4595722"/>
-          </a:xfrm>
-          <a:prstGeom prst="rect">
-            <a:avLst/>
-          </a:prstGeom>
-        </p:spPr>
-        <p:txBody>
-          <a:bodyPr/>
-          <a:lstStyle/>
-          <a:p>
-            <a:pPr marL="457200" indent="-457200">
-              <a:buSzPct val="100000"/>
-              <a:buFont typeface="Arial"/>
-              <a:buChar char="•"/>
-            </a:pPr>
-            <a:r>
-              <a:t>Motivation for regularization</a:t>
-            </a:r>
-          </a:p>
-          <a:p>
-            <a:pPr lvl="1" marL="1200119" indent="-457200">
-              <a:spcBef>
-                <a:spcPts val="500"/>
-              </a:spcBef>
-              <a:buFont typeface="Arial"/>
-              <a:buChar char="•"/>
-              <a:defRPr sz="2400"/>
-            </a:pPr>
-            <a:r>
-              <a:t>Generalization</a:t>
-            </a:r>
-          </a:p>
-          <a:p>
-            <a:pPr lvl="1" marL="1200119" indent="-457200">
-              <a:spcBef>
-                <a:spcPts val="500"/>
-              </a:spcBef>
-              <a:buFont typeface="Arial"/>
-              <a:buChar char="•"/>
-              <a:defRPr sz="2400"/>
-            </a:pPr>
-            <a:r>
-              <a:t>Instability</a:t>
-            </a:r>
-          </a:p>
-          <a:p>
-            <a:pPr marL="457200" indent="-457200">
-              <a:buSzPct val="100000"/>
-              <a:buFont typeface="Arial"/>
-              <a:buChar char="•"/>
-            </a:pPr>
-            <a:r>
-              <a:t>Ridge estimator</a:t>
-            </a:r>
-          </a:p>
-          <a:p>
-            <a:pPr marL="457200" indent="-457200">
-              <a:buSzPct val="100000"/>
-              <a:buFont typeface="Arial"/>
-              <a:buChar char="•"/>
-            </a:pPr>
-            <a:r>
-              <a:t>Lasso estimator</a:t>
-            </a:r>
-          </a:p>
-          <a:p>
-            <a:pPr marL="457200" indent="-457200">
-              <a:buSzPct val="100000"/>
-              <a:buFont typeface="Arial"/>
-              <a:buChar char="•"/>
-            </a:pPr>
-            <a:r>
-              <a:t>Elastic Net estimator</a:t>
-            </a:r>
-          </a:p>
-          <a:p>
-            <a:pPr marL="457200" indent="-457200">
-              <a:buSzPct val="100000"/>
-              <a:buFont typeface="Arial"/>
-              <a:buChar char="•"/>
-            </a:pPr>
-            <a:r>
-              <a:t>Visualizations</a:t>
-            </a:r>
-          </a:p>
-          <a:p>
-            <a:pPr marL="457200" indent="-457200">
-              <a:buSzPct val="100000"/>
-              <a:buFont typeface="Arial"/>
-              <a:buChar char="•"/>
-            </a:pPr>
-            <a:r>
-              <a:t>Bayesian approach</a:t>
-            </a:r>
-          </a:p>
-        </p:txBody>
-      </p:sp>
-      <p:sp>
-        <p:nvSpPr>
-          <p:cNvPr id="153" name="Slide Number Placeholder 3"/>
-          <p:cNvSpPr txBox="1"/>
-          <p:nvPr>
-            <p:ph type="sldNum" sz="quarter" idx="2"/>
-          </p:nvPr>
-        </p:nvSpPr>
-        <p:spPr>
-          <a:xfrm>
-            <a:off x="11804739" y="6448742"/>
-            <a:ext cx="184061" cy="269241"/>
-          </a:xfrm>
-          <a:prstGeom prst="rect">
-            <a:avLst/>
-          </a:prstGeom>
-          <a:extLst>
-            <a:ext uri="{C572A759-6A51-4108-AA02-DFA0A04FC94B}">
-              <ma14:wrappingTextBoxFlag xmlns:ma14="http://schemas.microsoft.com/office/mac/drawingml/2011/main" val="1"/>
-            </a:ext>
-          </a:extLst>
-        </p:spPr>
-        <p:txBody>
-          <a:bodyPr/>
-          <a:lstStyle/>
-          <a:p>
-            <a:pPr/>
-            <a:fld id="{86CB4B4D-7CA3-9044-876B-883B54F8677D}" type="slidenum"/>
-          </a:p>
-        </p:txBody>
-      </p:sp>
-    </p:spTree>
-  </p:cSld>
-  <p:clrMapOvr>
-    <a:masterClrMapping/>
-  </p:clrMapOvr>
-  <p:transition xmlns:p14="http://schemas.microsoft.com/office/powerpoint/2010/main" spd="med" advClick="1"/>
-</p:sld>
-</file>
-
-<file path=ppt/slides/slide20.xml><?xml version="1.0" encoding="utf-8"?>
-<p:sld xmlns:a="http://schemas.openxmlformats.org/drawingml/2006/main" xmlns:r="http://schemas.openxmlformats.org/officeDocument/2006/relationships" xmlns:p="http://schemas.openxmlformats.org/presentationml/2006/main" showMasterSp="1" showMasterPhAnim="1">
-  <p:cSld>
-    <p:spTree>
-      <p:nvGrpSpPr>
-        <p:cNvPr id="1" name=""/>
-        <p:cNvGrpSpPr/>
-        <p:nvPr/>
-      </p:nvGrpSpPr>
-      <p:grpSpPr>
-        <a:xfrm>
-          <a:off x="0" y="0"/>
-          <a:ext cx="0" cy="0"/>
-          <a:chOff x="0" y="0"/>
-          <a:chExt cx="0" cy="0"/>
-        </a:xfrm>
-      </p:grpSpPr>
-      <p:sp>
-        <p:nvSpPr>
-          <p:cNvPr id="286" name="Title 1"/>
-          <p:cNvSpPr txBox="1"/>
-          <p:nvPr>
-            <p:ph type="title"/>
-          </p:nvPr>
-        </p:nvSpPr>
-        <p:spPr>
-          <a:xfrm>
-            <a:off x="349291" y="216530"/>
-            <a:ext cx="11493418" cy="767278"/>
-          </a:xfrm>
-          <a:prstGeom prst="rect">
-            <a:avLst/>
-          </a:prstGeom>
-        </p:spPr>
-        <p:txBody>
-          <a:bodyPr/>
-          <a:lstStyle/>
-          <a:p>
-            <a:pPr/>
-            <a:r>
               <a:t>Optimization perspective</a:t>
             </a:r>
           </a:p>
@@ -8995,7 +8584,7 @@
       </p:sp>
       <p:sp>
         <p:nvSpPr>
-          <p:cNvPr id="287" name="Content Placeholder 2"/>
+          <p:cNvPr id="280" name="Content Placeholder 2"/>
           <p:cNvSpPr txBox="1"/>
           <p:nvPr>
             <p:ph type="body" idx="1"/>
@@ -9029,7 +8618,7 @@
       </p:sp>
       <p:sp>
         <p:nvSpPr>
-          <p:cNvPr id="288" name="Slide Number Placeholder 3"/>
+          <p:cNvPr id="281" name="Slide Number Placeholder 3"/>
           <p:cNvSpPr txBox="1"/>
           <p:nvPr>
             <p:ph type="sldNum" sz="quarter" idx="2"/>
@@ -9097,7 +8686,7 @@
                                       <p:cBhvr>
                                         <p:cTn id="6" fill="hold"/>
                                         <p:tgtEl>
-                                          <p:spTgt spid="287">
+                                          <p:spTgt spid="280">
                                             <p:bg/>
                                           </p:spTgt>
                                         </p:tgtEl>
@@ -9113,7 +8702,7 @@
                                       <p:cBhvr>
                                         <p:cTn id="7" dur="500"/>
                                         <p:tgtEl>
-                                          <p:spTgt spid="287">
+                                          <p:spTgt spid="280">
                                             <p:bg/>
                                           </p:spTgt>
                                         </p:tgtEl>
@@ -9135,7 +8724,7 @@
                                       <p:cBhvr>
                                         <p:cTn id="9" fill="hold"/>
                                         <p:tgtEl>
-                                          <p:spTgt spid="287">
+                                          <p:spTgt spid="280">
                                             <p:txEl>
                                               <p:pRg st="0" end="0"/>
                                             </p:txEl>
@@ -9153,7 +8742,7 @@
                                       <p:cBhvr>
                                         <p:cTn id="10" dur="500"/>
                                         <p:tgtEl>
-                                          <p:spTgt spid="287">
+                                          <p:spTgt spid="280">
                                             <p:txEl>
                                               <p:pRg st="0" end="0"/>
                                             </p:txEl>
@@ -9192,13 +8781,206 @@
       </p:par>
     </p:tnLst>
     <p:bldLst>
-      <p:bldP build="p" bldLvl="5" animBg="1" rev="0" advAuto="0" spid="287" grpId="1"/>
+      <p:bldP build="p" bldLvl="5" animBg="1" rev="0" advAuto="0" spid="280" grpId="1"/>
     </p:bldLst>
   </p:timing>
 </p:sld>
 </file>
 
-<file path=ppt/slides/slide21.xml><?xml version="1.0" encoding="utf-8"?>
+<file path=ppt/slides/slide2.xml><?xml version="1.0" encoding="utf-8"?>
+<p:sld xmlns:a="http://schemas.openxmlformats.org/drawingml/2006/main" xmlns:r="http://schemas.openxmlformats.org/officeDocument/2006/relationships" xmlns:p="http://schemas.openxmlformats.org/presentationml/2006/main" showMasterSp="1" showMasterPhAnim="1">
+  <p:cSld>
+    <p:spTree>
+      <p:nvGrpSpPr>
+        <p:cNvPr id="1" name=""/>
+        <p:cNvGrpSpPr/>
+        <p:nvPr/>
+      </p:nvGrpSpPr>
+      <p:grpSpPr>
+        <a:xfrm>
+          <a:off x="0" y="0"/>
+          <a:ext cx="0" cy="0"/>
+          <a:chOff x="0" y="0"/>
+          <a:chExt cx="0" cy="0"/>
+        </a:xfrm>
+      </p:grpSpPr>
+      <p:sp>
+        <p:nvSpPr>
+          <p:cNvPr id="151" name="Title 1"/>
+          <p:cNvSpPr txBox="1"/>
+          <p:nvPr>
+            <p:ph type="title"/>
+          </p:nvPr>
+        </p:nvSpPr>
+        <p:spPr>
+          <a:xfrm>
+            <a:off x="349291" y="216530"/>
+            <a:ext cx="11493418" cy="767278"/>
+          </a:xfrm>
+          <a:prstGeom prst="rect">
+            <a:avLst/>
+          </a:prstGeom>
+        </p:spPr>
+        <p:txBody>
+          <a:bodyPr/>
+          <a:lstStyle/>
+          <a:p>
+            <a:pPr/>
+            <a:r>
+              <a:t>Outline</a:t>
+            </a:r>
+          </a:p>
+        </p:txBody>
+      </p:sp>
+      <p:sp>
+        <p:nvSpPr>
+          <p:cNvPr id="152" name="Content Placeholder 2"/>
+          <p:cNvSpPr txBox="1"/>
+          <p:nvPr>
+            <p:ph type="body" idx="1"/>
+          </p:nvPr>
+        </p:nvSpPr>
+        <p:spPr>
+          <a:xfrm>
+            <a:off x="829605" y="1177757"/>
+            <a:ext cx="10532790" cy="4595722"/>
+          </a:xfrm>
+          <a:prstGeom prst="rect">
+            <a:avLst/>
+          </a:prstGeom>
+        </p:spPr>
+        <p:txBody>
+          <a:bodyPr/>
+          <a:lstStyle/>
+          <a:p>
+            <a:pPr marL="457200" indent="-457200">
+              <a:buSzPct val="100000"/>
+              <a:buFont typeface="Arial"/>
+              <a:buChar char="•"/>
+            </a:pPr>
+            <a:r>
+              <a:t>Motivation for regularization</a:t>
+            </a:r>
+          </a:p>
+          <a:p>
+            <a:pPr lvl="1" marL="1200119" indent="-457200">
+              <a:spcBef>
+                <a:spcPts val="500"/>
+              </a:spcBef>
+              <a:buFont typeface="Arial"/>
+              <a:buChar char="•"/>
+              <a:defRPr sz="2400"/>
+            </a:pPr>
+            <a:r>
+              <a:t>Generalization</a:t>
+            </a:r>
+          </a:p>
+          <a:p>
+            <a:pPr lvl="1" marL="1200119" indent="-457200">
+              <a:spcBef>
+                <a:spcPts val="500"/>
+              </a:spcBef>
+              <a:buFont typeface="Arial"/>
+              <a:buChar char="•"/>
+              <a:defRPr sz="2400"/>
+            </a:pPr>
+            <a:r>
+              <a:t>Instability</a:t>
+            </a:r>
+          </a:p>
+          <a:p>
+            <a:pPr marL="457200" indent="-457200">
+              <a:buSzPct val="100000"/>
+              <a:buFont typeface="Arial"/>
+              <a:buChar char="•"/>
+            </a:pPr>
+            <a:r>
+              <a:t>Ridge estimator</a:t>
+            </a:r>
+          </a:p>
+          <a:p>
+            <a:pPr marL="457200" indent="-457200">
+              <a:buSzPct val="100000"/>
+              <a:buFont typeface="Arial"/>
+              <a:buChar char="•"/>
+            </a:pPr>
+            <a:r>
+              <a:t>Lasso estimator</a:t>
+            </a:r>
+          </a:p>
+          <a:p>
+            <a:pPr marL="457200" indent="-457200">
+              <a:buSzPct val="100000"/>
+              <a:buFont typeface="Arial"/>
+              <a:buChar char="•"/>
+            </a:pPr>
+            <a:r>
+              <a:t>Elastic Net estimator</a:t>
+            </a:r>
+          </a:p>
+          <a:p>
+            <a:pPr marL="457200" indent="-457200">
+              <a:buSzPct val="100000"/>
+              <a:buFont typeface="Arial"/>
+              <a:buChar char="•"/>
+            </a:pPr>
+            <a:r>
+              <a:t>Visualizations</a:t>
+            </a:r>
+          </a:p>
+          <a:p>
+            <a:pPr marL="457200" indent="-457200">
+              <a:buSzPct val="100000"/>
+              <a:buFont typeface="Arial"/>
+              <a:buChar char="•"/>
+            </a:pPr>
+            <a:r>
+              <a:t>Bayesian approach</a:t>
+            </a:r>
+          </a:p>
+        </p:txBody>
+      </p:sp>
+      <p:sp>
+        <p:nvSpPr>
+          <p:cNvPr id="153" name="Slide Number Placeholder 3"/>
+          <p:cNvSpPr txBox="1"/>
+          <p:nvPr>
+            <p:ph type="sldNum" sz="quarter" idx="2"/>
+          </p:nvPr>
+        </p:nvSpPr>
+        <p:spPr>
+          <a:xfrm>
+            <a:off x="11804739" y="6448742"/>
+            <a:ext cx="184061" cy="269241"/>
+          </a:xfrm>
+          <a:prstGeom prst="rect">
+            <a:avLst/>
+          </a:prstGeom>
+          <a:extLst>
+            <a:ext uri="{C572A759-6A51-4108-AA02-DFA0A04FC94B}">
+              <ma14:wrappingTextBoxFlag xmlns:ma14="http://schemas.microsoft.com/office/mac/drawingml/2011/main" val="1"/>
+            </a:ext>
+          </a:extLst>
+        </p:spPr>
+        <p:txBody>
+          <a:bodyPr/>
+          <a:lstStyle/>
+          <a:p>
+            <a:pPr/>
+            <a:fld id="{86CB4B4D-7CA3-9044-876B-883B54F8677D}" type="slidenum"/>
+          </a:p>
+        </p:txBody>
+      </p:sp>
+    </p:spTree>
+  </p:cSld>
+  <p:clrMapOvr>
+    <a:masterClrMapping/>
+  </p:clrMapOvr>
+  <p:transition xmlns:p14="http://schemas.microsoft.com/office/powerpoint/2010/main" spd="med" advClick="1"/>
+</p:sld>
+</file>
+
+<file path=ppt/slides/slide20.xml><?xml version="1.0" encoding="utf-8"?>
 <p:sld xmlns:a="http://schemas.openxmlformats.org/drawingml/2006/main" xmlns:r="http://schemas.openxmlformats.org/officeDocument/2006/relationships" xmlns:p="http://schemas.openxmlformats.org/presentationml/2006/main" show="0" showMasterSp="1" showMasterPhAnim="1">
   <p:cSld>
     <p:spTree>
@@ -9217,7 +8999,7 @@
       </p:grpSpPr>
       <p:sp>
         <p:nvSpPr>
-          <p:cNvPr id="290" name="Title 1"/>
+          <p:cNvPr id="283" name="Title 1"/>
           <p:cNvSpPr txBox="1"/>
           <p:nvPr>
             <p:ph type="title"/>
@@ -9245,7 +9027,7 @@
       </p:sp>
       <p:sp>
         <p:nvSpPr>
-          <p:cNvPr id="291" name="Content Placeholder 2"/>
+          <p:cNvPr id="284" name="Content Placeholder 2"/>
           <p:cNvSpPr txBox="1"/>
           <p:nvPr>
             <p:ph type="body" sz="half" idx="1"/>
@@ -9279,7 +9061,7 @@
       </p:sp>
       <p:sp>
         <p:nvSpPr>
-          <p:cNvPr id="292" name="Slide Number Placeholder 3"/>
+          <p:cNvPr id="285" name="Slide Number Placeholder 3"/>
           <p:cNvSpPr txBox="1"/>
           <p:nvPr>
             <p:ph type="sldNum" sz="quarter" idx="2"/>
@@ -9310,7 +9092,7 @@
       </p:sp>
       <p:sp>
         <p:nvSpPr>
-          <p:cNvPr id="293" name="TextBox 7"/>
+          <p:cNvPr id="286" name="TextBox 7"/>
           <p:cNvSpPr txBox="1"/>
           <p:nvPr/>
         </p:nvSpPr>
@@ -9354,7 +9136,7 @@
       </p:sp>
       <p:grpSp>
         <p:nvGrpSpPr>
-          <p:cNvPr id="296" name="Rectangle 4"/>
+          <p:cNvPr id="289" name="Rectangle 4"/>
           <p:cNvGrpSpPr/>
           <p:nvPr/>
         </p:nvGrpSpPr>
@@ -9368,7 +9150,7 @@
         </p:grpSpPr>
         <p:sp>
           <p:nvSpPr>
-            <p:cNvPr id="294" name="Rectangle"/>
+            <p:cNvPr id="287" name="Rectangle"/>
             <p:cNvSpPr/>
             <p:nvPr/>
           </p:nvSpPr>
@@ -9405,7 +9187,7 @@
         </p:sp>
         <p:sp>
           <p:nvSpPr>
-            <p:cNvPr id="295" name="Text"/>
+            <p:cNvPr id="288" name="Text"/>
             <p:cNvSpPr txBox="1"/>
             <p:nvPr/>
           </p:nvSpPr>
@@ -9445,7 +9227,7 @@
       </p:grpSp>
       <p:sp>
         <p:nvSpPr>
-          <p:cNvPr id="297" name="Oval 8"/>
+          <p:cNvPr id="290" name="Oval 8"/>
           <p:cNvSpPr/>
           <p:nvPr/>
         </p:nvSpPr>
@@ -9474,7 +9256,7 @@
       </p:sp>
       <p:sp>
         <p:nvSpPr>
-          <p:cNvPr id="298" name="TextBox 9"/>
+          <p:cNvPr id="291" name="TextBox 9"/>
           <p:cNvSpPr txBox="1"/>
           <p:nvPr/>
         </p:nvSpPr>
@@ -9525,7 +9307,7 @@
       </p:sp>
       <p:sp>
         <p:nvSpPr>
-          <p:cNvPr id="299" name="Freeform: Shape 10"/>
+          <p:cNvPr id="292" name="Freeform: Shape 10"/>
           <p:cNvSpPr/>
           <p:nvPr/>
         </p:nvSpPr>
@@ -9631,7 +9413,7 @@
                                       <p:cBhvr>
                                         <p:cTn id="6" fill="hold"/>
                                         <p:tgtEl>
-                                          <p:spTgt spid="297"/>
+                                          <p:spTgt spid="290"/>
                                         </p:tgtEl>
                                         <p:attrNameLst>
                                           <p:attrName>style.visibility</p:attrName>
@@ -9645,7 +9427,7 @@
                                       <p:cBhvr>
                                         <p:cTn id="7" dur="500"/>
                                         <p:tgtEl>
-                                          <p:spTgt spid="297"/>
+                                          <p:spTgt spid="290"/>
                                         </p:tgtEl>
                                       </p:cBhvr>
                                     </p:animEffect>
@@ -9674,7 +9456,7 @@
                                       <p:cBhvr>
                                         <p:cTn id="10" fill="hold"/>
                                         <p:tgtEl>
-                                          <p:spTgt spid="299"/>
+                                          <p:spTgt spid="292"/>
                                         </p:tgtEl>
                                         <p:attrNameLst>
                                           <p:attrName>style.visibility</p:attrName>
@@ -9688,7 +9470,7 @@
                                       <p:cBhvr>
                                         <p:cTn id="11" dur="500"/>
                                         <p:tgtEl>
-                                          <p:spTgt spid="299"/>
+                                          <p:spTgt spid="292"/>
                                         </p:tgtEl>
                                       </p:cBhvr>
                                     </p:animEffect>
@@ -9717,7 +9499,7 @@
                                       <p:cBhvr>
                                         <p:cTn id="14" fill="hold"/>
                                         <p:tgtEl>
-                                          <p:spTgt spid="298"/>
+                                          <p:spTgt spid="291"/>
                                         </p:tgtEl>
                                         <p:attrNameLst>
                                           <p:attrName>style.visibility</p:attrName>
@@ -9731,7 +9513,7 @@
                                       <p:cBhvr>
                                         <p:cTn id="15" dur="500"/>
                                         <p:tgtEl>
-                                          <p:spTgt spid="298"/>
+                                          <p:spTgt spid="291"/>
                                         </p:tgtEl>
                                       </p:cBhvr>
                                     </p:animEffect>
@@ -9769,7 +9551,7 @@
                                       <p:cBhvr>
                                         <p:cTn id="19" fill="hold"/>
                                         <p:tgtEl>
-                                          <p:spTgt spid="291"/>
+                                          <p:spTgt spid="284"/>
                                         </p:tgtEl>
                                         <p:attrNameLst>
                                           <p:attrName>style.visibility</p:attrName>
@@ -9783,7 +9565,7 @@
                                       <p:cBhvr>
                                         <p:cTn id="20" dur="500"/>
                                         <p:tgtEl>
-                                          <p:spTgt spid="291"/>
+                                          <p:spTgt spid="284"/>
                                         </p:tgtEl>
                                       </p:cBhvr>
                                     </p:animEffect>
@@ -9821,7 +9603,7 @@
                                       <p:cBhvr>
                                         <p:cTn id="24" fill="hold"/>
                                         <p:tgtEl>
-                                          <p:spTgt spid="296"/>
+                                          <p:spTgt spid="289"/>
                                         </p:tgtEl>
                                         <p:attrNameLst>
                                           <p:attrName>style.visibility</p:attrName>
@@ -9835,7 +9617,7 @@
                                       <p:cBhvr>
                                         <p:cTn id="25" dur="500"/>
                                         <p:tgtEl>
-                                          <p:spTgt spid="296"/>
+                                          <p:spTgt spid="289"/>
                                         </p:tgtEl>
                                       </p:cBhvr>
                                     </p:animEffect>
@@ -9870,17 +9652,17 @@
       </p:par>
     </p:tnLst>
     <p:bldLst>
-      <p:bldP build="whole" bldLvl="1" animBg="1" rev="0" advAuto="0" spid="291" grpId="4"/>
-      <p:bldP build="whole" bldLvl="1" animBg="1" rev="0" advAuto="0" spid="299" grpId="2"/>
-      <p:bldP build="whole" bldLvl="1" animBg="1" rev="0" advAuto="0" spid="297" grpId="1"/>
-      <p:bldP build="whole" bldLvl="1" animBg="1" rev="0" advAuto="0" spid="298" grpId="3"/>
-      <p:bldP build="whole" bldLvl="1" animBg="1" rev="0" advAuto="0" spid="296" grpId="5"/>
+      <p:bldP build="whole" bldLvl="1" animBg="1" rev="0" advAuto="0" spid="290" grpId="1"/>
+      <p:bldP build="whole" bldLvl="1" animBg="1" rev="0" advAuto="0" spid="284" grpId="4"/>
+      <p:bldP build="whole" bldLvl="1" animBg="1" rev="0" advAuto="0" spid="291" grpId="3"/>
+      <p:bldP build="whole" bldLvl="1" animBg="1" rev="0" advAuto="0" spid="292" grpId="2"/>
+      <p:bldP build="whole" bldLvl="1" animBg="1" rev="0" advAuto="0" spid="289" grpId="5"/>
     </p:bldLst>
   </p:timing>
 </p:sld>
 </file>
 
-<file path=ppt/slides/slide22.xml><?xml version="1.0" encoding="utf-8"?>
+<file path=ppt/slides/slide21.xml><?xml version="1.0" encoding="utf-8"?>
 <p:sld xmlns:a="http://schemas.openxmlformats.org/drawingml/2006/main" xmlns:r="http://schemas.openxmlformats.org/officeDocument/2006/relationships" xmlns:p="http://schemas.openxmlformats.org/presentationml/2006/main" showMasterSp="1" showMasterPhAnim="1">
   <p:cSld>
     <p:spTree>
@@ -9899,7 +9681,7 @@
       </p:grpSpPr>
       <p:sp>
         <p:nvSpPr>
-          <p:cNvPr id="301" name="Title 1"/>
+          <p:cNvPr id="294" name="Title 1"/>
           <p:cNvSpPr txBox="1"/>
           <p:nvPr>
             <p:ph type="title"/>
@@ -9927,7 +9709,7 @@
       </p:sp>
       <p:sp>
         <p:nvSpPr>
-          <p:cNvPr id="302" name="Slide Number Placeholder 3"/>
+          <p:cNvPr id="295" name="Slide Number Placeholder 3"/>
           <p:cNvSpPr txBox="1"/>
           <p:nvPr>
             <p:ph type="sldNum" sz="quarter" idx="2"/>
@@ -9958,7 +9740,7 @@
       </p:sp>
       <p:pic>
         <p:nvPicPr>
-          <p:cNvPr id="303" name="Picture 8" descr="Picture 8"/>
+          <p:cNvPr id="296" name="Picture 8" descr="Picture 8"/>
           <p:cNvPicPr>
             <a:picLocks noChangeAspect="1"/>
           </p:cNvPicPr>
@@ -9988,7 +9770,7 @@
       </p:pic>
       <p:sp>
         <p:nvSpPr>
-          <p:cNvPr id="304" name="TextBox 9"/>
+          <p:cNvPr id="297" name="TextBox 9"/>
           <p:cNvSpPr txBox="1"/>
           <p:nvPr/>
         </p:nvSpPr>
@@ -10026,7 +9808,7 @@
       </p:sp>
       <p:sp>
         <p:nvSpPr>
-          <p:cNvPr id="305" name="TextBox 13"/>
+          <p:cNvPr id="298" name="TextBox 13"/>
           <p:cNvSpPr txBox="1"/>
           <p:nvPr/>
         </p:nvSpPr>
@@ -10064,7 +9846,7 @@
       </p:sp>
       <p:pic>
         <p:nvPicPr>
-          <p:cNvPr id="306" name="Picture 11" descr="Picture 11"/>
+          <p:cNvPr id="299" name="Picture 11" descr="Picture 11"/>
           <p:cNvPicPr>
             <a:picLocks noChangeAspect="1"/>
           </p:cNvPicPr>
@@ -10093,7 +9875,7 @@
       </p:pic>
       <p:sp>
         <p:nvSpPr>
-          <p:cNvPr id="307" name="Straight Arrow Connector 17"/>
+          <p:cNvPr id="300" name="Straight Arrow Connector 17"/>
           <p:cNvSpPr/>
           <p:nvPr/>
         </p:nvSpPr>
@@ -10129,7 +9911,7 @@
       </p:sp>
       <p:sp>
         <p:nvSpPr>
-          <p:cNvPr id="308" name="TextBox 18"/>
+          <p:cNvPr id="301" name="TextBox 18"/>
           <p:cNvSpPr txBox="1"/>
           <p:nvPr/>
         </p:nvSpPr>
@@ -10180,7 +9962,7 @@
       </p:sp>
       <p:sp>
         <p:nvSpPr>
-          <p:cNvPr id="309" name="Oval 19"/>
+          <p:cNvPr id="302" name="Oval 19"/>
           <p:cNvSpPr/>
           <p:nvPr/>
         </p:nvSpPr>
@@ -10252,7 +10034,7 @@
                                       <p:cBhvr>
                                         <p:cTn id="6" fill="hold"/>
                                         <p:tgtEl>
-                                          <p:spTgt spid="308"/>
+                                          <p:spTgt spid="301"/>
                                         </p:tgtEl>
                                         <p:attrNameLst>
                                           <p:attrName>style.visibility</p:attrName>
@@ -10266,7 +10048,7 @@
                                       <p:cBhvr>
                                         <p:cTn id="7" dur="500"/>
                                         <p:tgtEl>
-                                          <p:spTgt spid="308"/>
+                                          <p:spTgt spid="301"/>
                                         </p:tgtEl>
                                       </p:cBhvr>
                                     </p:animEffect>
@@ -10295,7 +10077,7 @@
                                       <p:cBhvr>
                                         <p:cTn id="10" fill="hold"/>
                                         <p:tgtEl>
-                                          <p:spTgt spid="307"/>
+                                          <p:spTgt spid="300"/>
                                         </p:tgtEl>
                                         <p:attrNameLst>
                                           <p:attrName>style.visibility</p:attrName>
@@ -10309,7 +10091,7 @@
                                       <p:cBhvr>
                                         <p:cTn id="11" dur="500"/>
                                         <p:tgtEl>
-                                          <p:spTgt spid="307"/>
+                                          <p:spTgt spid="300"/>
                                         </p:tgtEl>
                                       </p:cBhvr>
                                     </p:animEffect>
@@ -10338,7 +10120,7 @@
                                       <p:cBhvr>
                                         <p:cTn id="14" fill="hold"/>
                                         <p:tgtEl>
-                                          <p:spTgt spid="309"/>
+                                          <p:spTgt spid="302"/>
                                         </p:tgtEl>
                                         <p:attrNameLst>
                                           <p:attrName>style.visibility</p:attrName>
@@ -10352,7 +10134,7 @@
                                       <p:cBhvr>
                                         <p:cTn id="15" dur="500"/>
                                         <p:tgtEl>
-                                          <p:spTgt spid="309"/>
+                                          <p:spTgt spid="302"/>
                                         </p:tgtEl>
                                       </p:cBhvr>
                                     </p:animEffect>
@@ -10387,11 +10169,163 @@
       </p:par>
     </p:tnLst>
     <p:bldLst>
-      <p:bldP build="whole" bldLvl="1" animBg="1" rev="0" advAuto="0" spid="308" grpId="1"/>
-      <p:bldP build="whole" bldLvl="1" animBg="1" rev="0" advAuto="0" spid="307" grpId="2"/>
-      <p:bldP build="whole" bldLvl="1" animBg="1" rev="0" advAuto="0" spid="309" grpId="3"/>
+      <p:bldP build="whole" bldLvl="1" animBg="1" rev="0" advAuto="0" spid="300" grpId="2"/>
+      <p:bldP build="whole" bldLvl="1" animBg="1" rev="0" advAuto="0" spid="301" grpId="1"/>
+      <p:bldP build="whole" bldLvl="1" animBg="1" rev="0" advAuto="0" spid="302" grpId="3"/>
     </p:bldLst>
   </p:timing>
+</p:sld>
+</file>
+
+<file path=ppt/slides/slide22.xml><?xml version="1.0" encoding="utf-8"?>
+<p:sld xmlns:a="http://schemas.openxmlformats.org/drawingml/2006/main" xmlns:r="http://schemas.openxmlformats.org/officeDocument/2006/relationships" xmlns:p="http://schemas.openxmlformats.org/presentationml/2006/main" showMasterSp="1" showMasterPhAnim="1">
+  <p:cSld>
+    <p:spTree>
+      <p:nvGrpSpPr>
+        <p:cNvPr id="1" name=""/>
+        <p:cNvGrpSpPr/>
+        <p:nvPr/>
+      </p:nvGrpSpPr>
+      <p:grpSpPr>
+        <a:xfrm>
+          <a:off x="0" y="0"/>
+          <a:ext cx="0" cy="0"/>
+          <a:chOff x="0" y="0"/>
+          <a:chExt cx="0" cy="0"/>
+        </a:xfrm>
+      </p:grpSpPr>
+      <p:sp>
+        <p:nvSpPr>
+          <p:cNvPr id="304" name="Title 1"/>
+          <p:cNvSpPr txBox="1"/>
+          <p:nvPr>
+            <p:ph type="title"/>
+          </p:nvPr>
+        </p:nvSpPr>
+        <p:spPr>
+          <a:xfrm>
+            <a:off x="349291" y="216530"/>
+            <a:ext cx="11493418" cy="767278"/>
+          </a:xfrm>
+          <a:prstGeom prst="rect">
+            <a:avLst/>
+          </a:prstGeom>
+        </p:spPr>
+        <p:txBody>
+          <a:bodyPr/>
+          <a:lstStyle/>
+          <a:p>
+            <a:pPr/>
+            <a:r>
+              <a:t>Ridge visualized</a:t>
+            </a:r>
+          </a:p>
+        </p:txBody>
+      </p:sp>
+      <p:sp>
+        <p:nvSpPr>
+          <p:cNvPr id="305" name="Slide Number Placeholder 3"/>
+          <p:cNvSpPr txBox="1"/>
+          <p:nvPr>
+            <p:ph type="sldNum" sz="quarter" idx="2"/>
+          </p:nvPr>
+        </p:nvSpPr>
+        <p:spPr>
+          <a:xfrm>
+            <a:off x="11724818" y="6448742"/>
+            <a:ext cx="263982" cy="269241"/>
+          </a:xfrm>
+          <a:prstGeom prst="rect">
+            <a:avLst/>
+          </a:prstGeom>
+          <a:extLst>
+            <a:ext uri="{C572A759-6A51-4108-AA02-DFA0A04FC94B}">
+              <ma14:wrappingTextBoxFlag xmlns:ma14="http://schemas.microsoft.com/office/mac/drawingml/2011/main" val="1"/>
+            </a:ext>
+          </a:extLst>
+        </p:spPr>
+        <p:txBody>
+          <a:bodyPr/>
+          <a:lstStyle/>
+          <a:p>
+            <a:pPr/>
+            <a:fld id="{86CB4B4D-7CA3-9044-876B-883B54F8677D}" type="slidenum"/>
+          </a:p>
+        </p:txBody>
+      </p:sp>
+      <p:pic>
+        <p:nvPicPr>
+          <p:cNvPr id="306" name="Picture 7" descr="Picture 7"/>
+          <p:cNvPicPr>
+            <a:picLocks noChangeAspect="1"/>
+          </p:cNvPicPr>
+          <p:nvPr/>
+        </p:nvPicPr>
+        <p:blipFill>
+          <a:blip r:embed="rId3">
+            <a:extLst/>
+          </a:blip>
+          <a:stretch>
+            <a:fillRect/>
+          </a:stretch>
+        </p:blipFill>
+        <p:spPr>
+          <a:xfrm>
+            <a:off x="2309284" y="1151595"/>
+            <a:ext cx="7573433" cy="3810533"/>
+          </a:xfrm>
+          <a:prstGeom prst="rect">
+            <a:avLst/>
+          </a:prstGeom>
+          <a:ln w="12700">
+            <a:miter lim="400000"/>
+          </a:ln>
+        </p:spPr>
+      </p:pic>
+      <p:sp>
+        <p:nvSpPr>
+          <p:cNvPr id="307" name="TextBox 4"/>
+          <p:cNvSpPr txBox="1"/>
+          <p:nvPr/>
+        </p:nvSpPr>
+        <p:spPr>
+          <a:xfrm>
+            <a:off x="1543739" y="5496797"/>
+            <a:ext cx="9120718" cy="358141"/>
+          </a:xfrm>
+          <a:prstGeom prst="rect">
+            <a:avLst/>
+          </a:prstGeom>
+          <a:ln w="12700">
+            <a:miter lim="400000"/>
+          </a:ln>
+          <a:extLst>
+            <a:ext uri="{C572A759-6A51-4108-AA02-DFA0A04FC94B}">
+              <ma14:wrappingTextBoxFlag xmlns:ma14="http://schemas.microsoft.com/office/mac/drawingml/2011/main" val="1"/>
+            </a:ext>
+          </a:extLst>
+        </p:spPr>
+        <p:txBody>
+          <a:bodyPr lIns="45719" rIns="45719">
+            <a:spAutoFit/>
+          </a:bodyPr>
+          <a:lstStyle>
+            <a:lvl1pPr algn="ctr"/>
+          </a:lstStyle>
+          <a:p>
+            <a:pPr/>
+            <a:r>
+              <a:t>Ridge curves the loss function in colinear problems, avoiding instability.</a:t>
+            </a:r>
+          </a:p>
+        </p:txBody>
+      </p:sp>
+    </p:spTree>
+  </p:cSld>
+  <p:clrMapOvr>
+    <a:masterClrMapping/>
+  </p:clrMapOvr>
+  <p:transition xmlns:p14="http://schemas.microsoft.com/office/powerpoint/2010/main" spd="med" advClick="1"/>
 </p:sld>
 </file>
 
@@ -10422,8 +10356,8 @@
         </p:nvSpPr>
         <p:spPr>
           <a:xfrm>
-            <a:off x="349291" y="216530"/>
-            <a:ext cx="11493418" cy="767278"/>
+            <a:off x="865715" y="2747961"/>
+            <a:ext cx="10363201" cy="1362077"/>
           </a:xfrm>
           <a:prstGeom prst="rect">
             <a:avLst/>
@@ -10435,14 +10369,46 @@
           <a:p>
             <a:pPr/>
             <a:r>
-              <a:t>Ridge visualized</a:t>
+              <a:t>LASSO regression</a:t>
             </a:r>
           </a:p>
         </p:txBody>
       </p:sp>
       <p:sp>
         <p:nvSpPr>
-          <p:cNvPr id="312" name="Slide Number Placeholder 3"/>
+          <p:cNvPr id="312" name="Text Placeholder 2"/>
+          <p:cNvSpPr txBox="1"/>
+          <p:nvPr>
+            <p:ph type="body" sz="quarter" idx="1"/>
+          </p:nvPr>
+        </p:nvSpPr>
+        <p:spPr>
+          <a:xfrm>
+            <a:off x="914400" y="3429000"/>
+            <a:ext cx="10363200" cy="365125"/>
+          </a:xfrm>
+          <a:prstGeom prst="rect">
+            <a:avLst/>
+          </a:prstGeom>
+        </p:spPr>
+        <p:txBody>
+          <a:bodyPr/>
+          <a:lstStyle>
+            <a:lvl1pPr defTabSz="448038">
+              <a:defRPr sz="1960"/>
+            </a:lvl1pPr>
+          </a:lstStyle>
+          <a:p>
+            <a:pPr/>
+            <a:r>
+              <a:t>Yes, LASSO is an acronym</a:t>
+            </a:r>
+          </a:p>
+        </p:txBody>
+      </p:sp>
+      <p:sp>
+        <p:nvSpPr>
+          <p:cNvPr id="313" name="Slide Number Placeholder 3"/>
           <p:cNvSpPr txBox="1"/>
           <p:nvPr>
             <p:ph type="sldNum" sz="quarter" idx="2"/>
@@ -10450,7 +10416,7 @@
         </p:nvSpPr>
         <p:spPr>
           <a:xfrm>
-            <a:off x="11724818" y="6448742"/>
+            <a:off x="11318418" y="6404295"/>
             <a:ext cx="263982" cy="269241"/>
           </a:xfrm>
           <a:prstGeom prst="rect">
@@ -10468,73 +10434,6 @@
           <a:p>
             <a:pPr/>
             <a:fld id="{86CB4B4D-7CA3-9044-876B-883B54F8677D}" type="slidenum"/>
-          </a:p>
-        </p:txBody>
-      </p:sp>
-      <p:pic>
-        <p:nvPicPr>
-          <p:cNvPr id="313" name="Picture 7" descr="Picture 7"/>
-          <p:cNvPicPr>
-            <a:picLocks noChangeAspect="1"/>
-          </p:cNvPicPr>
-          <p:nvPr/>
-        </p:nvPicPr>
-        <p:blipFill>
-          <a:blip r:embed="rId3">
-            <a:extLst/>
-          </a:blip>
-          <a:stretch>
-            <a:fillRect/>
-          </a:stretch>
-        </p:blipFill>
-        <p:spPr>
-          <a:xfrm>
-            <a:off x="2309284" y="1151595"/>
-            <a:ext cx="7573433" cy="3810533"/>
-          </a:xfrm>
-          <a:prstGeom prst="rect">
-            <a:avLst/>
-          </a:prstGeom>
-          <a:ln w="12700">
-            <a:miter lim="400000"/>
-          </a:ln>
-        </p:spPr>
-      </p:pic>
-      <p:sp>
-        <p:nvSpPr>
-          <p:cNvPr id="314" name="TextBox 4"/>
-          <p:cNvSpPr txBox="1"/>
-          <p:nvPr/>
-        </p:nvSpPr>
-        <p:spPr>
-          <a:xfrm>
-            <a:off x="1543739" y="5496797"/>
-            <a:ext cx="9120718" cy="358141"/>
-          </a:xfrm>
-          <a:prstGeom prst="rect">
-            <a:avLst/>
-          </a:prstGeom>
-          <a:ln w="12700">
-            <a:miter lim="400000"/>
-          </a:ln>
-          <a:extLst>
-            <a:ext uri="{C572A759-6A51-4108-AA02-DFA0A04FC94B}">
-              <ma14:wrappingTextBoxFlag xmlns:ma14="http://schemas.microsoft.com/office/mac/drawingml/2011/main" val="1"/>
-            </a:ext>
-          </a:extLst>
-        </p:spPr>
-        <p:txBody>
-          <a:bodyPr lIns="45719" rIns="45719">
-            <a:spAutoFit/>
-          </a:bodyPr>
-          <a:lstStyle>
-            <a:lvl1pPr algn="ctr"/>
-          </a:lstStyle>
-          <a:p>
-            <a:pPr/>
-            <a:r>
-              <a:t>Ridge curves the loss function in colinear problems, avoiding instability.</a:t>
-            </a:r>
           </a:p>
         </p:txBody>
       </p:sp>
@@ -10566,124 +10465,7 @@
       </p:grpSpPr>
       <p:sp>
         <p:nvSpPr>
-          <p:cNvPr id="318" name="Title 1"/>
-          <p:cNvSpPr txBox="1"/>
-          <p:nvPr>
-            <p:ph type="title"/>
-          </p:nvPr>
-        </p:nvSpPr>
-        <p:spPr>
-          <a:xfrm>
-            <a:off x="865715" y="2747961"/>
-            <a:ext cx="10363201" cy="1362077"/>
-          </a:xfrm>
-          <a:prstGeom prst="rect">
-            <a:avLst/>
-          </a:prstGeom>
-        </p:spPr>
-        <p:txBody>
-          <a:bodyPr/>
-          <a:lstStyle/>
-          <a:p>
-            <a:pPr/>
-            <a:r>
-              <a:t>LASSO regression</a:t>
-            </a:r>
-          </a:p>
-        </p:txBody>
-      </p:sp>
-      <p:sp>
-        <p:nvSpPr>
-          <p:cNvPr id="319" name="Text Placeholder 2"/>
-          <p:cNvSpPr txBox="1"/>
-          <p:nvPr>
-            <p:ph type="body" sz="quarter" idx="1"/>
-          </p:nvPr>
-        </p:nvSpPr>
-        <p:spPr>
-          <a:xfrm>
-            <a:off x="914400" y="3429000"/>
-            <a:ext cx="10363200" cy="365125"/>
-          </a:xfrm>
-          <a:prstGeom prst="rect">
-            <a:avLst/>
-          </a:prstGeom>
-        </p:spPr>
-        <p:txBody>
-          <a:bodyPr/>
-          <a:lstStyle>
-            <a:lvl1pPr defTabSz="448038">
-              <a:defRPr sz="1960"/>
-            </a:lvl1pPr>
-          </a:lstStyle>
-          <a:p>
-            <a:pPr/>
-            <a:r>
-              <a:t>Yes, LASSO is an acronym</a:t>
-            </a:r>
-          </a:p>
-        </p:txBody>
-      </p:sp>
-      <p:sp>
-        <p:nvSpPr>
-          <p:cNvPr id="320" name="Slide Number Placeholder 3"/>
-          <p:cNvSpPr txBox="1"/>
-          <p:nvPr>
-            <p:ph type="sldNum" sz="quarter" idx="2"/>
-          </p:nvPr>
-        </p:nvSpPr>
-        <p:spPr>
-          <a:xfrm>
-            <a:off x="11318418" y="6404295"/>
-            <a:ext cx="263982" cy="269241"/>
-          </a:xfrm>
-          <a:prstGeom prst="rect">
-            <a:avLst/>
-          </a:prstGeom>
-          <a:extLst>
-            <a:ext uri="{C572A759-6A51-4108-AA02-DFA0A04FC94B}">
-              <ma14:wrappingTextBoxFlag xmlns:ma14="http://schemas.microsoft.com/office/mac/drawingml/2011/main" val="1"/>
-            </a:ext>
-          </a:extLst>
-        </p:spPr>
-        <p:txBody>
-          <a:bodyPr/>
-          <a:lstStyle/>
-          <a:p>
-            <a:pPr/>
-            <a:fld id="{86CB4B4D-7CA3-9044-876B-883B54F8677D}" type="slidenum"/>
-          </a:p>
-        </p:txBody>
-      </p:sp>
-    </p:spTree>
-  </p:cSld>
-  <p:clrMapOvr>
-    <a:masterClrMapping/>
-  </p:clrMapOvr>
-  <p:transition xmlns:p14="http://schemas.microsoft.com/office/powerpoint/2010/main" spd="med" advClick="1"/>
-</p:sld>
-</file>
-
-<file path=ppt/slides/slide25.xml><?xml version="1.0" encoding="utf-8"?>
-<p:sld xmlns:a="http://schemas.openxmlformats.org/drawingml/2006/main" xmlns:r="http://schemas.openxmlformats.org/officeDocument/2006/relationships" xmlns:p="http://schemas.openxmlformats.org/presentationml/2006/main" showMasterSp="1" showMasterPhAnim="1">
-  <p:cSld>
-    <p:spTree>
-      <p:nvGrpSpPr>
-        <p:cNvPr id="1" name=""/>
-        <p:cNvGrpSpPr/>
-        <p:nvPr/>
-      </p:nvGrpSpPr>
-      <p:grpSpPr>
-        <a:xfrm>
-          <a:off x="0" y="0"/>
-          <a:ext cx="0" cy="0"/>
-          <a:chOff x="0" y="0"/>
-          <a:chExt cx="0" cy="0"/>
-        </a:xfrm>
-      </p:grpSpPr>
-      <p:sp>
-        <p:nvSpPr>
-          <p:cNvPr id="322" name="Rectangle: Rounded Corners 4"/>
+          <p:cNvPr id="315" name="Rectangle: Rounded Corners 4"/>
           <p:cNvSpPr/>
           <p:nvPr/>
         </p:nvSpPr>
@@ -10729,7 +10511,7 @@
       </p:sp>
       <p:sp>
         <p:nvSpPr>
-          <p:cNvPr id="323" name="Title 1"/>
+          <p:cNvPr id="316" name="Title 1"/>
           <p:cNvSpPr txBox="1"/>
           <p:nvPr>
             <p:ph type="title"/>
@@ -10757,7 +10539,7 @@
       </p:sp>
       <p:sp>
         <p:nvSpPr>
-          <p:cNvPr id="324" name="Slide Number Placeholder 3"/>
+          <p:cNvPr id="317" name="Slide Number Placeholder 3"/>
           <p:cNvSpPr txBox="1"/>
           <p:nvPr>
             <p:ph type="sldNum" sz="quarter" idx="2"/>
@@ -10788,7 +10570,7 @@
       </p:sp>
       <p:sp>
         <p:nvSpPr>
-          <p:cNvPr id="325" name="Content Placeholder 2"/>
+          <p:cNvPr id="318" name="Content Placeholder 2"/>
           <p:cNvSpPr txBox="1"/>
           <p:nvPr>
             <p:ph type="body" idx="1"/>
@@ -10859,7 +10641,7 @@
                                       <p:cBhvr>
                                         <p:cTn id="6" fill="hold"/>
                                         <p:tgtEl>
-                                          <p:spTgt spid="325">
+                                          <p:spTgt spid="318">
                                             <p:bg/>
                                           </p:spTgt>
                                         </p:tgtEl>
@@ -10875,7 +10657,7 @@
                                       <p:cBhvr>
                                         <p:cTn id="7" dur="500"/>
                                         <p:tgtEl>
-                                          <p:spTgt spid="325">
+                                          <p:spTgt spid="318">
                                             <p:bg/>
                                           </p:spTgt>
                                         </p:tgtEl>
@@ -10897,7 +10679,7 @@
                                       <p:cBhvr>
                                         <p:cTn id="9" fill="hold"/>
                                         <p:tgtEl>
-                                          <p:spTgt spid="325">
+                                          <p:spTgt spid="318">
                                             <p:txEl>
                                               <p:pRg st="0" end="0"/>
                                             </p:txEl>
@@ -10915,7 +10697,7 @@
                                       <p:cBhvr>
                                         <p:cTn id="10" dur="500"/>
                                         <p:tgtEl>
-                                          <p:spTgt spid="325">
+                                          <p:spTgt spid="318">
                                             <p:txEl>
                                               <p:pRg st="0" end="0"/>
                                             </p:txEl>
@@ -10948,7 +10730,7 @@
                                       <p:cBhvr>
                                         <p:cTn id="13" fill="hold"/>
                                         <p:tgtEl>
-                                          <p:spTgt spid="322"/>
+                                          <p:spTgt spid="315"/>
                                         </p:tgtEl>
                                         <p:attrNameLst>
                                           <p:attrName>style.visibility</p:attrName>
@@ -10962,7 +10744,7 @@
                                       <p:cBhvr>
                                         <p:cTn id="14" dur="500"/>
                                         <p:tgtEl>
-                                          <p:spTgt spid="322"/>
+                                          <p:spTgt spid="315"/>
                                         </p:tgtEl>
                                       </p:cBhvr>
                                     </p:animEffect>
@@ -10997,8 +10779,258 @@
       </p:par>
     </p:tnLst>
     <p:bldLst>
-      <p:bldP build="p" bldLvl="5" animBg="1" rev="0" advAuto="0" spid="325" grpId="1"/>
-      <p:bldP build="whole" bldLvl="1" animBg="1" rev="0" advAuto="0" spid="322" grpId="2"/>
+      <p:bldP build="whole" bldLvl="1" animBg="1" rev="0" advAuto="0" spid="315" grpId="2"/>
+      <p:bldP build="p" bldLvl="5" animBg="1" rev="0" advAuto="0" spid="318" grpId="1"/>
+    </p:bldLst>
+  </p:timing>
+</p:sld>
+</file>
+
+<file path=ppt/slides/slide25.xml><?xml version="1.0" encoding="utf-8"?>
+<p:sld xmlns:a="http://schemas.openxmlformats.org/drawingml/2006/main" xmlns:r="http://schemas.openxmlformats.org/officeDocument/2006/relationships" xmlns:p="http://schemas.openxmlformats.org/presentationml/2006/main" showMasterSp="1" showMasterPhAnim="1">
+  <p:cSld>
+    <p:spTree>
+      <p:nvGrpSpPr>
+        <p:cNvPr id="1" name=""/>
+        <p:cNvGrpSpPr/>
+        <p:nvPr/>
+      </p:nvGrpSpPr>
+      <p:grpSpPr>
+        <a:xfrm>
+          <a:off x="0" y="0"/>
+          <a:ext cx="0" cy="0"/>
+          <a:chOff x="0" y="0"/>
+          <a:chExt cx="0" cy="0"/>
+        </a:xfrm>
+      </p:grpSpPr>
+      <p:sp>
+        <p:nvSpPr>
+          <p:cNvPr id="320" name="Title 1"/>
+          <p:cNvSpPr txBox="1"/>
+          <p:nvPr>
+            <p:ph type="title"/>
+          </p:nvPr>
+        </p:nvSpPr>
+        <p:spPr>
+          <a:xfrm>
+            <a:off x="349291" y="216530"/>
+            <a:ext cx="11493418" cy="767278"/>
+          </a:xfrm>
+          <a:prstGeom prst="rect">
+            <a:avLst/>
+          </a:prstGeom>
+        </p:spPr>
+        <p:txBody>
+          <a:bodyPr/>
+          <a:lstStyle/>
+          <a:p>
+            <a:pPr/>
+            <a:r>
+              <a:t>Deriving the LASSO estimator</a:t>
+            </a:r>
+          </a:p>
+        </p:txBody>
+      </p:sp>
+      <p:sp>
+        <p:nvSpPr>
+          <p:cNvPr id="321" name="Content Placeholder 2"/>
+          <p:cNvSpPr txBox="1"/>
+          <p:nvPr>
+            <p:ph type="body" idx="1"/>
+          </p:nvPr>
+        </p:nvSpPr>
+        <p:spPr>
+          <a:xfrm>
+            <a:off x="932495" y="1177757"/>
+            <a:ext cx="10641195" cy="4755210"/>
+          </a:xfrm>
+          <a:prstGeom prst="rect">
+            <a:avLst/>
+          </a:prstGeom>
+          <a:blipFill>
+            <a:blip r:embed="rId2"/>
+            <a:stretch>
+              <a:fillRect/>
+            </a:stretch>
+          </a:blipFill>
+        </p:spPr>
+        <p:txBody>
+          <a:bodyPr/>
+          <a:lstStyle/>
+          <a:p>
+            <a:pPr/>
+            <a:r>
+              <a:t> </a:t>
+            </a:r>
+          </a:p>
+        </p:txBody>
+      </p:sp>
+      <p:sp>
+        <p:nvSpPr>
+          <p:cNvPr id="322" name="Slide Number Placeholder 3"/>
+          <p:cNvSpPr txBox="1"/>
+          <p:nvPr>
+            <p:ph type="sldNum" sz="quarter" idx="2"/>
+          </p:nvPr>
+        </p:nvSpPr>
+        <p:spPr>
+          <a:xfrm>
+            <a:off x="11724818" y="6448742"/>
+            <a:ext cx="263982" cy="269241"/>
+          </a:xfrm>
+          <a:prstGeom prst="rect">
+            <a:avLst/>
+          </a:prstGeom>
+          <a:extLst>
+            <a:ext uri="{C572A759-6A51-4108-AA02-DFA0A04FC94B}">
+              <ma14:wrappingTextBoxFlag xmlns:ma14="http://schemas.microsoft.com/office/mac/drawingml/2011/main" val="1"/>
+            </a:ext>
+          </a:extLst>
+        </p:spPr>
+        <p:txBody>
+          <a:bodyPr/>
+          <a:lstStyle/>
+          <a:p>
+            <a:pPr/>
+            <a:fld id="{86CB4B4D-7CA3-9044-876B-883B54F8677D}" type="slidenum"/>
+          </a:p>
+        </p:txBody>
+      </p:sp>
+    </p:spTree>
+  </p:cSld>
+  <p:clrMapOvr>
+    <a:masterClrMapping/>
+  </p:clrMapOvr>
+  <p:transition xmlns:p14="http://schemas.microsoft.com/office/powerpoint/2010/main" spd="med" advClick="1"/>
+  <p:timing>
+    <p:tnLst>
+      <p:par>
+        <p:cTn id="1" nodeType="tmRoot" restart="never" dur="indefinite" fill="hold">
+          <p:childTnLst>
+            <p:seq concurrent="1" prevAc="none" nextAc="seek">
+              <p:cTn id="2" nodeType="mainSeq" dur="indefinite" fill="hold">
+                <p:childTnLst>
+                  <p:par>
+                    <p:cTn id="3" fill="hold">
+                      <p:stCondLst>
+                        <p:cond delay="indefinite"/>
+                      </p:stCondLst>
+                      <p:childTnLst>
+                        <p:par>
+                          <p:cTn id="4" fill="hold">
+                            <p:stCondLst>
+                              <p:cond delay="0"/>
+                            </p:stCondLst>
+                            <p:childTnLst>
+                              <p:par>
+                                <p:cTn id="5" presetClass="entr" nodeType="clickEffect" presetID="9" grpId="1" fill="hold">
+                                  <p:stCondLst>
+                                    <p:cond delay="0"/>
+                                  </p:stCondLst>
+                                  <p:iterate type="el" backwards="0">
+                                    <p:tmAbs val="0"/>
+                                  </p:iterate>
+                                  <p:childTnLst>
+                                    <p:set>
+                                      <p:cBhvr>
+                                        <p:cTn id="6" fill="hold"/>
+                                        <p:tgtEl>
+                                          <p:spTgt spid="321">
+                                            <p:bg/>
+                                          </p:spTgt>
+                                        </p:tgtEl>
+                                        <p:attrNameLst>
+                                          <p:attrName>style.visibility</p:attrName>
+                                        </p:attrNameLst>
+                                      </p:cBhvr>
+                                      <p:to>
+                                        <p:strVal val="visible"/>
+                                      </p:to>
+                                    </p:set>
+                                    <p:animEffect filter="dissolve" transition="in">
+                                      <p:cBhvr>
+                                        <p:cTn id="7" dur="500"/>
+                                        <p:tgtEl>
+                                          <p:spTgt spid="321">
+                                            <p:bg/>
+                                          </p:spTgt>
+                                        </p:tgtEl>
+                                      </p:cBhvr>
+                                    </p:animEffect>
+                                  </p:childTnLst>
+                                </p:cTn>
+                              </p:par>
+                              <p:par>
+                                <p:cTn id="8" presetClass="entr" nodeType="withEffect" presetSubtype="0" presetID="9" grpId="1" fill="hold">
+                                  <p:stCondLst>
+                                    <p:cond delay="0"/>
+                                  </p:stCondLst>
+                                  <p:iterate type="el" backwards="0">
+                                    <p:tmAbs val="0"/>
+                                  </p:iterate>
+                                  <p:childTnLst>
+                                    <p:set>
+                                      <p:cBhvr>
+                                        <p:cTn id="9" fill="hold"/>
+                                        <p:tgtEl>
+                                          <p:spTgt spid="321">
+                                            <p:txEl>
+                                              <p:pRg st="0" end="0"/>
+                                            </p:txEl>
+                                          </p:spTgt>
+                                        </p:tgtEl>
+                                        <p:attrNameLst>
+                                          <p:attrName>style.visibility</p:attrName>
+                                        </p:attrNameLst>
+                                      </p:cBhvr>
+                                      <p:to>
+                                        <p:strVal val="visible"/>
+                                      </p:to>
+                                    </p:set>
+                                    <p:animEffect filter="dissolve" transition="in">
+                                      <p:cBhvr>
+                                        <p:cTn id="10" dur="500"/>
+                                        <p:tgtEl>
+                                          <p:spTgt spid="321">
+                                            <p:txEl>
+                                              <p:pRg st="0" end="0"/>
+                                            </p:txEl>
+                                          </p:spTgt>
+                                        </p:tgtEl>
+                                      </p:cBhvr>
+                                    </p:animEffect>
+                                  </p:childTnLst>
+                                </p:cTn>
+                              </p:par>
+                            </p:childTnLst>
+                          </p:cTn>
+                        </p:par>
+                      </p:childTnLst>
+                    </p:cTn>
+                  </p:par>
+                </p:childTnLst>
+              </p:cTn>
+              <p:prevCondLst>
+                <p:cond evt="onPrev">
+                  <p:tgtEl>
+                    <p:sldTgt/>
+                  </p:tgtEl>
+                </p:cond>
+              </p:prevCondLst>
+              <p:nextCondLst>
+                <p:cond evt="onNext">
+                  <p:tgtEl>
+                    <p:sldTgt/>
+                  </p:tgtEl>
+                </p:cond>
+              </p:nextCondLst>
+            </p:seq>
+          </p:childTnLst>
+        </p:cTn>
+      </p:par>
+    </p:tnLst>
+    <p:bldLst>
+      <p:bldP build="p" bldLvl="5" animBg="1" rev="0" advAuto="0" spid="321" grpId="1"/>
     </p:bldLst>
   </p:timing>
 </p:sld>
@@ -11023,6 +11055,98 @@
       </p:grpSpPr>
       <p:sp>
         <p:nvSpPr>
+          <p:cNvPr id="324" name="Content Placeholder 2"/>
+          <p:cNvSpPr txBox="1"/>
+          <p:nvPr>
+            <p:ph type="body" sz="half" idx="1"/>
+          </p:nvPr>
+        </p:nvSpPr>
+        <p:spPr>
+          <a:xfrm>
+            <a:off x="932496" y="3059720"/>
+            <a:ext cx="10327008" cy="2111145"/>
+          </a:xfrm>
+          <a:prstGeom prst="rect">
+            <a:avLst/>
+          </a:prstGeom>
+        </p:spPr>
+        <p:txBody>
+          <a:bodyPr/>
+          <a:lstStyle>
+            <a:lvl1pPr algn="ctr">
+              <a:spcBef>
+                <a:spcPts val="900"/>
+              </a:spcBef>
+              <a:defRPr sz="4000"/>
+            </a:lvl1pPr>
+          </a:lstStyle>
+          <a:p>
+            <a:pPr/>
+            <a:r>
+              <a:t>No.</a:t>
+            </a:r>
+          </a:p>
+        </p:txBody>
+      </p:sp>
+      <p:sp>
+        <p:nvSpPr>
+          <p:cNvPr id="325" name="Slide Number Placeholder 3"/>
+          <p:cNvSpPr txBox="1"/>
+          <p:nvPr>
+            <p:ph type="sldNum" sz="quarter" idx="2"/>
+          </p:nvPr>
+        </p:nvSpPr>
+        <p:spPr>
+          <a:xfrm>
+            <a:off x="11724818" y="6448742"/>
+            <a:ext cx="263982" cy="269241"/>
+          </a:xfrm>
+          <a:prstGeom prst="rect">
+            <a:avLst/>
+          </a:prstGeom>
+          <a:extLst>
+            <a:ext uri="{C572A759-6A51-4108-AA02-DFA0A04FC94B}">
+              <ma14:wrappingTextBoxFlag xmlns:ma14="http://schemas.microsoft.com/office/mac/drawingml/2011/main" val="1"/>
+            </a:ext>
+          </a:extLst>
+        </p:spPr>
+        <p:txBody>
+          <a:bodyPr/>
+          <a:lstStyle/>
+          <a:p>
+            <a:pPr/>
+            <a:fld id="{86CB4B4D-7CA3-9044-876B-883B54F8677D}" type="slidenum"/>
+          </a:p>
+        </p:txBody>
+      </p:sp>
+    </p:spTree>
+  </p:cSld>
+  <p:clrMapOvr>
+    <a:masterClrMapping/>
+  </p:clrMapOvr>
+  <p:transition xmlns:p14="http://schemas.microsoft.com/office/powerpoint/2010/main" spd="med" advClick="1"/>
+</p:sld>
+</file>
+
+<file path=ppt/slides/slide27.xml><?xml version="1.0" encoding="utf-8"?>
+<p:sld xmlns:a="http://schemas.openxmlformats.org/drawingml/2006/main" xmlns:r="http://schemas.openxmlformats.org/officeDocument/2006/relationships" xmlns:p="http://schemas.openxmlformats.org/presentationml/2006/main" showMasterSp="1" showMasterPhAnim="1">
+  <p:cSld>
+    <p:spTree>
+      <p:nvGrpSpPr>
+        <p:cNvPr id="1" name=""/>
+        <p:cNvGrpSpPr/>
+        <p:nvPr/>
+      </p:nvGrpSpPr>
+      <p:grpSpPr>
+        <a:xfrm>
+          <a:off x="0" y="0"/>
+          <a:ext cx="0" cy="0"/>
+          <a:chOff x="0" y="0"/>
+          <a:chExt cx="0" cy="0"/>
+        </a:xfrm>
+      </p:grpSpPr>
+      <p:sp>
+        <p:nvSpPr>
           <p:cNvPr id="327" name="Title 1"/>
           <p:cNvSpPr txBox="1"/>
           <p:nvPr>
@@ -11044,7 +11168,7 @@
           <a:p>
             <a:pPr/>
             <a:r>
-              <a:t>Deriving the LASSO estimator</a:t>
+              <a:t>Subgradient to the rescue</a:t>
             </a:r>
           </a:p>
         </p:txBody>
@@ -11059,8 +11183,8 @@
         </p:nvSpPr>
         <p:spPr>
           <a:xfrm>
-            <a:off x="932495" y="1177757"/>
-            <a:ext cx="10641195" cy="4755210"/>
+            <a:off x="932496" y="1177757"/>
+            <a:ext cx="10327008" cy="4755210"/>
           </a:xfrm>
           <a:prstGeom prst="rect">
             <a:avLst/>
@@ -11254,98 +11378,6 @@
 </p:sld>
 </file>
 
-<file path=ppt/slides/slide27.xml><?xml version="1.0" encoding="utf-8"?>
-<p:sld xmlns:a="http://schemas.openxmlformats.org/drawingml/2006/main" xmlns:r="http://schemas.openxmlformats.org/officeDocument/2006/relationships" xmlns:p="http://schemas.openxmlformats.org/presentationml/2006/main" showMasterSp="1" showMasterPhAnim="1">
-  <p:cSld>
-    <p:spTree>
-      <p:nvGrpSpPr>
-        <p:cNvPr id="1" name=""/>
-        <p:cNvGrpSpPr/>
-        <p:nvPr/>
-      </p:nvGrpSpPr>
-      <p:grpSpPr>
-        <a:xfrm>
-          <a:off x="0" y="0"/>
-          <a:ext cx="0" cy="0"/>
-          <a:chOff x="0" y="0"/>
-          <a:chExt cx="0" cy="0"/>
-        </a:xfrm>
-      </p:grpSpPr>
-      <p:sp>
-        <p:nvSpPr>
-          <p:cNvPr id="331" name="Content Placeholder 2"/>
-          <p:cNvSpPr txBox="1"/>
-          <p:nvPr>
-            <p:ph type="body" sz="half" idx="1"/>
-          </p:nvPr>
-        </p:nvSpPr>
-        <p:spPr>
-          <a:xfrm>
-            <a:off x="932496" y="3059720"/>
-            <a:ext cx="10327008" cy="2111145"/>
-          </a:xfrm>
-          <a:prstGeom prst="rect">
-            <a:avLst/>
-          </a:prstGeom>
-        </p:spPr>
-        <p:txBody>
-          <a:bodyPr/>
-          <a:lstStyle>
-            <a:lvl1pPr algn="ctr">
-              <a:spcBef>
-                <a:spcPts val="900"/>
-              </a:spcBef>
-              <a:defRPr sz="4000"/>
-            </a:lvl1pPr>
-          </a:lstStyle>
-          <a:p>
-            <a:pPr/>
-            <a:r>
-              <a:t>No.</a:t>
-            </a:r>
-          </a:p>
-        </p:txBody>
-      </p:sp>
-      <p:sp>
-        <p:nvSpPr>
-          <p:cNvPr id="332" name="Slide Number Placeholder 3"/>
-          <p:cNvSpPr txBox="1"/>
-          <p:nvPr>
-            <p:ph type="sldNum" sz="quarter" idx="2"/>
-          </p:nvPr>
-        </p:nvSpPr>
-        <p:spPr>
-          <a:xfrm>
-            <a:off x="11724818" y="6448742"/>
-            <a:ext cx="263982" cy="269241"/>
-          </a:xfrm>
-          <a:prstGeom prst="rect">
-            <a:avLst/>
-          </a:prstGeom>
-          <a:extLst>
-            <a:ext uri="{C572A759-6A51-4108-AA02-DFA0A04FC94B}">
-              <ma14:wrappingTextBoxFlag xmlns:ma14="http://schemas.microsoft.com/office/mac/drawingml/2011/main" val="1"/>
-            </a:ext>
-          </a:extLst>
-        </p:spPr>
-        <p:txBody>
-          <a:bodyPr/>
-          <a:lstStyle/>
-          <a:p>
-            <a:pPr/>
-            <a:fld id="{86CB4B4D-7CA3-9044-876B-883B54F8677D}" type="slidenum"/>
-          </a:p>
-        </p:txBody>
-      </p:sp>
-    </p:spTree>
-  </p:cSld>
-  <p:clrMapOvr>
-    <a:masterClrMapping/>
-  </p:clrMapOvr>
-  <p:transition xmlns:p14="http://schemas.microsoft.com/office/powerpoint/2010/main" spd="med" advClick="1"/>
-</p:sld>
-</file>
-
 <file path=ppt/slides/slide28.xml><?xml version="1.0" encoding="utf-8"?>
 <p:sld xmlns:a="http://schemas.openxmlformats.org/drawingml/2006/main" xmlns:r="http://schemas.openxmlformats.org/officeDocument/2006/relationships" xmlns:p="http://schemas.openxmlformats.org/presentationml/2006/main" showMasterSp="1" showMasterPhAnim="1">
   <p:cSld>
@@ -11365,7 +11397,7 @@
       </p:grpSpPr>
       <p:sp>
         <p:nvSpPr>
-          <p:cNvPr id="334" name="Title 1"/>
+          <p:cNvPr id="331" name="Title 1"/>
           <p:cNvSpPr txBox="1"/>
           <p:nvPr>
             <p:ph type="title"/>
@@ -11393,7 +11425,7 @@
       </p:sp>
       <p:sp>
         <p:nvSpPr>
-          <p:cNvPr id="335" name="Content Placeholder 2"/>
+          <p:cNvPr id="332" name="Content Placeholder 2"/>
           <p:cNvSpPr txBox="1"/>
           <p:nvPr>
             <p:ph type="body" idx="1"/>
@@ -11402,7 +11434,7 @@
         <p:spPr>
           <a:xfrm>
             <a:off x="932496" y="1177757"/>
-            <a:ext cx="10327008" cy="4755210"/>
+            <a:ext cx="10327008" cy="4850903"/>
           </a:xfrm>
           <a:prstGeom prst="rect">
             <a:avLst/>
@@ -11427,7 +11459,7 @@
       </p:sp>
       <p:sp>
         <p:nvSpPr>
-          <p:cNvPr id="336" name="Slide Number Placeholder 3"/>
+          <p:cNvPr id="333" name="Slide Number Placeholder 3"/>
           <p:cNvSpPr txBox="1"/>
           <p:nvPr>
             <p:ph type="sldNum" sz="quarter" idx="2"/>
@@ -11456,259 +11488,9 @@
           </a:p>
         </p:txBody>
       </p:sp>
-    </p:spTree>
-  </p:cSld>
-  <p:clrMapOvr>
-    <a:masterClrMapping/>
-  </p:clrMapOvr>
-  <p:transition xmlns:p14="http://schemas.microsoft.com/office/powerpoint/2010/main" spd="med" advClick="1"/>
-  <p:timing>
-    <p:tnLst>
-      <p:par>
-        <p:cTn id="1" nodeType="tmRoot" restart="never" dur="indefinite" fill="hold">
-          <p:childTnLst>
-            <p:seq concurrent="1" prevAc="none" nextAc="seek">
-              <p:cTn id="2" nodeType="mainSeq" dur="indefinite" fill="hold">
-                <p:childTnLst>
-                  <p:par>
-                    <p:cTn id="3" fill="hold">
-                      <p:stCondLst>
-                        <p:cond delay="indefinite"/>
-                      </p:stCondLst>
-                      <p:childTnLst>
-                        <p:par>
-                          <p:cTn id="4" fill="hold">
-                            <p:stCondLst>
-                              <p:cond delay="0"/>
-                            </p:stCondLst>
-                            <p:childTnLst>
-                              <p:par>
-                                <p:cTn id="5" presetClass="entr" nodeType="clickEffect" presetID="9" grpId="1" fill="hold">
-                                  <p:stCondLst>
-                                    <p:cond delay="0"/>
-                                  </p:stCondLst>
-                                  <p:iterate type="el" backwards="0">
-                                    <p:tmAbs val="0"/>
-                                  </p:iterate>
-                                  <p:childTnLst>
-                                    <p:set>
-                                      <p:cBhvr>
-                                        <p:cTn id="6" fill="hold"/>
-                                        <p:tgtEl>
-                                          <p:spTgt spid="335">
-                                            <p:bg/>
-                                          </p:spTgt>
-                                        </p:tgtEl>
-                                        <p:attrNameLst>
-                                          <p:attrName>style.visibility</p:attrName>
-                                        </p:attrNameLst>
-                                      </p:cBhvr>
-                                      <p:to>
-                                        <p:strVal val="visible"/>
-                                      </p:to>
-                                    </p:set>
-                                    <p:animEffect filter="dissolve" transition="in">
-                                      <p:cBhvr>
-                                        <p:cTn id="7" dur="500"/>
-                                        <p:tgtEl>
-                                          <p:spTgt spid="335">
-                                            <p:bg/>
-                                          </p:spTgt>
-                                        </p:tgtEl>
-                                      </p:cBhvr>
-                                    </p:animEffect>
-                                  </p:childTnLst>
-                                </p:cTn>
-                              </p:par>
-                              <p:par>
-                                <p:cTn id="8" presetClass="entr" nodeType="withEffect" presetSubtype="0" presetID="9" grpId="1" fill="hold">
-                                  <p:stCondLst>
-                                    <p:cond delay="0"/>
-                                  </p:stCondLst>
-                                  <p:iterate type="el" backwards="0">
-                                    <p:tmAbs val="0"/>
-                                  </p:iterate>
-                                  <p:childTnLst>
-                                    <p:set>
-                                      <p:cBhvr>
-                                        <p:cTn id="9" fill="hold"/>
-                                        <p:tgtEl>
-                                          <p:spTgt spid="335">
-                                            <p:txEl>
-                                              <p:pRg st="0" end="0"/>
-                                            </p:txEl>
-                                          </p:spTgt>
-                                        </p:tgtEl>
-                                        <p:attrNameLst>
-                                          <p:attrName>style.visibility</p:attrName>
-                                        </p:attrNameLst>
-                                      </p:cBhvr>
-                                      <p:to>
-                                        <p:strVal val="visible"/>
-                                      </p:to>
-                                    </p:set>
-                                    <p:animEffect filter="dissolve" transition="in">
-                                      <p:cBhvr>
-                                        <p:cTn id="10" dur="500"/>
-                                        <p:tgtEl>
-                                          <p:spTgt spid="335">
-                                            <p:txEl>
-                                              <p:pRg st="0" end="0"/>
-                                            </p:txEl>
-                                          </p:spTgt>
-                                        </p:tgtEl>
-                                      </p:cBhvr>
-                                    </p:animEffect>
-                                  </p:childTnLst>
-                                </p:cTn>
-                              </p:par>
-                            </p:childTnLst>
-                          </p:cTn>
-                        </p:par>
-                      </p:childTnLst>
-                    </p:cTn>
-                  </p:par>
-                </p:childTnLst>
-              </p:cTn>
-              <p:prevCondLst>
-                <p:cond evt="onPrev">
-                  <p:tgtEl>
-                    <p:sldTgt/>
-                  </p:tgtEl>
-                </p:cond>
-              </p:prevCondLst>
-              <p:nextCondLst>
-                <p:cond evt="onNext">
-                  <p:tgtEl>
-                    <p:sldTgt/>
-                  </p:tgtEl>
-                </p:cond>
-              </p:nextCondLst>
-            </p:seq>
-          </p:childTnLst>
-        </p:cTn>
-      </p:par>
-    </p:tnLst>
-    <p:bldLst>
-      <p:bldP build="p" bldLvl="5" animBg="1" rev="0" advAuto="0" spid="335" grpId="1"/>
-    </p:bldLst>
-  </p:timing>
-</p:sld>
-</file>
-
-<file path=ppt/slides/slide29.xml><?xml version="1.0" encoding="utf-8"?>
-<p:sld xmlns:a="http://schemas.openxmlformats.org/drawingml/2006/main" xmlns:r="http://schemas.openxmlformats.org/officeDocument/2006/relationships" xmlns:p="http://schemas.openxmlformats.org/presentationml/2006/main" showMasterSp="1" showMasterPhAnim="1">
-  <p:cSld>
-    <p:spTree>
-      <p:nvGrpSpPr>
-        <p:cNvPr id="1" name=""/>
-        <p:cNvGrpSpPr/>
-        <p:nvPr/>
-      </p:nvGrpSpPr>
-      <p:grpSpPr>
-        <a:xfrm>
-          <a:off x="0" y="0"/>
-          <a:ext cx="0" cy="0"/>
-          <a:chOff x="0" y="0"/>
-          <a:chExt cx="0" cy="0"/>
-        </a:xfrm>
-      </p:grpSpPr>
-      <p:sp>
-        <p:nvSpPr>
-          <p:cNvPr id="338" name="Title 1"/>
-          <p:cNvSpPr txBox="1"/>
-          <p:nvPr>
-            <p:ph type="title"/>
-          </p:nvPr>
-        </p:nvSpPr>
-        <p:spPr>
-          <a:xfrm>
-            <a:off x="349291" y="216530"/>
-            <a:ext cx="11493418" cy="767278"/>
-          </a:xfrm>
-          <a:prstGeom prst="rect">
-            <a:avLst/>
-          </a:prstGeom>
-        </p:spPr>
-        <p:txBody>
-          <a:bodyPr/>
-          <a:lstStyle/>
-          <a:p>
-            <a:pPr/>
-            <a:r>
-              <a:t>Subgradient to the rescue</a:t>
-            </a:r>
-          </a:p>
-        </p:txBody>
-      </p:sp>
-      <p:sp>
-        <p:nvSpPr>
-          <p:cNvPr id="339" name="Content Placeholder 2"/>
-          <p:cNvSpPr txBox="1"/>
-          <p:nvPr>
-            <p:ph type="body" idx="1"/>
-          </p:nvPr>
-        </p:nvSpPr>
-        <p:spPr>
-          <a:xfrm>
-            <a:off x="932496" y="1177757"/>
-            <a:ext cx="10327008" cy="4850903"/>
-          </a:xfrm>
-          <a:prstGeom prst="rect">
-            <a:avLst/>
-          </a:prstGeom>
-          <a:blipFill>
-            <a:blip r:embed="rId2"/>
-            <a:stretch>
-              <a:fillRect/>
-            </a:stretch>
-          </a:blipFill>
-        </p:spPr>
-        <p:txBody>
-          <a:bodyPr/>
-          <a:lstStyle/>
-          <a:p>
-            <a:pPr/>
-            <a:r>
-              <a:t> </a:t>
-            </a:r>
-          </a:p>
-        </p:txBody>
-      </p:sp>
-      <p:sp>
-        <p:nvSpPr>
-          <p:cNvPr id="340" name="Slide Number Placeholder 3"/>
-          <p:cNvSpPr txBox="1"/>
-          <p:nvPr>
-            <p:ph type="sldNum" sz="quarter" idx="2"/>
-          </p:nvPr>
-        </p:nvSpPr>
-        <p:spPr>
-          <a:xfrm>
-            <a:off x="11724818" y="6448742"/>
-            <a:ext cx="263982" cy="269241"/>
-          </a:xfrm>
-          <a:prstGeom prst="rect">
-            <a:avLst/>
-          </a:prstGeom>
-          <a:extLst>
-            <a:ext uri="{C572A759-6A51-4108-AA02-DFA0A04FC94B}">
-              <ma14:wrappingTextBoxFlag xmlns:ma14="http://schemas.microsoft.com/office/mac/drawingml/2011/main" val="1"/>
-            </a:ext>
-          </a:extLst>
-        </p:spPr>
-        <p:txBody>
-          <a:bodyPr/>
-          <a:lstStyle/>
-          <a:p>
-            <a:pPr/>
-            <a:fld id="{86CB4B4D-7CA3-9044-876B-883B54F8677D}" type="slidenum"/>
-          </a:p>
-        </p:txBody>
-      </p:sp>
       <p:pic>
         <p:nvPicPr>
-          <p:cNvPr id="341" name="Graphic 5" descr="Graphic 5"/>
+          <p:cNvPr id="334" name="Graphic 5" descr="Graphic 5"/>
           <p:cNvPicPr>
             <a:picLocks noChangeAspect="1"/>
           </p:cNvPicPr>
@@ -11774,7 +11556,7 @@
                                       <p:cBhvr>
                                         <p:cTn id="6" fill="hold"/>
                                         <p:tgtEl>
-                                          <p:spTgt spid="339">
+                                          <p:spTgt spid="332">
                                             <p:bg/>
                                           </p:spTgt>
                                         </p:tgtEl>
@@ -11790,7 +11572,7 @@
                                       <p:cBhvr>
                                         <p:cTn id="7" dur="500"/>
                                         <p:tgtEl>
-                                          <p:spTgt spid="339">
+                                          <p:spTgt spid="332">
                                             <p:bg/>
                                           </p:spTgt>
                                         </p:tgtEl>
@@ -11812,7 +11594,7 @@
                                       <p:cBhvr>
                                         <p:cTn id="9" fill="hold"/>
                                         <p:tgtEl>
-                                          <p:spTgt spid="339">
+                                          <p:spTgt spid="332">
                                             <p:txEl>
                                               <p:pRg st="0" end="0"/>
                                             </p:txEl>
@@ -11830,7 +11612,7 @@
                                       <p:cBhvr>
                                         <p:cTn id="10" dur="500"/>
                                         <p:tgtEl>
-                                          <p:spTgt spid="339">
+                                          <p:spTgt spid="332">
                                             <p:txEl>
                                               <p:pRg st="0" end="0"/>
                                             </p:txEl>
@@ -11872,7 +11654,7 @@
                                       <p:cBhvr>
                                         <p:cTn id="14" fill="hold"/>
                                         <p:tgtEl>
-                                          <p:spTgt spid="341"/>
+                                          <p:spTgt spid="334"/>
                                         </p:tgtEl>
                                         <p:attrNameLst>
                                           <p:attrName>style.visibility</p:attrName>
@@ -11886,7 +11668,7 @@
                                       <p:cBhvr>
                                         <p:cTn id="15" dur="500"/>
                                         <p:tgtEl>
-                                          <p:spTgt spid="341"/>
+                                          <p:spTgt spid="334"/>
                                         </p:tgtEl>
                                       </p:cBhvr>
                                     </p:animEffect>
@@ -11921,14 +11703,14 @@
       </p:par>
     </p:tnLst>
     <p:bldLst>
-      <p:bldP build="whole" bldLvl="1" animBg="1" rev="0" advAuto="0" spid="341" grpId="2"/>
-      <p:bldP build="p" bldLvl="5" animBg="1" rev="0" advAuto="0" spid="339" grpId="1"/>
+      <p:bldP build="whole" bldLvl="1" animBg="1" rev="0" advAuto="0" spid="334" grpId="2"/>
+      <p:bldP build="p" bldLvl="5" animBg="1" rev="0" advAuto="0" spid="332" grpId="1"/>
     </p:bldLst>
   </p:timing>
 </p:sld>
 </file>
 
-<file path=ppt/slides/slide3.xml><?xml version="1.0" encoding="utf-8"?>
+<file path=ppt/slides/slide29.xml><?xml version="1.0" encoding="utf-8"?>
 <p:sld xmlns:a="http://schemas.openxmlformats.org/drawingml/2006/main" xmlns:r="http://schemas.openxmlformats.org/officeDocument/2006/relationships" xmlns:p="http://schemas.openxmlformats.org/presentationml/2006/main" showMasterSp="1" showMasterPhAnim="1">
   <p:cSld>
     <p:spTree>
@@ -11947,98 +11729,7 @@
       </p:grpSpPr>
       <p:sp>
         <p:nvSpPr>
-          <p:cNvPr id="155" name="Content Placeholder 2"/>
-          <p:cNvSpPr txBox="1"/>
-          <p:nvPr>
-            <p:ph type="body" sz="quarter" idx="1"/>
-          </p:nvPr>
-        </p:nvSpPr>
-        <p:spPr>
-          <a:xfrm>
-            <a:off x="932496" y="2636733"/>
-            <a:ext cx="10327008" cy="1020869"/>
-          </a:xfrm>
-          <a:prstGeom prst="rect">
-            <a:avLst/>
-          </a:prstGeom>
-        </p:spPr>
-        <p:txBody>
-          <a:bodyPr/>
-          <a:lstStyle/>
-          <a:p>
-            <a:pPr algn="ctr">
-              <a:defRPr b="1"/>
-            </a:pPr>
-            <a:r>
-              <a:t>Regularization: </a:t>
-            </a:r>
-            <a:r>
-              <a:rPr b="0"/>
-              <a:t>introduce additional information to solve ill-posed problems or avoid overfitting.</a:t>
-            </a:r>
-          </a:p>
-        </p:txBody>
-      </p:sp>
-      <p:sp>
-        <p:nvSpPr>
-          <p:cNvPr id="156" name="Slide Number Placeholder 3"/>
-          <p:cNvSpPr txBox="1"/>
-          <p:nvPr>
-            <p:ph type="sldNum" sz="quarter" idx="2"/>
-          </p:nvPr>
-        </p:nvSpPr>
-        <p:spPr>
-          <a:xfrm>
-            <a:off x="11804739" y="6448742"/>
-            <a:ext cx="184061" cy="269241"/>
-          </a:xfrm>
-          <a:prstGeom prst="rect">
-            <a:avLst/>
-          </a:prstGeom>
-          <a:extLst>
-            <a:ext uri="{C572A759-6A51-4108-AA02-DFA0A04FC94B}">
-              <ma14:wrappingTextBoxFlag xmlns:ma14="http://schemas.microsoft.com/office/mac/drawingml/2011/main" val="1"/>
-            </a:ext>
-          </a:extLst>
-        </p:spPr>
-        <p:txBody>
-          <a:bodyPr/>
-          <a:lstStyle/>
-          <a:p>
-            <a:pPr/>
-            <a:fld id="{86CB4B4D-7CA3-9044-876B-883B54F8677D}" type="slidenum"/>
-          </a:p>
-        </p:txBody>
-      </p:sp>
-    </p:spTree>
-  </p:cSld>
-  <p:clrMapOvr>
-    <a:masterClrMapping/>
-  </p:clrMapOvr>
-  <p:transition xmlns:p14="http://schemas.microsoft.com/office/powerpoint/2010/main" spd="med" advClick="1"/>
-</p:sld>
-</file>
-
-<file path=ppt/slides/slide30.xml><?xml version="1.0" encoding="utf-8"?>
-<p:sld xmlns:a="http://schemas.openxmlformats.org/drawingml/2006/main" xmlns:r="http://schemas.openxmlformats.org/officeDocument/2006/relationships" xmlns:p="http://schemas.openxmlformats.org/presentationml/2006/main" showMasterSp="1" showMasterPhAnim="1">
-  <p:cSld>
-    <p:spTree>
-      <p:nvGrpSpPr>
-        <p:cNvPr id="1" name=""/>
-        <p:cNvGrpSpPr/>
-        <p:nvPr/>
-      </p:nvGrpSpPr>
-      <p:grpSpPr>
-        <a:xfrm>
-          <a:off x="0" y="0"/>
-          <a:ext cx="0" cy="0"/>
-          <a:chOff x="0" y="0"/>
-          <a:chExt cx="0" cy="0"/>
-        </a:xfrm>
-      </p:grpSpPr>
-      <p:sp>
-        <p:nvSpPr>
-          <p:cNvPr id="343" name="Title 1"/>
+          <p:cNvPr id="336" name="Title 1"/>
           <p:cNvSpPr txBox="1"/>
           <p:nvPr>
             <p:ph type="title"/>
@@ -12066,7 +11757,7 @@
       </p:sp>
       <p:sp>
         <p:nvSpPr>
-          <p:cNvPr id="344" name="Content Placeholder 2"/>
+          <p:cNvPr id="337" name="Content Placeholder 2"/>
           <p:cNvSpPr txBox="1"/>
           <p:nvPr>
             <p:ph type="body" idx="1"/>
@@ -12100,7 +11791,7 @@
       </p:sp>
       <p:sp>
         <p:nvSpPr>
-          <p:cNvPr id="345" name="Slide Number Placeholder 3"/>
+          <p:cNvPr id="338" name="Slide Number Placeholder 3"/>
           <p:cNvSpPr txBox="1"/>
           <p:nvPr>
             <p:ph type="sldNum" sz="quarter" idx="2"/>
@@ -12168,7 +11859,7 @@
                                       <p:cBhvr>
                                         <p:cTn id="6" fill="hold"/>
                                         <p:tgtEl>
-                                          <p:spTgt spid="344">
+                                          <p:spTgt spid="337">
                                             <p:bg/>
                                           </p:spTgt>
                                         </p:tgtEl>
@@ -12184,7 +11875,7 @@
                                       <p:cBhvr>
                                         <p:cTn id="7" dur="500"/>
                                         <p:tgtEl>
-                                          <p:spTgt spid="344">
+                                          <p:spTgt spid="337">
                                             <p:bg/>
                                           </p:spTgt>
                                         </p:tgtEl>
@@ -12206,7 +11897,7 @@
                                       <p:cBhvr>
                                         <p:cTn id="9" fill="hold"/>
                                         <p:tgtEl>
-                                          <p:spTgt spid="344">
+                                          <p:spTgt spid="337">
                                             <p:txEl>
                                               <p:pRg st="0" end="0"/>
                                             </p:txEl>
@@ -12224,7 +11915,7 @@
                                       <p:cBhvr>
                                         <p:cTn id="10" dur="500"/>
                                         <p:tgtEl>
-                                          <p:spTgt spid="344">
+                                          <p:spTgt spid="337">
                                             <p:txEl>
                                               <p:pRg st="0" end="0"/>
                                             </p:txEl>
@@ -12263,13 +11954,13 @@
       </p:par>
     </p:tnLst>
     <p:bldLst>
-      <p:bldP build="p" bldLvl="5" animBg="1" rev="0" advAuto="0" spid="344" grpId="1"/>
+      <p:bldP build="p" bldLvl="5" animBg="1" rev="0" advAuto="0" spid="337" grpId="1"/>
     </p:bldLst>
   </p:timing>
 </p:sld>
 </file>
 
-<file path=ppt/slides/slide31.xml><?xml version="1.0" encoding="utf-8"?>
+<file path=ppt/slides/slide3.xml><?xml version="1.0" encoding="utf-8"?>
 <p:sld xmlns:a="http://schemas.openxmlformats.org/drawingml/2006/main" xmlns:r="http://schemas.openxmlformats.org/officeDocument/2006/relationships" xmlns:p="http://schemas.openxmlformats.org/presentationml/2006/main" showMasterSp="1" showMasterPhAnim="1">
   <p:cSld>
     <p:spTree>
@@ -12288,7 +11979,98 @@
       </p:grpSpPr>
       <p:sp>
         <p:nvSpPr>
-          <p:cNvPr id="347" name="Title 1"/>
+          <p:cNvPr id="155" name="Content Placeholder 2"/>
+          <p:cNvSpPr txBox="1"/>
+          <p:nvPr>
+            <p:ph type="body" sz="quarter" idx="1"/>
+          </p:nvPr>
+        </p:nvSpPr>
+        <p:spPr>
+          <a:xfrm>
+            <a:off x="932496" y="2636733"/>
+            <a:ext cx="10327008" cy="1020869"/>
+          </a:xfrm>
+          <a:prstGeom prst="rect">
+            <a:avLst/>
+          </a:prstGeom>
+        </p:spPr>
+        <p:txBody>
+          <a:bodyPr/>
+          <a:lstStyle/>
+          <a:p>
+            <a:pPr algn="ctr">
+              <a:defRPr b="1"/>
+            </a:pPr>
+            <a:r>
+              <a:t>Regularization: </a:t>
+            </a:r>
+            <a:r>
+              <a:rPr b="0"/>
+              <a:t>introduce additional information to solve ill-posed problems or avoid overfitting.</a:t>
+            </a:r>
+          </a:p>
+        </p:txBody>
+      </p:sp>
+      <p:sp>
+        <p:nvSpPr>
+          <p:cNvPr id="156" name="Slide Number Placeholder 3"/>
+          <p:cNvSpPr txBox="1"/>
+          <p:nvPr>
+            <p:ph type="sldNum" sz="quarter" idx="2"/>
+          </p:nvPr>
+        </p:nvSpPr>
+        <p:spPr>
+          <a:xfrm>
+            <a:off x="11804739" y="6448742"/>
+            <a:ext cx="184061" cy="269241"/>
+          </a:xfrm>
+          <a:prstGeom prst="rect">
+            <a:avLst/>
+          </a:prstGeom>
+          <a:extLst>
+            <a:ext uri="{C572A759-6A51-4108-AA02-DFA0A04FC94B}">
+              <ma14:wrappingTextBoxFlag xmlns:ma14="http://schemas.microsoft.com/office/mac/drawingml/2011/main" val="1"/>
+            </a:ext>
+          </a:extLst>
+        </p:spPr>
+        <p:txBody>
+          <a:bodyPr/>
+          <a:lstStyle/>
+          <a:p>
+            <a:pPr/>
+            <a:fld id="{86CB4B4D-7CA3-9044-876B-883B54F8677D}" type="slidenum"/>
+          </a:p>
+        </p:txBody>
+      </p:sp>
+    </p:spTree>
+  </p:cSld>
+  <p:clrMapOvr>
+    <a:masterClrMapping/>
+  </p:clrMapOvr>
+  <p:transition xmlns:p14="http://schemas.microsoft.com/office/powerpoint/2010/main" spd="med" advClick="1"/>
+</p:sld>
+</file>
+
+<file path=ppt/slides/slide30.xml><?xml version="1.0" encoding="utf-8"?>
+<p:sld xmlns:a="http://schemas.openxmlformats.org/drawingml/2006/main" xmlns:r="http://schemas.openxmlformats.org/officeDocument/2006/relationships" xmlns:p="http://schemas.openxmlformats.org/presentationml/2006/main" showMasterSp="1" showMasterPhAnim="1">
+  <p:cSld>
+    <p:spTree>
+      <p:nvGrpSpPr>
+        <p:cNvPr id="1" name=""/>
+        <p:cNvGrpSpPr/>
+        <p:nvPr/>
+      </p:nvGrpSpPr>
+      <p:grpSpPr>
+        <a:xfrm>
+          <a:off x="0" y="0"/>
+          <a:ext cx="0" cy="0"/>
+          <a:chOff x="0" y="0"/>
+          <a:chExt cx="0" cy="0"/>
+        </a:xfrm>
+      </p:grpSpPr>
+      <p:sp>
+        <p:nvSpPr>
+          <p:cNvPr id="340" name="Title 1"/>
           <p:cNvSpPr txBox="1"/>
           <p:nvPr>
             <p:ph type="title"/>
@@ -12316,7 +12098,7 @@
       </p:sp>
       <p:sp>
         <p:nvSpPr>
-          <p:cNvPr id="348" name="Content Placeholder 2"/>
+          <p:cNvPr id="341" name="Content Placeholder 2"/>
           <p:cNvSpPr txBox="1"/>
           <p:nvPr>
             <p:ph type="body" idx="1"/>
@@ -12350,7 +12132,7 @@
       </p:sp>
       <p:sp>
         <p:nvSpPr>
-          <p:cNvPr id="349" name="Slide Number Placeholder 3"/>
+          <p:cNvPr id="342" name="Slide Number Placeholder 3"/>
           <p:cNvSpPr txBox="1"/>
           <p:nvPr>
             <p:ph type="sldNum" sz="quarter" idx="2"/>
@@ -12418,7 +12200,7 @@
                                       <p:cBhvr>
                                         <p:cTn id="6" fill="hold"/>
                                         <p:tgtEl>
-                                          <p:spTgt spid="348">
+                                          <p:spTgt spid="341">
                                             <p:bg/>
                                           </p:spTgt>
                                         </p:tgtEl>
@@ -12434,7 +12216,7 @@
                                       <p:cBhvr>
                                         <p:cTn id="7" dur="500"/>
                                         <p:tgtEl>
-                                          <p:spTgt spid="348">
+                                          <p:spTgt spid="341">
                                             <p:bg/>
                                           </p:spTgt>
                                         </p:tgtEl>
@@ -12456,7 +12238,7 @@
                                       <p:cBhvr>
                                         <p:cTn id="9" fill="hold"/>
                                         <p:tgtEl>
-                                          <p:spTgt spid="348">
+                                          <p:spTgt spid="341">
                                             <p:txEl>
                                               <p:pRg st="0" end="0"/>
                                             </p:txEl>
@@ -12474,7 +12256,7 @@
                                       <p:cBhvr>
                                         <p:cTn id="10" dur="500"/>
                                         <p:tgtEl>
-                                          <p:spTgt spid="348">
+                                          <p:spTgt spid="341">
                                             <p:txEl>
                                               <p:pRg st="0" end="0"/>
                                             </p:txEl>
@@ -12513,13 +12295,13 @@
       </p:par>
     </p:tnLst>
     <p:bldLst>
-      <p:bldP build="p" bldLvl="5" animBg="1" rev="0" advAuto="0" spid="348" grpId="1"/>
+      <p:bldP build="p" bldLvl="5" animBg="1" rev="0" advAuto="0" spid="341" grpId="1"/>
     </p:bldLst>
   </p:timing>
 </p:sld>
 </file>
 
-<file path=ppt/slides/slide32.xml><?xml version="1.0" encoding="utf-8"?>
+<file path=ppt/slides/slide31.xml><?xml version="1.0" encoding="utf-8"?>
 <p:sld xmlns:a="http://schemas.openxmlformats.org/drawingml/2006/main" xmlns:r="http://schemas.openxmlformats.org/officeDocument/2006/relationships" xmlns:p="http://schemas.openxmlformats.org/presentationml/2006/main" showMasterSp="1" showMasterPhAnim="1">
   <p:cSld>
     <p:spTree>
@@ -12538,7 +12320,7 @@
       </p:grpSpPr>
       <p:sp>
         <p:nvSpPr>
-          <p:cNvPr id="351" name="Title 1"/>
+          <p:cNvPr id="344" name="Title 1"/>
           <p:cNvSpPr txBox="1"/>
           <p:nvPr>
             <p:ph type="title"/>
@@ -12566,7 +12348,7 @@
       </p:sp>
       <p:sp>
         <p:nvSpPr>
-          <p:cNvPr id="352" name="Content Placeholder 2"/>
+          <p:cNvPr id="345" name="Content Placeholder 2"/>
           <p:cNvSpPr txBox="1"/>
           <p:nvPr>
             <p:ph type="body" idx="1"/>
@@ -12600,7 +12382,7 @@
       </p:sp>
       <p:sp>
         <p:nvSpPr>
-          <p:cNvPr id="353" name="Slide Number Placeholder 3"/>
+          <p:cNvPr id="346" name="Slide Number Placeholder 3"/>
           <p:cNvSpPr txBox="1"/>
           <p:nvPr>
             <p:ph type="sldNum" sz="quarter" idx="2"/>
@@ -12668,7 +12450,7 @@
                                       <p:cBhvr>
                                         <p:cTn id="6" fill="hold"/>
                                         <p:tgtEl>
-                                          <p:spTgt spid="352">
+                                          <p:spTgt spid="345">
                                             <p:bg/>
                                           </p:spTgt>
                                         </p:tgtEl>
@@ -12684,7 +12466,7 @@
                                       <p:cBhvr>
                                         <p:cTn id="7" dur="500"/>
                                         <p:tgtEl>
-                                          <p:spTgt spid="352">
+                                          <p:spTgt spid="345">
                                             <p:bg/>
                                           </p:spTgt>
                                         </p:tgtEl>
@@ -12706,7 +12488,7 @@
                                       <p:cBhvr>
                                         <p:cTn id="9" fill="hold"/>
                                         <p:tgtEl>
-                                          <p:spTgt spid="352">
+                                          <p:spTgt spid="345">
                                             <p:txEl>
                                               <p:pRg st="0" end="0"/>
                                             </p:txEl>
@@ -12724,7 +12506,7 @@
                                       <p:cBhvr>
                                         <p:cTn id="10" dur="500"/>
                                         <p:tgtEl>
-                                          <p:spTgt spid="352">
+                                          <p:spTgt spid="345">
                                             <p:txEl>
                                               <p:pRg st="0" end="0"/>
                                             </p:txEl>
@@ -12763,13 +12545,13 @@
       </p:par>
     </p:tnLst>
     <p:bldLst>
-      <p:bldP build="p" bldLvl="5" animBg="1" rev="0" advAuto="0" spid="352" grpId="1"/>
+      <p:bldP build="p" bldLvl="5" animBg="1" rev="0" advAuto="0" spid="345" grpId="1"/>
     </p:bldLst>
   </p:timing>
 </p:sld>
 </file>
 
-<file path=ppt/slides/slide33.xml><?xml version="1.0" encoding="utf-8"?>
+<file path=ppt/slides/slide32.xml><?xml version="1.0" encoding="utf-8"?>
 <p:sld xmlns:a="http://schemas.openxmlformats.org/drawingml/2006/main" xmlns:r="http://schemas.openxmlformats.org/officeDocument/2006/relationships" xmlns:p="http://schemas.openxmlformats.org/presentationml/2006/main" showMasterSp="1" showMasterPhAnim="1">
   <p:cSld>
     <p:spTree>
@@ -12788,7 +12570,7 @@
       </p:grpSpPr>
       <p:sp>
         <p:nvSpPr>
-          <p:cNvPr id="355" name="Title 1"/>
+          <p:cNvPr id="348" name="Title 1"/>
           <p:cNvSpPr txBox="1"/>
           <p:nvPr>
             <p:ph type="title"/>
@@ -12816,7 +12598,7 @@
       </p:sp>
       <p:sp>
         <p:nvSpPr>
-          <p:cNvPr id="356" name="Content Placeholder 2"/>
+          <p:cNvPr id="349" name="Content Placeholder 2"/>
           <p:cNvSpPr txBox="1"/>
           <p:nvPr>
             <p:ph type="body" idx="1"/>
@@ -12850,7 +12632,7 @@
       </p:sp>
       <p:sp>
         <p:nvSpPr>
-          <p:cNvPr id="357" name="Slide Number Placeholder 3"/>
+          <p:cNvPr id="350" name="Slide Number Placeholder 3"/>
           <p:cNvSpPr txBox="1"/>
           <p:nvPr>
             <p:ph type="sldNum" sz="quarter" idx="2"/>
@@ -12918,7 +12700,7 @@
                                       <p:cBhvr>
                                         <p:cTn id="6" fill="hold"/>
                                         <p:tgtEl>
-                                          <p:spTgt spid="356">
+                                          <p:spTgt spid="349">
                                             <p:bg/>
                                           </p:spTgt>
                                         </p:tgtEl>
@@ -12934,7 +12716,7 @@
                                       <p:cBhvr>
                                         <p:cTn id="7" dur="500"/>
                                         <p:tgtEl>
-                                          <p:spTgt spid="356">
+                                          <p:spTgt spid="349">
                                             <p:bg/>
                                           </p:spTgt>
                                         </p:tgtEl>
@@ -12956,7 +12738,7 @@
                                       <p:cBhvr>
                                         <p:cTn id="9" fill="hold"/>
                                         <p:tgtEl>
-                                          <p:spTgt spid="356">
+                                          <p:spTgt spid="349">
                                             <p:txEl>
                                               <p:pRg st="0" end="0"/>
                                             </p:txEl>
@@ -12974,7 +12756,7 @@
                                       <p:cBhvr>
                                         <p:cTn id="10" dur="500"/>
                                         <p:tgtEl>
-                                          <p:spTgt spid="356">
+                                          <p:spTgt spid="349">
                                             <p:txEl>
                                               <p:pRg st="0" end="0"/>
                                             </p:txEl>
@@ -13013,13 +12795,13 @@
       </p:par>
     </p:tnLst>
     <p:bldLst>
-      <p:bldP build="p" bldLvl="5" animBg="1" rev="0" advAuto="0" spid="356" grpId="1"/>
+      <p:bldP build="p" bldLvl="5" animBg="1" rev="0" advAuto="0" spid="349" grpId="1"/>
     </p:bldLst>
   </p:timing>
 </p:sld>
 </file>
 
-<file path=ppt/slides/slide34.xml><?xml version="1.0" encoding="utf-8"?>
+<file path=ppt/slides/slide33.xml><?xml version="1.0" encoding="utf-8"?>
 <p:sld xmlns:a="http://schemas.openxmlformats.org/drawingml/2006/main" xmlns:r="http://schemas.openxmlformats.org/officeDocument/2006/relationships" xmlns:p="http://schemas.openxmlformats.org/presentationml/2006/main" showMasterSp="1" showMasterPhAnim="1">
   <p:cSld>
     <p:spTree>
@@ -13038,7 +12820,7 @@
       </p:grpSpPr>
       <p:sp>
         <p:nvSpPr>
-          <p:cNvPr id="361" name="Title 1"/>
+          <p:cNvPr id="354" name="Title 1"/>
           <p:cNvSpPr txBox="1"/>
           <p:nvPr>
             <p:ph type="title"/>
@@ -13066,7 +12848,7 @@
       </p:sp>
       <p:sp>
         <p:nvSpPr>
-          <p:cNvPr id="362" name="Content Placeholder 2"/>
+          <p:cNvPr id="355" name="Content Placeholder 2"/>
           <p:cNvSpPr txBox="1"/>
           <p:nvPr>
             <p:ph type="body" idx="1"/>
@@ -13100,7 +12882,7 @@
       </p:sp>
       <p:sp>
         <p:nvSpPr>
-          <p:cNvPr id="363" name="Slide Number Placeholder 3"/>
+          <p:cNvPr id="356" name="Slide Number Placeholder 3"/>
           <p:cNvSpPr txBox="1"/>
           <p:nvPr>
             <p:ph type="sldNum" sz="quarter" idx="2"/>
@@ -13168,7 +12950,7 @@
                                       <p:cBhvr>
                                         <p:cTn id="6" fill="hold"/>
                                         <p:tgtEl>
-                                          <p:spTgt spid="362">
+                                          <p:spTgt spid="355">
                                             <p:bg/>
                                           </p:spTgt>
                                         </p:tgtEl>
@@ -13184,7 +12966,7 @@
                                       <p:cBhvr>
                                         <p:cTn id="7" dur="500"/>
                                         <p:tgtEl>
-                                          <p:spTgt spid="362">
+                                          <p:spTgt spid="355">
                                             <p:bg/>
                                           </p:spTgt>
                                         </p:tgtEl>
@@ -13206,7 +12988,7 @@
                                       <p:cBhvr>
                                         <p:cTn id="9" fill="hold"/>
                                         <p:tgtEl>
-                                          <p:spTgt spid="362">
+                                          <p:spTgt spid="355">
                                             <p:txEl>
                                               <p:pRg st="0" end="0"/>
                                             </p:txEl>
@@ -13224,7 +13006,7 @@
                                       <p:cBhvr>
                                         <p:cTn id="10" dur="500"/>
                                         <p:tgtEl>
-                                          <p:spTgt spid="362">
+                                          <p:spTgt spid="355">
                                             <p:txEl>
                                               <p:pRg st="0" end="0"/>
                                             </p:txEl>
@@ -13263,9 +13045,128 @@
       </p:par>
     </p:tnLst>
     <p:bldLst>
-      <p:bldP build="p" bldLvl="5" animBg="1" rev="0" advAuto="0" spid="362" grpId="1"/>
+      <p:bldP build="p" bldLvl="5" animBg="1" rev="0" advAuto="0" spid="355" grpId="1"/>
     </p:bldLst>
   </p:timing>
+</p:sld>
+</file>
+
+<file path=ppt/slides/slide34.xml><?xml version="1.0" encoding="utf-8"?>
+<p:sld xmlns:a="http://schemas.openxmlformats.org/drawingml/2006/main" xmlns:r="http://schemas.openxmlformats.org/officeDocument/2006/relationships" xmlns:p="http://schemas.openxmlformats.org/presentationml/2006/main" showMasterSp="1" showMasterPhAnim="1">
+  <p:cSld>
+    <p:spTree>
+      <p:nvGrpSpPr>
+        <p:cNvPr id="1" name=""/>
+        <p:cNvGrpSpPr/>
+        <p:nvPr/>
+      </p:nvGrpSpPr>
+      <p:grpSpPr>
+        <a:xfrm>
+          <a:off x="0" y="0"/>
+          <a:ext cx="0" cy="0"/>
+          <a:chOff x="0" y="0"/>
+          <a:chExt cx="0" cy="0"/>
+        </a:xfrm>
+      </p:grpSpPr>
+      <p:sp>
+        <p:nvSpPr>
+          <p:cNvPr id="358" name="Title 1"/>
+          <p:cNvSpPr txBox="1"/>
+          <p:nvPr>
+            <p:ph type="title"/>
+          </p:nvPr>
+        </p:nvSpPr>
+        <p:spPr>
+          <a:xfrm>
+            <a:off x="349291" y="216530"/>
+            <a:ext cx="11493418" cy="767278"/>
+          </a:xfrm>
+          <a:prstGeom prst="rect">
+            <a:avLst/>
+          </a:prstGeom>
+        </p:spPr>
+        <p:txBody>
+          <a:bodyPr/>
+          <a:lstStyle/>
+          <a:p>
+            <a:pPr/>
+            <a:r>
+              <a:t>Connections of LASSO with OLS</a:t>
+            </a:r>
+          </a:p>
+        </p:txBody>
+      </p:sp>
+      <p:sp>
+        <p:nvSpPr>
+          <p:cNvPr id="359" name="Content Placeholder 2"/>
+          <p:cNvSpPr txBox="1"/>
+          <p:nvPr>
+            <p:ph type="body" idx="1"/>
+          </p:nvPr>
+        </p:nvSpPr>
+        <p:spPr>
+          <a:xfrm>
+            <a:off x="932496" y="1177757"/>
+            <a:ext cx="10327008" cy="5053362"/>
+          </a:xfrm>
+          <a:prstGeom prst="rect">
+            <a:avLst/>
+          </a:prstGeom>
+          <a:blipFill>
+            <a:blip r:embed="rId2"/>
+            <a:stretch>
+              <a:fillRect/>
+            </a:stretch>
+          </a:blipFill>
+        </p:spPr>
+        <p:txBody>
+          <a:bodyPr/>
+          <a:lstStyle/>
+          <a:p>
+            <a:pPr/>
+            <a:r>
+              <a:t> </a:t>
+            </a:r>
+          </a:p>
+        </p:txBody>
+      </p:sp>
+      <p:sp>
+        <p:nvSpPr>
+          <p:cNvPr id="360" name="Slide Number Placeholder 3"/>
+          <p:cNvSpPr txBox="1"/>
+          <p:nvPr>
+            <p:ph type="sldNum" sz="quarter" idx="2"/>
+          </p:nvPr>
+        </p:nvSpPr>
+        <p:spPr>
+          <a:xfrm>
+            <a:off x="11724818" y="6448742"/>
+            <a:ext cx="263982" cy="269241"/>
+          </a:xfrm>
+          <a:prstGeom prst="rect">
+            <a:avLst/>
+          </a:prstGeom>
+          <a:extLst>
+            <a:ext uri="{C572A759-6A51-4108-AA02-DFA0A04FC94B}">
+              <ma14:wrappingTextBoxFlag xmlns:ma14="http://schemas.microsoft.com/office/mac/drawingml/2011/main" val="1"/>
+            </a:ext>
+          </a:extLst>
+        </p:spPr>
+        <p:txBody>
+          <a:bodyPr/>
+          <a:lstStyle/>
+          <a:p>
+            <a:pPr/>
+            <a:fld id="{86CB4B4D-7CA3-9044-876B-883B54F8677D}" type="slidenum"/>
+          </a:p>
+        </p:txBody>
+      </p:sp>
+    </p:spTree>
+  </p:cSld>
+  <p:clrMapOvr>
+    <a:masterClrMapping/>
+  </p:clrMapOvr>
+  <p:transition xmlns:p14="http://schemas.microsoft.com/office/powerpoint/2010/main" spd="med" advClick="1"/>
 </p:sld>
 </file>
 
@@ -13288,7 +13189,7 @@
       </p:grpSpPr>
       <p:sp>
         <p:nvSpPr>
-          <p:cNvPr id="365" name="Title 1"/>
+          <p:cNvPr id="362" name="Title 1"/>
           <p:cNvSpPr txBox="1"/>
           <p:nvPr>
             <p:ph type="title"/>
@@ -13309,48 +13210,14 @@
           <a:p>
             <a:pPr/>
             <a:r>
-              <a:t>Connections of LASSO with OLS</a:t>
+              <a:t>LASSO visualized</a:t>
             </a:r>
           </a:p>
         </p:txBody>
       </p:sp>
       <p:sp>
         <p:nvSpPr>
-          <p:cNvPr id="366" name="Content Placeholder 2"/>
-          <p:cNvSpPr txBox="1"/>
-          <p:nvPr>
-            <p:ph type="body" idx="1"/>
-          </p:nvPr>
-        </p:nvSpPr>
-        <p:spPr>
-          <a:xfrm>
-            <a:off x="932496" y="1177757"/>
-            <a:ext cx="10327008" cy="5053362"/>
-          </a:xfrm>
-          <a:prstGeom prst="rect">
-            <a:avLst/>
-          </a:prstGeom>
-          <a:blipFill>
-            <a:blip r:embed="rId2"/>
-            <a:stretch>
-              <a:fillRect/>
-            </a:stretch>
-          </a:blipFill>
-        </p:spPr>
-        <p:txBody>
-          <a:bodyPr/>
-          <a:lstStyle/>
-          <a:p>
-            <a:pPr/>
-            <a:r>
-              <a:t> </a:t>
-            </a:r>
-          </a:p>
-        </p:txBody>
-      </p:sp>
-      <p:sp>
-        <p:nvSpPr>
-          <p:cNvPr id="367" name="Slide Number Placeholder 3"/>
+          <p:cNvPr id="363" name="Slide Number Placeholder 3"/>
           <p:cNvSpPr txBox="1"/>
           <p:nvPr>
             <p:ph type="sldNum" sz="quarter" idx="2"/>
@@ -13379,94 +13246,9 @@
           </a:p>
         </p:txBody>
       </p:sp>
-    </p:spTree>
-  </p:cSld>
-  <p:clrMapOvr>
-    <a:masterClrMapping/>
-  </p:clrMapOvr>
-  <p:transition xmlns:p14="http://schemas.microsoft.com/office/powerpoint/2010/main" spd="med" advClick="1"/>
-</p:sld>
-</file>
-
-<file path=ppt/slides/slide36.xml><?xml version="1.0" encoding="utf-8"?>
-<p:sld xmlns:a="http://schemas.openxmlformats.org/drawingml/2006/main" xmlns:r="http://schemas.openxmlformats.org/officeDocument/2006/relationships" xmlns:p="http://schemas.openxmlformats.org/presentationml/2006/main" showMasterSp="1" showMasterPhAnim="1">
-  <p:cSld>
-    <p:spTree>
-      <p:nvGrpSpPr>
-        <p:cNvPr id="1" name=""/>
-        <p:cNvGrpSpPr/>
-        <p:nvPr/>
-      </p:nvGrpSpPr>
-      <p:grpSpPr>
-        <a:xfrm>
-          <a:off x="0" y="0"/>
-          <a:ext cx="0" cy="0"/>
-          <a:chOff x="0" y="0"/>
-          <a:chExt cx="0" cy="0"/>
-        </a:xfrm>
-      </p:grpSpPr>
-      <p:sp>
-        <p:nvSpPr>
-          <p:cNvPr id="369" name="Title 1"/>
-          <p:cNvSpPr txBox="1"/>
-          <p:nvPr>
-            <p:ph type="title"/>
-          </p:nvPr>
-        </p:nvSpPr>
-        <p:spPr>
-          <a:xfrm>
-            <a:off x="349291" y="216530"/>
-            <a:ext cx="11493418" cy="767278"/>
-          </a:xfrm>
-          <a:prstGeom prst="rect">
-            <a:avLst/>
-          </a:prstGeom>
-        </p:spPr>
-        <p:txBody>
-          <a:bodyPr/>
-          <a:lstStyle/>
-          <a:p>
-            <a:pPr/>
-            <a:r>
-              <a:t>LASSO visualized</a:t>
-            </a:r>
-          </a:p>
-        </p:txBody>
-      </p:sp>
-      <p:sp>
-        <p:nvSpPr>
-          <p:cNvPr id="370" name="Slide Number Placeholder 3"/>
-          <p:cNvSpPr txBox="1"/>
-          <p:nvPr>
-            <p:ph type="sldNum" sz="quarter" idx="2"/>
-          </p:nvPr>
-        </p:nvSpPr>
-        <p:spPr>
-          <a:xfrm>
-            <a:off x="11724818" y="6448742"/>
-            <a:ext cx="263982" cy="269241"/>
-          </a:xfrm>
-          <a:prstGeom prst="rect">
-            <a:avLst/>
-          </a:prstGeom>
-          <a:extLst>
-            <a:ext uri="{C572A759-6A51-4108-AA02-DFA0A04FC94B}">
-              <ma14:wrappingTextBoxFlag xmlns:ma14="http://schemas.microsoft.com/office/mac/drawingml/2011/main" val="1"/>
-            </a:ext>
-          </a:extLst>
-        </p:spPr>
-        <p:txBody>
-          <a:bodyPr/>
-          <a:lstStyle/>
-          <a:p>
-            <a:pPr/>
-            <a:fld id="{86CB4B4D-7CA3-9044-876B-883B54F8677D}" type="slidenum"/>
-          </a:p>
-        </p:txBody>
-      </p:sp>
       <p:pic>
         <p:nvPicPr>
-          <p:cNvPr id="371" name="Content Placeholder 8" descr="Content Placeholder 8"/>
+          <p:cNvPr id="364" name="Content Placeholder 8" descr="Content Placeholder 8"/>
           <p:cNvPicPr>
             <a:picLocks noChangeAspect="1"/>
           </p:cNvPicPr>
@@ -13496,7 +13278,7 @@
       </p:pic>
       <p:pic>
         <p:nvPicPr>
-          <p:cNvPr id="372" name="Picture 10" descr="Picture 10"/>
+          <p:cNvPr id="365" name="Picture 10" descr="Picture 10"/>
           <p:cNvPicPr>
             <a:picLocks noChangeAspect="1"/>
           </p:cNvPicPr>
@@ -13525,7 +13307,7 @@
       </p:pic>
       <p:sp>
         <p:nvSpPr>
-          <p:cNvPr id="373" name="TextBox 11"/>
+          <p:cNvPr id="366" name="TextBox 11"/>
           <p:cNvSpPr txBox="1"/>
           <p:nvPr/>
         </p:nvSpPr>
@@ -13563,7 +13345,7 @@
       </p:sp>
       <p:sp>
         <p:nvSpPr>
-          <p:cNvPr id="374" name="TextBox 12"/>
+          <p:cNvPr id="367" name="TextBox 12"/>
           <p:cNvSpPr txBox="1"/>
           <p:nvPr/>
         </p:nvSpPr>
@@ -13601,7 +13383,7 @@
       </p:sp>
       <p:sp>
         <p:nvSpPr>
-          <p:cNvPr id="375" name="Straight Arrow Connector 13"/>
+          <p:cNvPr id="368" name="Straight Arrow Connector 13"/>
           <p:cNvSpPr/>
           <p:nvPr/>
         </p:nvSpPr>
@@ -13637,7 +13419,7 @@
       </p:sp>
       <p:sp>
         <p:nvSpPr>
-          <p:cNvPr id="376" name="TextBox 14"/>
+          <p:cNvPr id="369" name="TextBox 14"/>
           <p:cNvSpPr txBox="1"/>
           <p:nvPr/>
         </p:nvSpPr>
@@ -13688,7 +13470,7 @@
       </p:sp>
       <p:sp>
         <p:nvSpPr>
-          <p:cNvPr id="377" name="Oval 15"/>
+          <p:cNvPr id="370" name="Oval 15"/>
           <p:cNvSpPr/>
           <p:nvPr/>
         </p:nvSpPr>
@@ -13760,7 +13542,7 @@
                                       <p:cBhvr>
                                         <p:cTn id="6" fill="hold"/>
                                         <p:tgtEl>
-                                          <p:spTgt spid="376"/>
+                                          <p:spTgt spid="369"/>
                                         </p:tgtEl>
                                         <p:attrNameLst>
                                           <p:attrName>style.visibility</p:attrName>
@@ -13774,7 +13556,7 @@
                                       <p:cBhvr>
                                         <p:cTn id="7" dur="500"/>
                                         <p:tgtEl>
-                                          <p:spTgt spid="376"/>
+                                          <p:spTgt spid="369"/>
                                         </p:tgtEl>
                                       </p:cBhvr>
                                     </p:animEffect>
@@ -13803,7 +13585,7 @@
                                       <p:cBhvr>
                                         <p:cTn id="10" fill="hold"/>
                                         <p:tgtEl>
-                                          <p:spTgt spid="375"/>
+                                          <p:spTgt spid="368"/>
                                         </p:tgtEl>
                                         <p:attrNameLst>
                                           <p:attrName>style.visibility</p:attrName>
@@ -13817,7 +13599,7 @@
                                       <p:cBhvr>
                                         <p:cTn id="11" dur="500"/>
                                         <p:tgtEl>
-                                          <p:spTgt spid="375"/>
+                                          <p:spTgt spid="368"/>
                                         </p:tgtEl>
                                       </p:cBhvr>
                                     </p:animEffect>
@@ -13846,7 +13628,7 @@
                                       <p:cBhvr>
                                         <p:cTn id="14" fill="hold"/>
                                         <p:tgtEl>
-                                          <p:spTgt spid="377"/>
+                                          <p:spTgt spid="370"/>
                                         </p:tgtEl>
                                         <p:attrNameLst>
                                           <p:attrName>style.visibility</p:attrName>
@@ -13860,7 +13642,7 @@
                                       <p:cBhvr>
                                         <p:cTn id="15" dur="500"/>
                                         <p:tgtEl>
-                                          <p:spTgt spid="377"/>
+                                          <p:spTgt spid="370"/>
                                         </p:tgtEl>
                                       </p:cBhvr>
                                     </p:animEffect>
@@ -13895,11 +13677,128 @@
       </p:par>
     </p:tnLst>
     <p:bldLst>
-      <p:bldP build="whole" bldLvl="1" animBg="1" rev="0" advAuto="0" spid="375" grpId="2"/>
-      <p:bldP build="whole" bldLvl="1" animBg="1" rev="0" advAuto="0" spid="376" grpId="1"/>
-      <p:bldP build="whole" bldLvl="1" animBg="1" rev="0" advAuto="0" spid="377" grpId="3"/>
+      <p:bldP build="whole" bldLvl="1" animBg="1" rev="0" advAuto="0" spid="369" grpId="1"/>
+      <p:bldP build="whole" bldLvl="1" animBg="1" rev="0" advAuto="0" spid="368" grpId="2"/>
+      <p:bldP build="whole" bldLvl="1" animBg="1" rev="0" advAuto="0" spid="370" grpId="3"/>
     </p:bldLst>
   </p:timing>
+</p:sld>
+</file>
+
+<file path=ppt/slides/slide36.xml><?xml version="1.0" encoding="utf-8"?>
+<p:sld xmlns:a="http://schemas.openxmlformats.org/drawingml/2006/main" xmlns:r="http://schemas.openxmlformats.org/officeDocument/2006/relationships" xmlns:p="http://schemas.openxmlformats.org/presentationml/2006/main" showMasterSp="1" showMasterPhAnim="1">
+  <p:cSld>
+    <p:spTree>
+      <p:nvGrpSpPr>
+        <p:cNvPr id="1" name=""/>
+        <p:cNvGrpSpPr/>
+        <p:nvPr/>
+      </p:nvGrpSpPr>
+      <p:grpSpPr>
+        <a:xfrm>
+          <a:off x="0" y="0"/>
+          <a:ext cx="0" cy="0"/>
+          <a:chOff x="0" y="0"/>
+          <a:chExt cx="0" cy="0"/>
+        </a:xfrm>
+      </p:grpSpPr>
+      <p:sp>
+        <p:nvSpPr>
+          <p:cNvPr id="372" name="Title 1"/>
+          <p:cNvSpPr txBox="1"/>
+          <p:nvPr>
+            <p:ph type="title"/>
+          </p:nvPr>
+        </p:nvSpPr>
+        <p:spPr>
+          <a:xfrm>
+            <a:off x="865715" y="2747961"/>
+            <a:ext cx="10363201" cy="1362077"/>
+          </a:xfrm>
+          <a:prstGeom prst="rect">
+            <a:avLst/>
+          </a:prstGeom>
+        </p:spPr>
+        <p:txBody>
+          <a:bodyPr/>
+          <a:lstStyle/>
+          <a:p>
+            <a:pPr/>
+            <a:r>
+              <a:t>Elastic Net ESTIMATOR</a:t>
+            </a:r>
+          </a:p>
+        </p:txBody>
+      </p:sp>
+      <p:sp>
+        <p:nvSpPr>
+          <p:cNvPr id="373" name="Text Placeholder 2"/>
+          <p:cNvSpPr txBox="1"/>
+          <p:nvPr>
+            <p:ph type="body" sz="quarter" idx="1"/>
+          </p:nvPr>
+        </p:nvSpPr>
+        <p:spPr>
+          <a:xfrm>
+            <a:off x="914400" y="3429000"/>
+            <a:ext cx="10363200" cy="365125"/>
+          </a:xfrm>
+          <a:prstGeom prst="rect">
+            <a:avLst/>
+          </a:prstGeom>
+        </p:spPr>
+        <p:txBody>
+          <a:bodyPr/>
+          <a:lstStyle>
+            <a:lvl1pPr defTabSz="448038">
+              <a:defRPr sz="1960"/>
+            </a:lvl1pPr>
+          </a:lstStyle>
+          <a:p>
+            <a:pPr/>
+            <a:r>
+              <a:t>Estimators, assemble</a:t>
+            </a:r>
+          </a:p>
+        </p:txBody>
+      </p:sp>
+      <p:sp>
+        <p:nvSpPr>
+          <p:cNvPr id="374" name="Slide Number Placeholder 3"/>
+          <p:cNvSpPr txBox="1"/>
+          <p:nvPr>
+            <p:ph type="sldNum" sz="quarter" idx="2"/>
+          </p:nvPr>
+        </p:nvSpPr>
+        <p:spPr>
+          <a:xfrm>
+            <a:off x="11318418" y="6404295"/>
+            <a:ext cx="263982" cy="269241"/>
+          </a:xfrm>
+          <a:prstGeom prst="rect">
+            <a:avLst/>
+          </a:prstGeom>
+          <a:extLst>
+            <a:ext uri="{C572A759-6A51-4108-AA02-DFA0A04FC94B}">
+              <ma14:wrappingTextBoxFlag xmlns:ma14="http://schemas.microsoft.com/office/mac/drawingml/2011/main" val="1"/>
+            </a:ext>
+          </a:extLst>
+        </p:spPr>
+        <p:txBody>
+          <a:bodyPr/>
+          <a:lstStyle/>
+          <a:p>
+            <a:pPr/>
+            <a:fld id="{86CB4B4D-7CA3-9044-876B-883B54F8677D}" type="slidenum"/>
+          </a:p>
+        </p:txBody>
+      </p:sp>
+    </p:spTree>
+  </p:cSld>
+  <p:clrMapOvr>
+    <a:masterClrMapping/>
+  </p:clrMapOvr>
+  <p:transition xmlns:p14="http://schemas.microsoft.com/office/powerpoint/2010/main" spd="med" advClick="1"/>
 </p:sld>
 </file>
 
@@ -13922,7 +13821,7 @@
       </p:grpSpPr>
       <p:sp>
         <p:nvSpPr>
-          <p:cNvPr id="379" name="Title 1"/>
+          <p:cNvPr id="376" name="Title 1"/>
           <p:cNvSpPr txBox="1"/>
           <p:nvPr>
             <p:ph type="title"/>
@@ -13930,123 +13829,6 @@
         </p:nvSpPr>
         <p:spPr>
           <a:xfrm>
-            <a:off x="865715" y="2747961"/>
-            <a:ext cx="10363201" cy="1362077"/>
-          </a:xfrm>
-          <a:prstGeom prst="rect">
-            <a:avLst/>
-          </a:prstGeom>
-        </p:spPr>
-        <p:txBody>
-          <a:bodyPr/>
-          <a:lstStyle/>
-          <a:p>
-            <a:pPr/>
-            <a:r>
-              <a:t>Elastic Net ESTIMATOR</a:t>
-            </a:r>
-          </a:p>
-        </p:txBody>
-      </p:sp>
-      <p:sp>
-        <p:nvSpPr>
-          <p:cNvPr id="380" name="Text Placeholder 2"/>
-          <p:cNvSpPr txBox="1"/>
-          <p:nvPr>
-            <p:ph type="body" sz="quarter" idx="1"/>
-          </p:nvPr>
-        </p:nvSpPr>
-        <p:spPr>
-          <a:xfrm>
-            <a:off x="914400" y="3429000"/>
-            <a:ext cx="10363200" cy="365125"/>
-          </a:xfrm>
-          <a:prstGeom prst="rect">
-            <a:avLst/>
-          </a:prstGeom>
-        </p:spPr>
-        <p:txBody>
-          <a:bodyPr/>
-          <a:lstStyle>
-            <a:lvl1pPr defTabSz="448038">
-              <a:defRPr sz="1960"/>
-            </a:lvl1pPr>
-          </a:lstStyle>
-          <a:p>
-            <a:pPr/>
-            <a:r>
-              <a:t>Estimators, assemble</a:t>
-            </a:r>
-          </a:p>
-        </p:txBody>
-      </p:sp>
-      <p:sp>
-        <p:nvSpPr>
-          <p:cNvPr id="381" name="Slide Number Placeholder 3"/>
-          <p:cNvSpPr txBox="1"/>
-          <p:nvPr>
-            <p:ph type="sldNum" sz="quarter" idx="2"/>
-          </p:nvPr>
-        </p:nvSpPr>
-        <p:spPr>
-          <a:xfrm>
-            <a:off x="11318418" y="6404295"/>
-            <a:ext cx="263982" cy="269241"/>
-          </a:xfrm>
-          <a:prstGeom prst="rect">
-            <a:avLst/>
-          </a:prstGeom>
-          <a:extLst>
-            <a:ext uri="{C572A759-6A51-4108-AA02-DFA0A04FC94B}">
-              <ma14:wrappingTextBoxFlag xmlns:ma14="http://schemas.microsoft.com/office/mac/drawingml/2011/main" val="1"/>
-            </a:ext>
-          </a:extLst>
-        </p:spPr>
-        <p:txBody>
-          <a:bodyPr/>
-          <a:lstStyle/>
-          <a:p>
-            <a:pPr/>
-            <a:fld id="{86CB4B4D-7CA3-9044-876B-883B54F8677D}" type="slidenum"/>
-          </a:p>
-        </p:txBody>
-      </p:sp>
-    </p:spTree>
-  </p:cSld>
-  <p:clrMapOvr>
-    <a:masterClrMapping/>
-  </p:clrMapOvr>
-  <p:transition xmlns:p14="http://schemas.microsoft.com/office/powerpoint/2010/main" spd="med" advClick="1"/>
-</p:sld>
-</file>
-
-<file path=ppt/slides/slide38.xml><?xml version="1.0" encoding="utf-8"?>
-<p:sld xmlns:a="http://schemas.openxmlformats.org/drawingml/2006/main" xmlns:r="http://schemas.openxmlformats.org/officeDocument/2006/relationships" xmlns:p="http://schemas.openxmlformats.org/presentationml/2006/main" showMasterSp="1" showMasterPhAnim="1">
-  <p:cSld>
-    <p:spTree>
-      <p:nvGrpSpPr>
-        <p:cNvPr id="1" name=""/>
-        <p:cNvGrpSpPr/>
-        <p:nvPr/>
-      </p:nvGrpSpPr>
-      <p:grpSpPr>
-        <a:xfrm>
-          <a:off x="0" y="0"/>
-          <a:ext cx="0" cy="0"/>
-          <a:chOff x="0" y="0"/>
-          <a:chExt cx="0" cy="0"/>
-        </a:xfrm>
-      </p:grpSpPr>
-      <p:sp>
-        <p:nvSpPr>
-          <p:cNvPr id="383" name="Title 1"/>
-          <p:cNvSpPr txBox="1"/>
-          <p:nvPr>
-            <p:ph type="title"/>
-          </p:nvPr>
-        </p:nvSpPr>
-        <p:spPr>
-          <a:xfrm>
             <a:off x="349291" y="216530"/>
             <a:ext cx="11493418" cy="767278"/>
           </a:xfrm>
@@ -14067,7 +13849,7 @@
       </p:sp>
       <p:sp>
         <p:nvSpPr>
-          <p:cNvPr id="384" name="Content Placeholder 2"/>
+          <p:cNvPr id="377" name="Content Placeholder 2"/>
           <p:cNvSpPr txBox="1"/>
           <p:nvPr>
             <p:ph type="body" idx="1"/>
@@ -14172,7 +13954,7 @@
       </p:sp>
       <p:sp>
         <p:nvSpPr>
-          <p:cNvPr id="385" name="Slide Number Placeholder 3"/>
+          <p:cNvPr id="378" name="Slide Number Placeholder 3"/>
           <p:cNvSpPr txBox="1"/>
           <p:nvPr>
             <p:ph type="sldNum" sz="quarter" idx="2"/>
@@ -14240,7 +14022,7 @@
                                       <p:cBhvr>
                                         <p:cTn id="6" fill="hold"/>
                                         <p:tgtEl>
-                                          <p:spTgt spid="384">
+                                          <p:spTgt spid="377">
                                             <p:bg/>
                                           </p:spTgt>
                                         </p:tgtEl>
@@ -14256,7 +14038,7 @@
                                       <p:cBhvr>
                                         <p:cTn id="7" dur="500"/>
                                         <p:tgtEl>
-                                          <p:spTgt spid="384">
+                                          <p:spTgt spid="377">
                                             <p:bg/>
                                           </p:spTgt>
                                         </p:tgtEl>
@@ -14278,7 +14060,7 @@
                                       <p:cBhvr>
                                         <p:cTn id="9" fill="hold"/>
                                         <p:tgtEl>
-                                          <p:spTgt spid="384">
+                                          <p:spTgt spid="377">
                                             <p:txEl>
                                               <p:pRg st="0" end="0"/>
                                             </p:txEl>
@@ -14296,7 +14078,7 @@
                                       <p:cBhvr>
                                         <p:cTn id="10" dur="500"/>
                                         <p:tgtEl>
-                                          <p:spTgt spid="384">
+                                          <p:spTgt spid="377">
                                             <p:txEl>
                                               <p:pRg st="0" end="0"/>
                                             </p:txEl>
@@ -14338,7 +14120,7 @@
                                       <p:cBhvr>
                                         <p:cTn id="14" fill="hold"/>
                                         <p:tgtEl>
-                                          <p:spTgt spid="384">
+                                          <p:spTgt spid="377">
                                             <p:txEl>
                                               <p:pRg st="1" end="1"/>
                                             </p:txEl>
@@ -14356,7 +14138,7 @@
                                       <p:cBhvr>
                                         <p:cTn id="15" dur="500"/>
                                         <p:tgtEl>
-                                          <p:spTgt spid="384">
+                                          <p:spTgt spid="377">
                                             <p:txEl>
                                               <p:pRg st="1" end="1"/>
                                             </p:txEl>
@@ -14398,7 +14180,7 @@
                                       <p:cBhvr>
                                         <p:cTn id="19" fill="hold"/>
                                         <p:tgtEl>
-                                          <p:spTgt spid="384">
+                                          <p:spTgt spid="377">
                                             <p:txEl>
                                               <p:pRg st="2" end="2"/>
                                             </p:txEl>
@@ -14416,7 +14198,7 @@
                                       <p:cBhvr>
                                         <p:cTn id="20" dur="500"/>
                                         <p:tgtEl>
-                                          <p:spTgt spid="384">
+                                          <p:spTgt spid="377">
                                             <p:txEl>
                                               <p:pRg st="2" end="2"/>
                                             </p:txEl>
@@ -14458,7 +14240,7 @@
                                       <p:cBhvr>
                                         <p:cTn id="24" fill="hold"/>
                                         <p:tgtEl>
-                                          <p:spTgt spid="384">
+                                          <p:spTgt spid="377">
                                             <p:txEl>
                                               <p:pRg st="3" end="3"/>
                                             </p:txEl>
@@ -14476,7 +14258,7 @@
                                       <p:cBhvr>
                                         <p:cTn id="25" dur="500"/>
                                         <p:tgtEl>
-                                          <p:spTgt spid="384">
+                                          <p:spTgt spid="377">
                                             <p:txEl>
                                               <p:pRg st="3" end="3"/>
                                             </p:txEl>
@@ -14518,7 +14300,7 @@
                                       <p:cBhvr>
                                         <p:cTn id="29" fill="hold"/>
                                         <p:tgtEl>
-                                          <p:spTgt spid="384">
+                                          <p:spTgt spid="377">
                                             <p:txEl>
                                               <p:pRg st="4" end="4"/>
                                             </p:txEl>
@@ -14536,7 +14318,7 @@
                                       <p:cBhvr>
                                         <p:cTn id="30" dur="500"/>
                                         <p:tgtEl>
-                                          <p:spTgt spid="384">
+                                          <p:spTgt spid="377">
                                             <p:txEl>
                                               <p:pRg st="4" end="4"/>
                                             </p:txEl>
@@ -14575,13 +14357,13 @@
       </p:par>
     </p:tnLst>
     <p:bldLst>
-      <p:bldP build="p" bldLvl="1" animBg="1" rev="0" advAuto="0" spid="384" grpId="1"/>
+      <p:bldP build="p" bldLvl="1" animBg="1" rev="0" advAuto="0" spid="377" grpId="1"/>
     </p:bldLst>
   </p:timing>
 </p:sld>
 </file>
 
-<file path=ppt/slides/slide39.xml><?xml version="1.0" encoding="utf-8"?>
+<file path=ppt/slides/slide38.xml><?xml version="1.0" encoding="utf-8"?>
 <p:sld xmlns:a="http://schemas.openxmlformats.org/drawingml/2006/main" xmlns:r="http://schemas.openxmlformats.org/officeDocument/2006/relationships" xmlns:p="http://schemas.openxmlformats.org/presentationml/2006/main" showMasterSp="1" showMasterPhAnim="1">
   <p:cSld>
     <p:spTree>
@@ -14600,7 +14382,7 @@
       </p:grpSpPr>
       <p:sp>
         <p:nvSpPr>
-          <p:cNvPr id="389" name="Title 1"/>
+          <p:cNvPr id="382" name="Title 1"/>
           <p:cNvSpPr txBox="1"/>
           <p:nvPr>
             <p:ph type="title"/>
@@ -14628,7 +14410,7 @@
       </p:sp>
       <p:sp>
         <p:nvSpPr>
-          <p:cNvPr id="390" name="Content Placeholder 2"/>
+          <p:cNvPr id="383" name="Content Placeholder 2"/>
           <p:cNvSpPr txBox="1"/>
           <p:nvPr>
             <p:ph type="body" idx="1"/>
@@ -14662,7 +14444,7 @@
       </p:sp>
       <p:sp>
         <p:nvSpPr>
-          <p:cNvPr id="391" name="Slide Number Placeholder 3"/>
+          <p:cNvPr id="384" name="Slide Number Placeholder 3"/>
           <p:cNvSpPr txBox="1"/>
           <p:nvPr>
             <p:ph type="sldNum" sz="quarter" idx="2"/>
@@ -14693,7 +14475,7 @@
       </p:sp>
       <p:sp>
         <p:nvSpPr>
-          <p:cNvPr id="392" name="TextBox 5"/>
+          <p:cNvPr id="385" name="TextBox 5"/>
           <p:cNvSpPr txBox="1"/>
           <p:nvPr/>
         </p:nvSpPr>
@@ -14737,7 +14519,7 @@
       </p:sp>
       <p:sp>
         <p:nvSpPr>
-          <p:cNvPr id="393" name="TextBox 6"/>
+          <p:cNvPr id="386" name="TextBox 6"/>
           <p:cNvSpPr txBox="1"/>
           <p:nvPr/>
         </p:nvSpPr>
@@ -14818,7 +14600,7 @@
                                       <p:cBhvr>
                                         <p:cTn id="6" fill="hold"/>
                                         <p:tgtEl>
-                                          <p:spTgt spid="390">
+                                          <p:spTgt spid="383">
                                             <p:bg/>
                                           </p:spTgt>
                                         </p:tgtEl>
@@ -14834,7 +14616,7 @@
                                       <p:cBhvr>
                                         <p:cTn id="7" dur="500"/>
                                         <p:tgtEl>
-                                          <p:spTgt spid="390">
+                                          <p:spTgt spid="383">
                                             <p:bg/>
                                           </p:spTgt>
                                         </p:tgtEl>
@@ -14856,7 +14638,7 @@
                                       <p:cBhvr>
                                         <p:cTn id="9" fill="hold"/>
                                         <p:tgtEl>
-                                          <p:spTgt spid="390">
+                                          <p:spTgt spid="383">
                                             <p:txEl>
                                               <p:pRg st="0" end="0"/>
                                             </p:txEl>
@@ -14874,7 +14656,7 @@
                                       <p:cBhvr>
                                         <p:cTn id="10" dur="500"/>
                                         <p:tgtEl>
-                                          <p:spTgt spid="390">
+                                          <p:spTgt spid="383">
                                             <p:txEl>
                                               <p:pRg st="0" end="0"/>
                                             </p:txEl>
@@ -14916,7 +14698,7 @@
                                       <p:cBhvr>
                                         <p:cTn id="14" fill="hold"/>
                                         <p:tgtEl>
-                                          <p:spTgt spid="392"/>
+                                          <p:spTgt spid="385"/>
                                         </p:tgtEl>
                                         <p:attrNameLst>
                                           <p:attrName>style.visibility</p:attrName>
@@ -14930,7 +14712,7 @@
                                       <p:cBhvr>
                                         <p:cTn id="15" dur="500"/>
                                         <p:tgtEl>
-                                          <p:spTgt spid="392"/>
+                                          <p:spTgt spid="385"/>
                                         </p:tgtEl>
                                       </p:cBhvr>
                                     </p:animEffect>
@@ -14959,7 +14741,7 @@
                                       <p:cBhvr>
                                         <p:cTn id="18" fill="hold"/>
                                         <p:tgtEl>
-                                          <p:spTgt spid="393"/>
+                                          <p:spTgt spid="386"/>
                                         </p:tgtEl>
                                         <p:attrNameLst>
                                           <p:attrName>style.visibility</p:attrName>
@@ -14973,7 +14755,7 @@
                                       <p:cBhvr>
                                         <p:cTn id="19" dur="500"/>
                                         <p:tgtEl>
-                                          <p:spTgt spid="393"/>
+                                          <p:spTgt spid="386"/>
                                         </p:tgtEl>
                                       </p:cBhvr>
                                     </p:animEffect>
@@ -15008,15 +14790,15 @@
       </p:par>
     </p:tnLst>
     <p:bldLst>
-      <p:bldP build="whole" bldLvl="1" animBg="1" rev="0" advAuto="0" spid="393" grpId="3"/>
-      <p:bldP build="p" bldLvl="5" animBg="1" rev="0" advAuto="0" spid="390" grpId="1"/>
-      <p:bldP build="whole" bldLvl="1" animBg="1" rev="0" advAuto="0" spid="392" grpId="2"/>
+      <p:bldP build="whole" bldLvl="1" animBg="1" rev="0" advAuto="0" spid="386" grpId="3"/>
+      <p:bldP build="p" bldLvl="5" animBg="1" rev="0" advAuto="0" spid="383" grpId="1"/>
+      <p:bldP build="whole" bldLvl="1" animBg="1" rev="0" advAuto="0" spid="385" grpId="2"/>
     </p:bldLst>
   </p:timing>
 </p:sld>
 </file>
 
-<file path=ppt/slides/slide4.xml><?xml version="1.0" encoding="utf-8"?>
+<file path=ppt/slides/slide39.xml><?xml version="1.0" encoding="utf-8"?>
 <p:sld xmlns:a="http://schemas.openxmlformats.org/drawingml/2006/main" xmlns:r="http://schemas.openxmlformats.org/officeDocument/2006/relationships" xmlns:p="http://schemas.openxmlformats.org/presentationml/2006/main" showMasterSp="1" showMasterPhAnim="1">
   <p:cSld>
     <p:spTree>
@@ -15035,7 +14817,7 @@
       </p:grpSpPr>
       <p:sp>
         <p:nvSpPr>
-          <p:cNvPr id="158" name="Title 8"/>
+          <p:cNvPr id="388" name="Title 1"/>
           <p:cNvSpPr txBox="1"/>
           <p:nvPr>
             <p:ph type="title"/>
@@ -15043,119 +14825,6 @@
         </p:nvSpPr>
         <p:spPr>
           <a:xfrm>
-            <a:off x="963084" y="2747961"/>
-            <a:ext cx="10363201" cy="1362077"/>
-          </a:xfrm>
-          <a:prstGeom prst="rect">
-            <a:avLst/>
-          </a:prstGeom>
-        </p:spPr>
-        <p:txBody>
-          <a:bodyPr/>
-          <a:lstStyle/>
-          <a:p>
-            <a:pPr/>
-            <a:r>
-              <a:t>Motivation</a:t>
-            </a:r>
-          </a:p>
-        </p:txBody>
-      </p:sp>
-      <p:sp>
-        <p:nvSpPr>
-          <p:cNvPr id="159" name="Text Placeholder 9"/>
-          <p:cNvSpPr txBox="1"/>
-          <p:nvPr>
-            <p:ph type="body" sz="quarter" idx="1"/>
-          </p:nvPr>
-        </p:nvSpPr>
-        <p:spPr>
-          <a:xfrm>
-            <a:off x="963084" y="3429000"/>
-            <a:ext cx="10363201" cy="387094"/>
-          </a:xfrm>
-          <a:prstGeom prst="rect">
-            <a:avLst/>
-          </a:prstGeom>
-        </p:spPr>
-        <p:txBody>
-          <a:bodyPr/>
-          <a:lstStyle/>
-          <a:p>
-            <a:pPr/>
-            <a:r>
-              <a:t>Why do we regularize?</a:t>
-            </a:r>
-          </a:p>
-        </p:txBody>
-      </p:sp>
-      <p:sp>
-        <p:nvSpPr>
-          <p:cNvPr id="160" name="Slide Number Placeholder 3"/>
-          <p:cNvSpPr txBox="1"/>
-          <p:nvPr>
-            <p:ph type="sldNum" sz="quarter" idx="2"/>
-          </p:nvPr>
-        </p:nvSpPr>
-        <p:spPr>
-          <a:xfrm>
-            <a:off x="11398339" y="6404295"/>
-            <a:ext cx="184061" cy="269241"/>
-          </a:xfrm>
-          <a:prstGeom prst="rect">
-            <a:avLst/>
-          </a:prstGeom>
-          <a:extLst>
-            <a:ext uri="{C572A759-6A51-4108-AA02-DFA0A04FC94B}">
-              <ma14:wrappingTextBoxFlag xmlns:ma14="http://schemas.microsoft.com/office/mac/drawingml/2011/main" val="1"/>
-            </a:ext>
-          </a:extLst>
-        </p:spPr>
-        <p:txBody>
-          <a:bodyPr/>
-          <a:lstStyle/>
-          <a:p>
-            <a:pPr/>
-            <a:fld id="{86CB4B4D-7CA3-9044-876B-883B54F8677D}" type="slidenum"/>
-          </a:p>
-        </p:txBody>
-      </p:sp>
-    </p:spTree>
-  </p:cSld>
-  <p:clrMapOvr>
-    <a:masterClrMapping/>
-  </p:clrMapOvr>
-  <p:transition xmlns:p14="http://schemas.microsoft.com/office/powerpoint/2010/main" spd="med" advClick="1"/>
-</p:sld>
-</file>
-
-<file path=ppt/slides/slide40.xml><?xml version="1.0" encoding="utf-8"?>
-<p:sld xmlns:a="http://schemas.openxmlformats.org/drawingml/2006/main" xmlns:r="http://schemas.openxmlformats.org/officeDocument/2006/relationships" xmlns:p="http://schemas.openxmlformats.org/presentationml/2006/main" showMasterSp="1" showMasterPhAnim="1">
-  <p:cSld>
-    <p:spTree>
-      <p:nvGrpSpPr>
-        <p:cNvPr id="1" name=""/>
-        <p:cNvGrpSpPr/>
-        <p:nvPr/>
-      </p:nvGrpSpPr>
-      <p:grpSpPr>
-        <a:xfrm>
-          <a:off x="0" y="0"/>
-          <a:ext cx="0" cy="0"/>
-          <a:chOff x="0" y="0"/>
-          <a:chExt cx="0" cy="0"/>
-        </a:xfrm>
-      </p:grpSpPr>
-      <p:sp>
-        <p:nvSpPr>
-          <p:cNvPr id="395" name="Title 1"/>
-          <p:cNvSpPr txBox="1"/>
-          <p:nvPr>
-            <p:ph type="title"/>
-          </p:nvPr>
-        </p:nvSpPr>
-        <p:spPr>
-          <a:xfrm>
             <a:off x="349291" y="216530"/>
             <a:ext cx="11493418" cy="767278"/>
           </a:xfrm>
@@ -15176,7 +14845,7 @@
       </p:sp>
       <p:sp>
         <p:nvSpPr>
-          <p:cNvPr id="396" name="Content Placeholder 2"/>
+          <p:cNvPr id="389" name="Content Placeholder 2"/>
           <p:cNvSpPr txBox="1"/>
           <p:nvPr>
             <p:ph type="body" idx="1"/>
@@ -15210,7 +14879,7 @@
       </p:sp>
       <p:sp>
         <p:nvSpPr>
-          <p:cNvPr id="397" name="Slide Number Placeholder 3"/>
+          <p:cNvPr id="390" name="Slide Number Placeholder 3"/>
           <p:cNvSpPr txBox="1"/>
           <p:nvPr>
             <p:ph type="sldNum" sz="quarter" idx="2"/>
@@ -15278,7 +14947,7 @@
                                       <p:cBhvr>
                                         <p:cTn id="6" fill="hold"/>
                                         <p:tgtEl>
-                                          <p:spTgt spid="396">
+                                          <p:spTgt spid="389">
                                             <p:bg/>
                                           </p:spTgt>
                                         </p:tgtEl>
@@ -15294,7 +14963,7 @@
                                       <p:cBhvr>
                                         <p:cTn id="7" dur="500"/>
                                         <p:tgtEl>
-                                          <p:spTgt spid="396">
+                                          <p:spTgt spid="389">
                                             <p:bg/>
                                           </p:spTgt>
                                         </p:tgtEl>
@@ -15316,7 +14985,7 @@
                                       <p:cBhvr>
                                         <p:cTn id="9" fill="hold"/>
                                         <p:tgtEl>
-                                          <p:spTgt spid="396">
+                                          <p:spTgt spid="389">
                                             <p:txEl>
                                               <p:pRg st="0" end="0"/>
                                             </p:txEl>
@@ -15334,7 +15003,7 @@
                                       <p:cBhvr>
                                         <p:cTn id="10" dur="500"/>
                                         <p:tgtEl>
-                                          <p:spTgt spid="396">
+                                          <p:spTgt spid="389">
                                             <p:txEl>
                                               <p:pRg st="0" end="0"/>
                                             </p:txEl>
@@ -15373,13 +15042,13 @@
       </p:par>
     </p:tnLst>
     <p:bldLst>
-      <p:bldP build="p" bldLvl="5" animBg="1" rev="0" advAuto="0" spid="396" grpId="1"/>
+      <p:bldP build="p" bldLvl="5" animBg="1" rev="0" advAuto="0" spid="389" grpId="1"/>
     </p:bldLst>
   </p:timing>
 </p:sld>
 </file>
 
-<file path=ppt/slides/slide41.xml><?xml version="1.0" encoding="utf-8"?>
+<file path=ppt/slides/slide4.xml><?xml version="1.0" encoding="utf-8"?>
 <p:sld xmlns:a="http://schemas.openxmlformats.org/drawingml/2006/main" xmlns:r="http://schemas.openxmlformats.org/officeDocument/2006/relationships" xmlns:p="http://schemas.openxmlformats.org/presentationml/2006/main" showMasterSp="1" showMasterPhAnim="1">
   <p:cSld>
     <p:spTree>
@@ -15398,7 +15067,7 @@
       </p:grpSpPr>
       <p:sp>
         <p:nvSpPr>
-          <p:cNvPr id="399" name="Title 1"/>
+          <p:cNvPr id="158" name="Title 8"/>
           <p:cNvSpPr txBox="1"/>
           <p:nvPr>
             <p:ph type="title"/>
@@ -15406,6 +15075,119 @@
         </p:nvSpPr>
         <p:spPr>
           <a:xfrm>
+            <a:off x="963084" y="2747961"/>
+            <a:ext cx="10363201" cy="1362077"/>
+          </a:xfrm>
+          <a:prstGeom prst="rect">
+            <a:avLst/>
+          </a:prstGeom>
+        </p:spPr>
+        <p:txBody>
+          <a:bodyPr/>
+          <a:lstStyle/>
+          <a:p>
+            <a:pPr/>
+            <a:r>
+              <a:t>Motivation</a:t>
+            </a:r>
+          </a:p>
+        </p:txBody>
+      </p:sp>
+      <p:sp>
+        <p:nvSpPr>
+          <p:cNvPr id="159" name="Text Placeholder 9"/>
+          <p:cNvSpPr txBox="1"/>
+          <p:nvPr>
+            <p:ph type="body" sz="quarter" idx="1"/>
+          </p:nvPr>
+        </p:nvSpPr>
+        <p:spPr>
+          <a:xfrm>
+            <a:off x="963084" y="3429000"/>
+            <a:ext cx="10363201" cy="387094"/>
+          </a:xfrm>
+          <a:prstGeom prst="rect">
+            <a:avLst/>
+          </a:prstGeom>
+        </p:spPr>
+        <p:txBody>
+          <a:bodyPr/>
+          <a:lstStyle/>
+          <a:p>
+            <a:pPr/>
+            <a:r>
+              <a:t>Why do we regularize?</a:t>
+            </a:r>
+          </a:p>
+        </p:txBody>
+      </p:sp>
+      <p:sp>
+        <p:nvSpPr>
+          <p:cNvPr id="160" name="Slide Number Placeholder 3"/>
+          <p:cNvSpPr txBox="1"/>
+          <p:nvPr>
+            <p:ph type="sldNum" sz="quarter" idx="2"/>
+          </p:nvPr>
+        </p:nvSpPr>
+        <p:spPr>
+          <a:xfrm>
+            <a:off x="11398339" y="6404295"/>
+            <a:ext cx="184061" cy="269241"/>
+          </a:xfrm>
+          <a:prstGeom prst="rect">
+            <a:avLst/>
+          </a:prstGeom>
+          <a:extLst>
+            <a:ext uri="{C572A759-6A51-4108-AA02-DFA0A04FC94B}">
+              <ma14:wrappingTextBoxFlag xmlns:ma14="http://schemas.microsoft.com/office/mac/drawingml/2011/main" val="1"/>
+            </a:ext>
+          </a:extLst>
+        </p:spPr>
+        <p:txBody>
+          <a:bodyPr/>
+          <a:lstStyle/>
+          <a:p>
+            <a:pPr/>
+            <a:fld id="{86CB4B4D-7CA3-9044-876B-883B54F8677D}" type="slidenum"/>
+          </a:p>
+        </p:txBody>
+      </p:sp>
+    </p:spTree>
+  </p:cSld>
+  <p:clrMapOvr>
+    <a:masterClrMapping/>
+  </p:clrMapOvr>
+  <p:transition xmlns:p14="http://schemas.microsoft.com/office/powerpoint/2010/main" spd="med" advClick="1"/>
+</p:sld>
+</file>
+
+<file path=ppt/slides/slide40.xml><?xml version="1.0" encoding="utf-8"?>
+<p:sld xmlns:a="http://schemas.openxmlformats.org/drawingml/2006/main" xmlns:r="http://schemas.openxmlformats.org/officeDocument/2006/relationships" xmlns:p="http://schemas.openxmlformats.org/presentationml/2006/main" showMasterSp="1" showMasterPhAnim="1">
+  <p:cSld>
+    <p:spTree>
+      <p:nvGrpSpPr>
+        <p:cNvPr id="1" name=""/>
+        <p:cNvGrpSpPr/>
+        <p:nvPr/>
+      </p:nvGrpSpPr>
+      <p:grpSpPr>
+        <a:xfrm>
+          <a:off x="0" y="0"/>
+          <a:ext cx="0" cy="0"/>
+          <a:chOff x="0" y="0"/>
+          <a:chExt cx="0" cy="0"/>
+        </a:xfrm>
+      </p:grpSpPr>
+      <p:sp>
+        <p:nvSpPr>
+          <p:cNvPr id="392" name="Title 1"/>
+          <p:cNvSpPr txBox="1"/>
+          <p:nvPr>
+            <p:ph type="title"/>
+          </p:nvPr>
+        </p:nvSpPr>
+        <p:spPr>
+          <a:xfrm>
             <a:off x="349291" y="216530"/>
             <a:ext cx="11493418" cy="767278"/>
           </a:xfrm>
@@ -15426,7 +15208,7 @@
       </p:sp>
       <p:sp>
         <p:nvSpPr>
-          <p:cNvPr id="400" name="Content Placeholder 2"/>
+          <p:cNvPr id="393" name="Content Placeholder 2"/>
           <p:cNvSpPr txBox="1"/>
           <p:nvPr>
             <p:ph type="body" idx="1"/>
@@ -15460,7 +15242,7 @@
       </p:sp>
       <p:sp>
         <p:nvSpPr>
-          <p:cNvPr id="401" name="Slide Number Placeholder 3"/>
+          <p:cNvPr id="394" name="Slide Number Placeholder 3"/>
           <p:cNvSpPr txBox="1"/>
           <p:nvPr>
             <p:ph type="sldNum" sz="quarter" idx="2"/>
@@ -15528,7 +15310,7 @@
                                       <p:cBhvr>
                                         <p:cTn id="6" fill="hold"/>
                                         <p:tgtEl>
-                                          <p:spTgt spid="400">
+                                          <p:spTgt spid="393">
                                             <p:bg/>
                                           </p:spTgt>
                                         </p:tgtEl>
@@ -15544,7 +15326,7 @@
                                       <p:cBhvr>
                                         <p:cTn id="7" dur="500"/>
                                         <p:tgtEl>
-                                          <p:spTgt spid="400">
+                                          <p:spTgt spid="393">
                                             <p:bg/>
                                           </p:spTgt>
                                         </p:tgtEl>
@@ -15566,7 +15348,7 @@
                                       <p:cBhvr>
                                         <p:cTn id="9" fill="hold"/>
                                         <p:tgtEl>
-                                          <p:spTgt spid="400">
+                                          <p:spTgt spid="393">
                                             <p:txEl>
                                               <p:pRg st="0" end="0"/>
                                             </p:txEl>
@@ -15584,7 +15366,7 @@
                                       <p:cBhvr>
                                         <p:cTn id="10" dur="500"/>
                                         <p:tgtEl>
-                                          <p:spTgt spid="400">
+                                          <p:spTgt spid="393">
                                             <p:txEl>
                                               <p:pRg st="0" end="0"/>
                                             </p:txEl>
@@ -15623,9 +15405,126 @@
       </p:par>
     </p:tnLst>
     <p:bldLst>
-      <p:bldP build="p" bldLvl="5" animBg="1" rev="0" advAuto="0" spid="400" grpId="1"/>
+      <p:bldP build="p" bldLvl="5" animBg="1" rev="0" advAuto="0" spid="393" grpId="1"/>
     </p:bldLst>
   </p:timing>
+</p:sld>
+</file>
+
+<file path=ppt/slides/slide41.xml><?xml version="1.0" encoding="utf-8"?>
+<p:sld xmlns:a="http://schemas.openxmlformats.org/drawingml/2006/main" xmlns:r="http://schemas.openxmlformats.org/officeDocument/2006/relationships" xmlns:p="http://schemas.openxmlformats.org/presentationml/2006/main" showMasterSp="1" showMasterPhAnim="1">
+  <p:cSld>
+    <p:spTree>
+      <p:nvGrpSpPr>
+        <p:cNvPr id="1" name=""/>
+        <p:cNvGrpSpPr/>
+        <p:nvPr/>
+      </p:nvGrpSpPr>
+      <p:grpSpPr>
+        <a:xfrm>
+          <a:off x="0" y="0"/>
+          <a:ext cx="0" cy="0"/>
+          <a:chOff x="0" y="0"/>
+          <a:chExt cx="0" cy="0"/>
+        </a:xfrm>
+      </p:grpSpPr>
+      <p:sp>
+        <p:nvSpPr>
+          <p:cNvPr id="396" name="Title 1"/>
+          <p:cNvSpPr txBox="1"/>
+          <p:nvPr>
+            <p:ph type="title"/>
+          </p:nvPr>
+        </p:nvSpPr>
+        <p:spPr>
+          <a:xfrm>
+            <a:off x="865715" y="2747961"/>
+            <a:ext cx="10363201" cy="1362077"/>
+          </a:xfrm>
+          <a:prstGeom prst="rect">
+            <a:avLst/>
+          </a:prstGeom>
+        </p:spPr>
+        <p:txBody>
+          <a:bodyPr/>
+          <a:lstStyle/>
+          <a:p>
+            <a:pPr/>
+            <a:r>
+              <a:t>Geometry of estimators</a:t>
+            </a:r>
+          </a:p>
+        </p:txBody>
+      </p:sp>
+      <p:sp>
+        <p:nvSpPr>
+          <p:cNvPr id="397" name="Text Placeholder 2"/>
+          <p:cNvSpPr txBox="1"/>
+          <p:nvPr>
+            <p:ph type="body" sz="quarter" idx="1"/>
+          </p:nvPr>
+        </p:nvSpPr>
+        <p:spPr>
+          <a:xfrm>
+            <a:off x="914400" y="3429000"/>
+            <a:ext cx="10363200" cy="365125"/>
+          </a:xfrm>
+          <a:prstGeom prst="rect">
+            <a:avLst/>
+          </a:prstGeom>
+        </p:spPr>
+        <p:txBody>
+          <a:bodyPr/>
+          <a:lstStyle>
+            <a:lvl1pPr defTabSz="448038">
+              <a:defRPr sz="1960"/>
+            </a:lvl1pPr>
+          </a:lstStyle>
+          <a:p>
+            <a:pPr/>
+            <a:r>
+              <a:t>Visualization is key</a:t>
+            </a:r>
+          </a:p>
+        </p:txBody>
+      </p:sp>
+      <p:sp>
+        <p:nvSpPr>
+          <p:cNvPr id="398" name="Slide Number Placeholder 3"/>
+          <p:cNvSpPr txBox="1"/>
+          <p:nvPr>
+            <p:ph type="sldNum" sz="quarter" idx="2"/>
+          </p:nvPr>
+        </p:nvSpPr>
+        <p:spPr>
+          <a:xfrm>
+            <a:off x="11318418" y="6404295"/>
+            <a:ext cx="263982" cy="269241"/>
+          </a:xfrm>
+          <a:prstGeom prst="rect">
+            <a:avLst/>
+          </a:prstGeom>
+          <a:extLst>
+            <a:ext uri="{C572A759-6A51-4108-AA02-DFA0A04FC94B}">
+              <ma14:wrappingTextBoxFlag xmlns:ma14="http://schemas.microsoft.com/office/mac/drawingml/2011/main" val="1"/>
+            </a:ext>
+          </a:extLst>
+        </p:spPr>
+        <p:txBody>
+          <a:bodyPr/>
+          <a:lstStyle/>
+          <a:p>
+            <a:pPr/>
+            <a:fld id="{86CB4B4D-7CA3-9044-876B-883B54F8677D}" type="slidenum"/>
+          </a:p>
+        </p:txBody>
+      </p:sp>
+    </p:spTree>
+  </p:cSld>
+  <p:clrMapOvr>
+    <a:masterClrMapping/>
+  </p:clrMapOvr>
+  <p:transition xmlns:p14="http://schemas.microsoft.com/office/powerpoint/2010/main" spd="med" advClick="1"/>
 </p:sld>
 </file>
 
@@ -15648,67 +15547,7 @@
       </p:grpSpPr>
       <p:sp>
         <p:nvSpPr>
-          <p:cNvPr id="403" name="Title 1"/>
-          <p:cNvSpPr txBox="1"/>
-          <p:nvPr>
-            <p:ph type="title"/>
-          </p:nvPr>
-        </p:nvSpPr>
-        <p:spPr>
-          <a:xfrm>
-            <a:off x="865715" y="2747961"/>
-            <a:ext cx="10363201" cy="1362077"/>
-          </a:xfrm>
-          <a:prstGeom prst="rect">
-            <a:avLst/>
-          </a:prstGeom>
-        </p:spPr>
-        <p:txBody>
-          <a:bodyPr/>
-          <a:lstStyle/>
-          <a:p>
-            <a:pPr/>
-            <a:r>
-              <a:t>Geometry of estimators</a:t>
-            </a:r>
-          </a:p>
-        </p:txBody>
-      </p:sp>
-      <p:sp>
-        <p:nvSpPr>
-          <p:cNvPr id="404" name="Text Placeholder 2"/>
-          <p:cNvSpPr txBox="1"/>
-          <p:nvPr>
-            <p:ph type="body" sz="quarter" idx="1"/>
-          </p:nvPr>
-        </p:nvSpPr>
-        <p:spPr>
-          <a:xfrm>
-            <a:off x="914400" y="3429000"/>
-            <a:ext cx="10363200" cy="365125"/>
-          </a:xfrm>
-          <a:prstGeom prst="rect">
-            <a:avLst/>
-          </a:prstGeom>
-        </p:spPr>
-        <p:txBody>
-          <a:bodyPr/>
-          <a:lstStyle>
-            <a:lvl1pPr defTabSz="448038">
-              <a:defRPr sz="1960"/>
-            </a:lvl1pPr>
-          </a:lstStyle>
-          <a:p>
-            <a:pPr/>
-            <a:r>
-              <a:t>Visualization is key</a:t>
-            </a:r>
-          </a:p>
-        </p:txBody>
-      </p:sp>
-      <p:sp>
-        <p:nvSpPr>
-          <p:cNvPr id="405" name="Slide Number Placeholder 3"/>
+          <p:cNvPr id="400" name="Slide Number Placeholder 3"/>
           <p:cNvSpPr txBox="1"/>
           <p:nvPr>
             <p:ph type="sldNum" sz="quarter" idx="2"/>
@@ -15716,7 +15555,7 @@
         </p:nvSpPr>
         <p:spPr>
           <a:xfrm>
-            <a:off x="11318418" y="6404295"/>
+            <a:off x="11724818" y="6448742"/>
             <a:ext cx="263982" cy="269241"/>
           </a:xfrm>
           <a:prstGeom prst="rect">
@@ -15737,6 +15576,35 @@
           </a:p>
         </p:txBody>
       </p:sp>
+      <p:pic>
+        <p:nvPicPr>
+          <p:cNvPr id="401" name="Picture 2" descr="Picture 2"/>
+          <p:cNvPicPr>
+            <a:picLocks noChangeAspect="1"/>
+          </p:cNvPicPr>
+          <p:nvPr/>
+        </p:nvPicPr>
+        <p:blipFill>
+          <a:blip r:embed="rId2">
+            <a:extLst/>
+          </a:blip>
+          <a:stretch>
+            <a:fillRect/>
+          </a:stretch>
+        </p:blipFill>
+        <p:spPr>
+          <a:xfrm>
+            <a:off x="2318082" y="925032"/>
+            <a:ext cx="7555835" cy="5007936"/>
+          </a:xfrm>
+          <a:prstGeom prst="rect">
+            <a:avLst/>
+          </a:prstGeom>
+          <a:ln w="12700">
+            <a:miter lim="400000"/>
+          </a:ln>
+        </p:spPr>
+      </p:pic>
     </p:spTree>
   </p:cSld>
   <p:clrMapOvr>
@@ -15765,7 +15633,7 @@
       </p:grpSpPr>
       <p:sp>
         <p:nvSpPr>
-          <p:cNvPr id="407" name="Slide Number Placeholder 3"/>
+          <p:cNvPr id="403" name="Slide Number Placeholder 3"/>
           <p:cNvSpPr txBox="1"/>
           <p:nvPr>
             <p:ph type="sldNum" sz="quarter" idx="2"/>
@@ -15796,7 +15664,7 @@
       </p:sp>
       <p:pic>
         <p:nvPicPr>
-          <p:cNvPr id="408" name="Picture 2" descr="Picture 2"/>
+          <p:cNvPr id="404" name="Picture 2" descr="Picture 2"/>
           <p:cNvPicPr>
             <a:picLocks noChangeAspect="1"/>
           </p:cNvPicPr>
@@ -15823,95 +15691,9 @@
           </a:ln>
         </p:spPr>
       </p:pic>
-    </p:spTree>
-  </p:cSld>
-  <p:clrMapOvr>
-    <a:masterClrMapping/>
-  </p:clrMapOvr>
-  <p:transition xmlns:p14="http://schemas.microsoft.com/office/powerpoint/2010/main" spd="med" advClick="1"/>
-</p:sld>
-</file>
-
-<file path=ppt/slides/slide44.xml><?xml version="1.0" encoding="utf-8"?>
-<p:sld xmlns:a="http://schemas.openxmlformats.org/drawingml/2006/main" xmlns:r="http://schemas.openxmlformats.org/officeDocument/2006/relationships" xmlns:p="http://schemas.openxmlformats.org/presentationml/2006/main" showMasterSp="1" showMasterPhAnim="1">
-  <p:cSld>
-    <p:spTree>
-      <p:nvGrpSpPr>
-        <p:cNvPr id="1" name=""/>
-        <p:cNvGrpSpPr/>
-        <p:nvPr/>
-      </p:nvGrpSpPr>
-      <p:grpSpPr>
-        <a:xfrm>
-          <a:off x="0" y="0"/>
-          <a:ext cx="0" cy="0"/>
-          <a:chOff x="0" y="0"/>
-          <a:chExt cx="0" cy="0"/>
-        </a:xfrm>
-      </p:grpSpPr>
-      <p:sp>
-        <p:nvSpPr>
-          <p:cNvPr id="410" name="Slide Number Placeholder 3"/>
-          <p:cNvSpPr txBox="1"/>
-          <p:nvPr>
-            <p:ph type="sldNum" sz="quarter" idx="2"/>
-          </p:nvPr>
-        </p:nvSpPr>
-        <p:spPr>
-          <a:xfrm>
-            <a:off x="11724818" y="6448742"/>
-            <a:ext cx="263982" cy="269241"/>
-          </a:xfrm>
-          <a:prstGeom prst="rect">
-            <a:avLst/>
-          </a:prstGeom>
-          <a:extLst>
-            <a:ext uri="{C572A759-6A51-4108-AA02-DFA0A04FC94B}">
-              <ma14:wrappingTextBoxFlag xmlns:ma14="http://schemas.microsoft.com/office/mac/drawingml/2011/main" val="1"/>
-            </a:ext>
-          </a:extLst>
-        </p:spPr>
-        <p:txBody>
-          <a:bodyPr/>
-          <a:lstStyle/>
-          <a:p>
-            <a:pPr/>
-            <a:fld id="{86CB4B4D-7CA3-9044-876B-883B54F8677D}" type="slidenum"/>
-          </a:p>
-        </p:txBody>
-      </p:sp>
       <p:pic>
         <p:nvPicPr>
-          <p:cNvPr id="411" name="Picture 2" descr="Picture 2"/>
-          <p:cNvPicPr>
-            <a:picLocks noChangeAspect="1"/>
-          </p:cNvPicPr>
-          <p:nvPr/>
-        </p:nvPicPr>
-        <p:blipFill>
-          <a:blip r:embed="rId2">
-            <a:extLst/>
-          </a:blip>
-          <a:stretch>
-            <a:fillRect/>
-          </a:stretch>
-        </p:blipFill>
-        <p:spPr>
-          <a:xfrm>
-            <a:off x="2318082" y="925032"/>
-            <a:ext cx="7555835" cy="5007936"/>
-          </a:xfrm>
-          <a:prstGeom prst="rect">
-            <a:avLst/>
-          </a:prstGeom>
-          <a:ln w="12700">
-            <a:miter lim="400000"/>
-          </a:ln>
-        </p:spPr>
-      </p:pic>
-      <p:pic>
-        <p:nvPicPr>
-          <p:cNvPr id="412" name="Picture 10" descr="Picture 10"/>
+          <p:cNvPr id="405" name="Picture 10" descr="Picture 10"/>
           <p:cNvPicPr>
             <a:picLocks noChangeAspect="1"/>
           </p:cNvPicPr>
@@ -15940,7 +15722,7 @@
       </p:pic>
       <p:pic>
         <p:nvPicPr>
-          <p:cNvPr id="413" name="Picture 12" descr="Picture 12"/>
+          <p:cNvPr id="406" name="Picture 12" descr="Picture 12"/>
           <p:cNvPicPr>
             <a:picLocks noChangeAspect="1"/>
           </p:cNvPicPr>
@@ -15969,7 +15751,7 @@
       </p:pic>
       <p:pic>
         <p:nvPicPr>
-          <p:cNvPr id="414" name="Picture 14" descr="Picture 14"/>
+          <p:cNvPr id="407" name="Picture 14" descr="Picture 14"/>
           <p:cNvPicPr>
             <a:picLocks noChangeAspect="1"/>
           </p:cNvPicPr>
@@ -15998,7 +15780,7 @@
       </p:pic>
       <p:pic>
         <p:nvPicPr>
-          <p:cNvPr id="415" name="Picture 4" descr="Picture 4"/>
+          <p:cNvPr id="408" name="Picture 4" descr="Picture 4"/>
           <p:cNvPicPr>
             <a:picLocks noChangeAspect="1"/>
           </p:cNvPicPr>
@@ -16027,7 +15809,7 @@
       </p:pic>
       <p:sp>
         <p:nvSpPr>
-          <p:cNvPr id="416" name="TextBox 15"/>
+          <p:cNvPr id="409" name="TextBox 15"/>
           <p:cNvSpPr txBox="1"/>
           <p:nvPr/>
         </p:nvSpPr>
@@ -16100,7 +15882,7 @@
                                       <p:cBhvr>
                                         <p:cTn id="6" fill="hold"/>
                                         <p:tgtEl>
-                                          <p:spTgt spid="413"/>
+                                          <p:spTgt spid="406"/>
                                         </p:tgtEl>
                                         <p:attrNameLst>
                                           <p:attrName>style.visibility</p:attrName>
@@ -16114,7 +15896,7 @@
                                       <p:cBhvr>
                                         <p:cTn id="7" dur="500" fill="hold"/>
                                         <p:tgtEl>
-                                          <p:spTgt spid="413"/>
+                                          <p:spTgt spid="406"/>
                                         </p:tgtEl>
                                         <p:attrNameLst>
                                           <p:attrName>ppt_x</p:attrName>
@@ -16137,7 +15919,7 @@
                                       <p:cBhvr>
                                         <p:cTn id="8" dur="500" fill="hold"/>
                                         <p:tgtEl>
-                                          <p:spTgt spid="413"/>
+                                          <p:spTgt spid="406"/>
                                         </p:tgtEl>
                                         <p:attrNameLst>
                                           <p:attrName>ppt_y</p:attrName>
@@ -16190,7 +15972,7 @@
                                       <p:cBhvr>
                                         <p:cTn id="12" fill="hold"/>
                                         <p:tgtEl>
-                                          <p:spTgt spid="412"/>
+                                          <p:spTgt spid="405"/>
                                         </p:tgtEl>
                                         <p:attrNameLst>
                                           <p:attrName>style.visibility</p:attrName>
@@ -16204,7 +15986,7 @@
                                       <p:cBhvr>
                                         <p:cTn id="13" dur="500" fill="hold"/>
                                         <p:tgtEl>
-                                          <p:spTgt spid="412"/>
+                                          <p:spTgt spid="405"/>
                                         </p:tgtEl>
                                         <p:attrNameLst>
                                           <p:attrName>ppt_x</p:attrName>
@@ -16227,7 +16009,7 @@
                                       <p:cBhvr>
                                         <p:cTn id="14" dur="500" fill="hold"/>
                                         <p:tgtEl>
-                                          <p:spTgt spid="412"/>
+                                          <p:spTgt spid="405"/>
                                         </p:tgtEl>
                                         <p:attrNameLst>
                                           <p:attrName>ppt_y</p:attrName>
@@ -16280,7 +16062,7 @@
                                       <p:cBhvr>
                                         <p:cTn id="18" fill="hold"/>
                                         <p:tgtEl>
-                                          <p:spTgt spid="414"/>
+                                          <p:spTgt spid="407"/>
                                         </p:tgtEl>
                                         <p:attrNameLst>
                                           <p:attrName>style.visibility</p:attrName>
@@ -16294,7 +16076,7 @@
                                       <p:cBhvr>
                                         <p:cTn id="19" dur="500" fill="hold"/>
                                         <p:tgtEl>
-                                          <p:spTgt spid="414"/>
+                                          <p:spTgt spid="407"/>
                                         </p:tgtEl>
                                         <p:attrNameLst>
                                           <p:attrName>ppt_w</p:attrName>
@@ -16317,7 +16099,7 @@
                                       <p:cBhvr>
                                         <p:cTn id="20" dur="500" fill="hold"/>
                                         <p:tgtEl>
-                                          <p:spTgt spid="414"/>
+                                          <p:spTgt spid="407"/>
                                         </p:tgtEl>
                                         <p:attrNameLst>
                                           <p:attrName>ppt_h</p:attrName>
@@ -16370,7 +16152,7 @@
                                       <p:cBhvr>
                                         <p:cTn id="24" fill="hold"/>
                                         <p:tgtEl>
-                                          <p:spTgt spid="415"/>
+                                          <p:spTgt spid="408"/>
                                         </p:tgtEl>
                                         <p:attrNameLst>
                                           <p:attrName>style.visibility</p:attrName>
@@ -16384,7 +16166,7 @@
                                       <p:cBhvr>
                                         <p:cTn id="25" dur="1822" fill="hold"/>
                                         <p:tgtEl>
-                                          <p:spTgt spid="415"/>
+                                          <p:spTgt spid="408"/>
                                         </p:tgtEl>
                                         <p:attrNameLst>
                                           <p:attrName>ppt_x</p:attrName>
@@ -16407,7 +16189,7 @@
                                       <p:cBhvr>
                                         <p:cTn id="26" dur="1822" fill="hold"/>
                                         <p:tgtEl>
-                                          <p:spTgt spid="415"/>
+                                          <p:spTgt spid="408"/>
                                         </p:tgtEl>
                                         <p:attrNameLst>
                                           <p:attrName>ppt_y</p:attrName>
@@ -16451,7 +16233,7 @@
                                       <p:cBhvr>
                                         <p:cTn id="29" fill="hold"/>
                                         <p:tgtEl>
-                                          <p:spTgt spid="416"/>
+                                          <p:spTgt spid="409"/>
                                         </p:tgtEl>
                                         <p:attrNameLst>
                                           <p:attrName>style.visibility</p:attrName>
@@ -16465,7 +16247,7 @@
                                       <p:cBhvr>
                                         <p:cTn id="30" dur="1822" fill="hold"/>
                                         <p:tgtEl>
-                                          <p:spTgt spid="416"/>
+                                          <p:spTgt spid="409"/>
                                         </p:tgtEl>
                                         <p:attrNameLst>
                                           <p:attrName>ppt_x</p:attrName>
@@ -16488,7 +16270,7 @@
                                       <p:cBhvr>
                                         <p:cTn id="31" dur="1822" fill="hold"/>
                                         <p:tgtEl>
-                                          <p:spTgt spid="416"/>
+                                          <p:spTgt spid="409"/>
                                         </p:tgtEl>
                                         <p:attrNameLst>
                                           <p:attrName>ppt_y</p:attrName>
@@ -16538,13 +16320,129 @@
       </p:par>
     </p:tnLst>
     <p:bldLst>
-      <p:bldP build="whole" bldLvl="1" animBg="1" rev="0" advAuto="0" spid="412" grpId="2"/>
-      <p:bldP build="whole" bldLvl="1" animBg="1" rev="0" advAuto="0" spid="414" grpId="3"/>
-      <p:bldP build="whole" bldLvl="1" animBg="1" rev="0" advAuto="0" spid="416" grpId="5"/>
-      <p:bldP build="whole" bldLvl="1" animBg="1" rev="0" advAuto="0" spid="413" grpId="1"/>
-      <p:bldP build="whole" bldLvl="1" animBg="1" rev="0" advAuto="0" spid="415" grpId="4"/>
+      <p:bldP build="whole" bldLvl="1" animBg="1" rev="0" advAuto="0" spid="408" grpId="4"/>
+      <p:bldP build="whole" bldLvl="1" animBg="1" rev="0" advAuto="0" spid="405" grpId="2"/>
+      <p:bldP build="whole" bldLvl="1" animBg="1" rev="0" advAuto="0" spid="406" grpId="1"/>
+      <p:bldP build="whole" bldLvl="1" animBg="1" rev="0" advAuto="0" spid="409" grpId="5"/>
+      <p:bldP build="whole" bldLvl="1" animBg="1" rev="0" advAuto="0" spid="407" grpId="3"/>
     </p:bldLst>
   </p:timing>
+</p:sld>
+</file>
+
+<file path=ppt/slides/slide44.xml><?xml version="1.0" encoding="utf-8"?>
+<p:sld xmlns:a="http://schemas.openxmlformats.org/drawingml/2006/main" xmlns:r="http://schemas.openxmlformats.org/officeDocument/2006/relationships" xmlns:p="http://schemas.openxmlformats.org/presentationml/2006/main" showMasterSp="1" showMasterPhAnim="1">
+  <p:cSld>
+    <p:spTree>
+      <p:nvGrpSpPr>
+        <p:cNvPr id="1" name=""/>
+        <p:cNvGrpSpPr/>
+        <p:nvPr/>
+      </p:nvGrpSpPr>
+      <p:grpSpPr>
+        <a:xfrm>
+          <a:off x="0" y="0"/>
+          <a:ext cx="0" cy="0"/>
+          <a:chOff x="0" y="0"/>
+          <a:chExt cx="0" cy="0"/>
+        </a:xfrm>
+      </p:grpSpPr>
+      <p:sp>
+        <p:nvSpPr>
+          <p:cNvPr id="411" name="Slide Number Placeholder 3"/>
+          <p:cNvSpPr txBox="1"/>
+          <p:nvPr>
+            <p:ph type="sldNum" sz="quarter" idx="2"/>
+          </p:nvPr>
+        </p:nvSpPr>
+        <p:spPr>
+          <a:xfrm>
+            <a:off x="11724818" y="6448742"/>
+            <a:ext cx="263982" cy="269241"/>
+          </a:xfrm>
+          <a:prstGeom prst="rect">
+            <a:avLst/>
+          </a:prstGeom>
+          <a:extLst>
+            <a:ext uri="{C572A759-6A51-4108-AA02-DFA0A04FC94B}">
+              <ma14:wrappingTextBoxFlag xmlns:ma14="http://schemas.microsoft.com/office/mac/drawingml/2011/main" val="1"/>
+            </a:ext>
+          </a:extLst>
+        </p:spPr>
+        <p:txBody>
+          <a:bodyPr/>
+          <a:lstStyle/>
+          <a:p>
+            <a:pPr/>
+            <a:fld id="{86CB4B4D-7CA3-9044-876B-883B54F8677D}" type="slidenum"/>
+          </a:p>
+        </p:txBody>
+      </p:sp>
+      <p:sp>
+        <p:nvSpPr>
+          <p:cNvPr id="412" name="TextBox 1"/>
+          <p:cNvSpPr txBox="1"/>
+          <p:nvPr/>
+        </p:nvSpPr>
+        <p:spPr>
+          <a:xfrm>
+            <a:off x="1710070" y="2243471"/>
+            <a:ext cx="8771860" cy="2174241"/>
+          </a:xfrm>
+          <a:prstGeom prst="rect">
+            <a:avLst/>
+          </a:prstGeom>
+          <a:ln w="12700">
+            <a:miter lim="400000"/>
+          </a:ln>
+          <a:extLst>
+            <a:ext uri="{C572A759-6A51-4108-AA02-DFA0A04FC94B}">
+              <ma14:wrappingTextBoxFlag xmlns:ma14="http://schemas.microsoft.com/office/mac/drawingml/2011/main" val="1"/>
+            </a:ext>
+          </a:extLst>
+        </p:spPr>
+        <p:txBody>
+          <a:bodyPr lIns="45719" rIns="45719">
+            <a:spAutoFit/>
+          </a:bodyPr>
+          <a:lstStyle/>
+          <a:p>
+            <a:pPr algn="ctr">
+              <a:defRPr sz="4400"/>
+            </a:pPr>
+            <a:r>
+              <a:t>Let’s see it live!</a:t>
+            </a:r>
+          </a:p>
+          <a:p>
+            <a:pPr algn="ctr">
+              <a:defRPr sz="4400"/>
+            </a:pPr>
+          </a:p>
+          <a:p>
+            <a:pPr algn="ctr">
+              <a:defRPr sz="4400">
+                <a:solidFill>
+                  <a:srgbClr val="C00000"/>
+                </a:solidFill>
+                <a:latin typeface="Arial Black"/>
+                <a:ea typeface="Arial Black"/>
+                <a:cs typeface="Arial Black"/>
+                <a:sym typeface="Arial Black"/>
+              </a:defRPr>
+            </a:pPr>
+            <a:r>
+              <a:t>DEMO TIME</a:t>
+            </a:r>
+          </a:p>
+        </p:txBody>
+      </p:sp>
+    </p:spTree>
+  </p:cSld>
+  <p:clrMapOvr>
+    <a:masterClrMapping/>
+  </p:clrMapOvr>
+  <p:transition xmlns:p14="http://schemas.microsoft.com/office/powerpoint/2010/main" spd="med" advClick="1"/>
 </p:sld>
 </file>
 
@@ -16567,7 +16465,67 @@
       </p:grpSpPr>
       <p:sp>
         <p:nvSpPr>
-          <p:cNvPr id="418" name="Slide Number Placeholder 3"/>
+          <p:cNvPr id="414" name="Title 1"/>
+          <p:cNvSpPr txBox="1"/>
+          <p:nvPr>
+            <p:ph type="title"/>
+          </p:nvPr>
+        </p:nvSpPr>
+        <p:spPr>
+          <a:xfrm>
+            <a:off x="865715" y="2747961"/>
+            <a:ext cx="10363201" cy="1362077"/>
+          </a:xfrm>
+          <a:prstGeom prst="rect">
+            <a:avLst/>
+          </a:prstGeom>
+        </p:spPr>
+        <p:txBody>
+          <a:bodyPr/>
+          <a:lstStyle/>
+          <a:p>
+            <a:pPr/>
+            <a:r>
+              <a:t>Bayesian Interpretations</a:t>
+            </a:r>
+          </a:p>
+        </p:txBody>
+      </p:sp>
+      <p:sp>
+        <p:nvSpPr>
+          <p:cNvPr id="415" name="Text Placeholder 2"/>
+          <p:cNvSpPr txBox="1"/>
+          <p:nvPr>
+            <p:ph type="body" sz="quarter" idx="1"/>
+          </p:nvPr>
+        </p:nvSpPr>
+        <p:spPr>
+          <a:xfrm>
+            <a:off x="914400" y="3429000"/>
+            <a:ext cx="10363200" cy="365125"/>
+          </a:xfrm>
+          <a:prstGeom prst="rect">
+            <a:avLst/>
+          </a:prstGeom>
+        </p:spPr>
+        <p:txBody>
+          <a:bodyPr/>
+          <a:lstStyle>
+            <a:lvl1pPr defTabSz="448038">
+              <a:defRPr sz="1960"/>
+            </a:lvl1pPr>
+          </a:lstStyle>
+          <a:p>
+            <a:pPr/>
+            <a:r>
+              <a:t>“The right way of looking at it” - Kevin Rader, probably</a:t>
+            </a:r>
+          </a:p>
+        </p:txBody>
+      </p:sp>
+      <p:sp>
+        <p:nvSpPr>
+          <p:cNvPr id="416" name="Slide Number Placeholder 3"/>
           <p:cNvSpPr txBox="1"/>
           <p:nvPr>
             <p:ph type="sldNum" sz="quarter" idx="2"/>
@@ -16575,7 +16533,7 @@
         </p:nvSpPr>
         <p:spPr>
           <a:xfrm>
-            <a:off x="11724818" y="6448742"/>
+            <a:off x="11318418" y="6404295"/>
             <a:ext cx="263982" cy="269241"/>
           </a:xfrm>
           <a:prstGeom prst="rect">
@@ -16593,65 +16551,6 @@
           <a:p>
             <a:pPr/>
             <a:fld id="{86CB4B4D-7CA3-9044-876B-883B54F8677D}" type="slidenum"/>
-          </a:p>
-        </p:txBody>
-      </p:sp>
-      <p:sp>
-        <p:nvSpPr>
-          <p:cNvPr id="419" name="TextBox 1"/>
-          <p:cNvSpPr txBox="1"/>
-          <p:nvPr/>
-        </p:nvSpPr>
-        <p:spPr>
-          <a:xfrm>
-            <a:off x="1710070" y="2243471"/>
-            <a:ext cx="8771860" cy="2174241"/>
-          </a:xfrm>
-          <a:prstGeom prst="rect">
-            <a:avLst/>
-          </a:prstGeom>
-          <a:ln w="12700">
-            <a:miter lim="400000"/>
-          </a:ln>
-          <a:extLst>
-            <a:ext uri="{C572A759-6A51-4108-AA02-DFA0A04FC94B}">
-              <ma14:wrappingTextBoxFlag xmlns:ma14="http://schemas.microsoft.com/office/mac/drawingml/2011/main" val="1"/>
-            </a:ext>
-          </a:extLst>
-        </p:spPr>
-        <p:txBody>
-          <a:bodyPr lIns="45719" rIns="45719">
-            <a:spAutoFit/>
-          </a:bodyPr>
-          <a:lstStyle/>
-          <a:p>
-            <a:pPr algn="ctr">
-              <a:defRPr sz="4400"/>
-            </a:pPr>
-            <a:r>
-              <a:t>Let’s see it live!</a:t>
-            </a:r>
-          </a:p>
-          <a:p>
-            <a:pPr algn="ctr">
-              <a:defRPr sz="4400"/>
-            </a:pPr>
-          </a:p>
-          <a:p>
-            <a:pPr algn="ctr">
-              <a:defRPr sz="4400">
-                <a:solidFill>
-                  <a:srgbClr val="C00000"/>
-                </a:solidFill>
-                <a:latin typeface="Arial Black"/>
-                <a:ea typeface="Arial Black"/>
-                <a:cs typeface="Arial Black"/>
-                <a:sym typeface="Arial Black"/>
-              </a:defRPr>
-            </a:pPr>
-            <a:r>
-              <a:t>DEMO TIME</a:t>
-            </a:r>
           </a:p>
         </p:txBody>
       </p:sp>
@@ -16683,7 +16582,7 @@
       </p:grpSpPr>
       <p:sp>
         <p:nvSpPr>
-          <p:cNvPr id="421" name="Title 1"/>
+          <p:cNvPr id="418" name="Title 1"/>
           <p:cNvSpPr txBox="1"/>
           <p:nvPr>
             <p:ph type="title"/>
@@ -16691,123 +16590,6 @@
         </p:nvSpPr>
         <p:spPr>
           <a:xfrm>
-            <a:off x="865715" y="2747961"/>
-            <a:ext cx="10363201" cy="1362077"/>
-          </a:xfrm>
-          <a:prstGeom prst="rect">
-            <a:avLst/>
-          </a:prstGeom>
-        </p:spPr>
-        <p:txBody>
-          <a:bodyPr/>
-          <a:lstStyle/>
-          <a:p>
-            <a:pPr/>
-            <a:r>
-              <a:t>Bayesian Interpretations</a:t>
-            </a:r>
-          </a:p>
-        </p:txBody>
-      </p:sp>
-      <p:sp>
-        <p:nvSpPr>
-          <p:cNvPr id="422" name="Text Placeholder 2"/>
-          <p:cNvSpPr txBox="1"/>
-          <p:nvPr>
-            <p:ph type="body" sz="quarter" idx="1"/>
-          </p:nvPr>
-        </p:nvSpPr>
-        <p:spPr>
-          <a:xfrm>
-            <a:off x="914400" y="3429000"/>
-            <a:ext cx="10363200" cy="365125"/>
-          </a:xfrm>
-          <a:prstGeom prst="rect">
-            <a:avLst/>
-          </a:prstGeom>
-        </p:spPr>
-        <p:txBody>
-          <a:bodyPr/>
-          <a:lstStyle>
-            <a:lvl1pPr defTabSz="448038">
-              <a:defRPr sz="1960"/>
-            </a:lvl1pPr>
-          </a:lstStyle>
-          <a:p>
-            <a:pPr/>
-            <a:r>
-              <a:t>“The right way of looking at it” - Kevin Rader, probably</a:t>
-            </a:r>
-          </a:p>
-        </p:txBody>
-      </p:sp>
-      <p:sp>
-        <p:nvSpPr>
-          <p:cNvPr id="423" name="Slide Number Placeholder 3"/>
-          <p:cNvSpPr txBox="1"/>
-          <p:nvPr>
-            <p:ph type="sldNum" sz="quarter" idx="2"/>
-          </p:nvPr>
-        </p:nvSpPr>
-        <p:spPr>
-          <a:xfrm>
-            <a:off x="11318418" y="6404295"/>
-            <a:ext cx="263982" cy="269241"/>
-          </a:xfrm>
-          <a:prstGeom prst="rect">
-            <a:avLst/>
-          </a:prstGeom>
-          <a:extLst>
-            <a:ext uri="{C572A759-6A51-4108-AA02-DFA0A04FC94B}">
-              <ma14:wrappingTextBoxFlag xmlns:ma14="http://schemas.microsoft.com/office/mac/drawingml/2011/main" val="1"/>
-            </a:ext>
-          </a:extLst>
-        </p:spPr>
-        <p:txBody>
-          <a:bodyPr/>
-          <a:lstStyle/>
-          <a:p>
-            <a:pPr/>
-            <a:fld id="{86CB4B4D-7CA3-9044-876B-883B54F8677D}" type="slidenum"/>
-          </a:p>
-        </p:txBody>
-      </p:sp>
-    </p:spTree>
-  </p:cSld>
-  <p:clrMapOvr>
-    <a:masterClrMapping/>
-  </p:clrMapOvr>
-  <p:transition xmlns:p14="http://schemas.microsoft.com/office/powerpoint/2010/main" spd="med" advClick="1"/>
-</p:sld>
-</file>
-
-<file path=ppt/slides/slide47.xml><?xml version="1.0" encoding="utf-8"?>
-<p:sld xmlns:a="http://schemas.openxmlformats.org/drawingml/2006/main" xmlns:r="http://schemas.openxmlformats.org/officeDocument/2006/relationships" xmlns:p="http://schemas.openxmlformats.org/presentationml/2006/main" showMasterSp="1" showMasterPhAnim="1">
-  <p:cSld>
-    <p:spTree>
-      <p:nvGrpSpPr>
-        <p:cNvPr id="1" name=""/>
-        <p:cNvGrpSpPr/>
-        <p:nvPr/>
-      </p:nvGrpSpPr>
-      <p:grpSpPr>
-        <a:xfrm>
-          <a:off x="0" y="0"/>
-          <a:ext cx="0" cy="0"/>
-          <a:chOff x="0" y="0"/>
-          <a:chExt cx="0" cy="0"/>
-        </a:xfrm>
-      </p:grpSpPr>
-      <p:sp>
-        <p:nvSpPr>
-          <p:cNvPr id="425" name="Title 1"/>
-          <p:cNvSpPr txBox="1"/>
-          <p:nvPr>
-            <p:ph type="title"/>
-          </p:nvPr>
-        </p:nvSpPr>
-        <p:spPr>
-          <a:xfrm>
             <a:off x="349291" y="216530"/>
             <a:ext cx="11493418" cy="767278"/>
           </a:xfrm>
@@ -16828,7 +16610,7 @@
       </p:sp>
       <p:sp>
         <p:nvSpPr>
-          <p:cNvPr id="426" name="Content Placeholder 2"/>
+          <p:cNvPr id="419" name="Content Placeholder 2"/>
           <p:cNvSpPr txBox="1"/>
           <p:nvPr>
             <p:ph type="body" idx="1"/>
@@ -16862,7 +16644,7 @@
       </p:sp>
       <p:sp>
         <p:nvSpPr>
-          <p:cNvPr id="427" name="Slide Number Placeholder 3"/>
+          <p:cNvPr id="420" name="Slide Number Placeholder 3"/>
           <p:cNvSpPr txBox="1"/>
           <p:nvPr>
             <p:ph type="sldNum" sz="quarter" idx="2"/>
@@ -16893,7 +16675,7 @@
       </p:sp>
       <p:pic>
         <p:nvPicPr>
-          <p:cNvPr id="428" name="Picture 5" descr="Picture 5"/>
+          <p:cNvPr id="421" name="Picture 5" descr="Picture 5"/>
           <p:cNvPicPr>
             <a:picLocks noChangeAspect="1"/>
           </p:cNvPicPr>
@@ -16959,7 +16741,7 @@
                                       <p:cBhvr>
                                         <p:cTn id="6" fill="hold"/>
                                         <p:tgtEl>
-                                          <p:spTgt spid="426">
+                                          <p:spTgt spid="419">
                                             <p:bg/>
                                           </p:spTgt>
                                         </p:tgtEl>
@@ -16975,7 +16757,7 @@
                                       <p:cBhvr>
                                         <p:cTn id="7" dur="500"/>
                                         <p:tgtEl>
-                                          <p:spTgt spid="426">
+                                          <p:spTgt spid="419">
                                             <p:bg/>
                                           </p:spTgt>
                                         </p:tgtEl>
@@ -16997,7 +16779,7 @@
                                       <p:cBhvr>
                                         <p:cTn id="9" fill="hold"/>
                                         <p:tgtEl>
-                                          <p:spTgt spid="426">
+                                          <p:spTgt spid="419">
                                             <p:txEl>
                                               <p:pRg st="0" end="0"/>
                                             </p:txEl>
@@ -17015,7 +16797,7 @@
                                       <p:cBhvr>
                                         <p:cTn id="10" dur="500"/>
                                         <p:tgtEl>
-                                          <p:spTgt spid="426">
+                                          <p:spTgt spid="419">
                                             <p:txEl>
                                               <p:pRg st="0" end="0"/>
                                             </p:txEl>
@@ -17057,7 +16839,7 @@
                                       <p:cBhvr>
                                         <p:cTn id="14" fill="hold"/>
                                         <p:tgtEl>
-                                          <p:spTgt spid="428"/>
+                                          <p:spTgt spid="421"/>
                                         </p:tgtEl>
                                         <p:attrNameLst>
                                           <p:attrName>style.visibility</p:attrName>
@@ -17071,7 +16853,7 @@
                                       <p:cBhvr>
                                         <p:cTn id="15" dur="500"/>
                                         <p:tgtEl>
-                                          <p:spTgt spid="428"/>
+                                          <p:spTgt spid="421"/>
                                         </p:tgtEl>
                                       </p:cBhvr>
                                     </p:animEffect>
@@ -17106,14 +16888,14 @@
       </p:par>
     </p:tnLst>
     <p:bldLst>
-      <p:bldP build="p" bldLvl="5" animBg="1" rev="0" advAuto="0" spid="426" grpId="1"/>
-      <p:bldP build="whole" bldLvl="1" animBg="1" rev="0" advAuto="0" spid="428" grpId="2"/>
+      <p:bldP build="p" bldLvl="5" animBg="1" rev="0" advAuto="0" spid="419" grpId="1"/>
+      <p:bldP build="whole" bldLvl="1" animBg="1" rev="0" advAuto="0" spid="421" grpId="2"/>
     </p:bldLst>
   </p:timing>
 </p:sld>
 </file>
 
-<file path=ppt/slides/slide48.xml><?xml version="1.0" encoding="utf-8"?>
+<file path=ppt/slides/slide47.xml><?xml version="1.0" encoding="utf-8"?>
 <p:sld xmlns:a="http://schemas.openxmlformats.org/drawingml/2006/main" xmlns:r="http://schemas.openxmlformats.org/officeDocument/2006/relationships" xmlns:p="http://schemas.openxmlformats.org/presentationml/2006/main" showMasterSp="1" showMasterPhAnim="1">
   <p:cSld>
     <p:spTree>
@@ -17132,7 +16914,7 @@
       </p:grpSpPr>
       <p:sp>
         <p:nvSpPr>
-          <p:cNvPr id="430" name="Title 1"/>
+          <p:cNvPr id="423" name="Title 1"/>
           <p:cNvSpPr txBox="1"/>
           <p:nvPr>
             <p:ph type="title"/>
@@ -17160,7 +16942,7 @@
       </p:sp>
       <p:sp>
         <p:nvSpPr>
-          <p:cNvPr id="431" name="Content Placeholder 2"/>
+          <p:cNvPr id="424" name="Content Placeholder 2"/>
           <p:cNvSpPr txBox="1"/>
           <p:nvPr>
             <p:ph type="body" idx="1"/>
@@ -17194,7 +16976,7 @@
       </p:sp>
       <p:sp>
         <p:nvSpPr>
-          <p:cNvPr id="432" name="Slide Number Placeholder 3"/>
+          <p:cNvPr id="425" name="Slide Number Placeholder 3"/>
           <p:cNvSpPr txBox="1"/>
           <p:nvPr>
             <p:ph type="sldNum" sz="quarter" idx="2"/>
@@ -17225,7 +17007,7 @@
       </p:sp>
       <p:pic>
         <p:nvPicPr>
-          <p:cNvPr id="433" name="Picture 5" descr="Picture 5"/>
+          <p:cNvPr id="426" name="Picture 5" descr="Picture 5"/>
           <p:cNvPicPr>
             <a:picLocks noChangeAspect="1"/>
           </p:cNvPicPr>
@@ -17272,7 +17054,7 @@
 </p:sld>
 </file>
 
-<file path=ppt/slides/slide49.xml><?xml version="1.0" encoding="utf-8"?>
+<file path=ppt/slides/slide48.xml><?xml version="1.0" encoding="utf-8"?>
 <p:sld xmlns:a="http://schemas.openxmlformats.org/drawingml/2006/main" xmlns:r="http://schemas.openxmlformats.org/officeDocument/2006/relationships" xmlns:p="http://schemas.openxmlformats.org/presentationml/2006/main" showMasterSp="1" showMasterPhAnim="1">
   <p:cSld>
     <p:spTree>
@@ -17291,7 +17073,7 @@
       </p:grpSpPr>
       <p:sp>
         <p:nvSpPr>
-          <p:cNvPr id="435" name="Content Placeholder 2"/>
+          <p:cNvPr id="428" name="Content Placeholder 2"/>
           <p:cNvSpPr txBox="1"/>
           <p:nvPr>
             <p:ph type="body" sz="quarter" idx="1"/>
@@ -17325,7 +17107,7 @@
       </p:sp>
       <p:grpSp>
         <p:nvGrpSpPr>
-          <p:cNvPr id="438" name="Rectangle: Rounded Corners 4"/>
+          <p:cNvPr id="431" name="Rectangle: Rounded Corners 4"/>
           <p:cNvGrpSpPr/>
           <p:nvPr/>
         </p:nvGrpSpPr>
@@ -17339,7 +17121,7 @@
         </p:grpSpPr>
         <p:sp>
           <p:nvSpPr>
-            <p:cNvPr id="436" name="Rounded Rectangle"/>
+            <p:cNvPr id="429" name="Rounded Rectangle"/>
             <p:cNvSpPr/>
             <p:nvPr/>
           </p:nvSpPr>
@@ -17381,7 +17163,7 @@
         </p:sp>
         <p:sp>
           <p:nvSpPr>
-            <p:cNvPr id="437" name="Text"/>
+            <p:cNvPr id="430" name="Text"/>
             <p:cNvSpPr txBox="1"/>
             <p:nvPr/>
           </p:nvSpPr>
@@ -17421,7 +17203,7 @@
       </p:grpSp>
       <p:sp>
         <p:nvSpPr>
-          <p:cNvPr id="439" name="Title 1"/>
+          <p:cNvPr id="432" name="Title 1"/>
           <p:cNvSpPr txBox="1"/>
           <p:nvPr>
             <p:ph type="title"/>
@@ -17449,7 +17231,7 @@
       </p:sp>
       <p:sp>
         <p:nvSpPr>
-          <p:cNvPr id="440" name="Slide Number Placeholder 3"/>
+          <p:cNvPr id="433" name="Slide Number Placeholder 3"/>
           <p:cNvSpPr txBox="1"/>
           <p:nvPr>
             <p:ph type="sldNum" sz="quarter" idx="2"/>
@@ -17480,7 +17262,7 @@
       </p:sp>
       <p:grpSp>
         <p:nvGrpSpPr>
-          <p:cNvPr id="443" name="Rectangle: Rounded Corners 4"/>
+          <p:cNvPr id="436" name="Rectangle: Rounded Corners 4"/>
           <p:cNvGrpSpPr/>
           <p:nvPr/>
         </p:nvGrpSpPr>
@@ -17494,7 +17276,7 @@
         </p:grpSpPr>
         <p:sp>
           <p:nvSpPr>
-            <p:cNvPr id="441" name="Rounded Rectangle"/>
+            <p:cNvPr id="434" name="Rounded Rectangle"/>
             <p:cNvSpPr/>
             <p:nvPr/>
           </p:nvSpPr>
@@ -17536,7 +17318,7 @@
         </p:sp>
         <p:sp>
           <p:nvSpPr>
-            <p:cNvPr id="442" name="Text"/>
+            <p:cNvPr id="435" name="Text"/>
             <p:cNvSpPr txBox="1"/>
             <p:nvPr/>
           </p:nvSpPr>
@@ -17613,7 +17395,7 @@
                                       <p:cBhvr>
                                         <p:cTn id="6" fill="hold"/>
                                         <p:tgtEl>
-                                          <p:spTgt spid="435">
+                                          <p:spTgt spid="428">
                                             <p:bg/>
                                           </p:spTgt>
                                         </p:tgtEl>
@@ -17629,7 +17411,7 @@
                                       <p:cBhvr>
                                         <p:cTn id="7" dur="500"/>
                                         <p:tgtEl>
-                                          <p:spTgt spid="435">
+                                          <p:spTgt spid="428">
                                             <p:bg/>
                                           </p:spTgt>
                                         </p:tgtEl>
@@ -17651,7 +17433,7 @@
                                       <p:cBhvr>
                                         <p:cTn id="9" fill="hold"/>
                                         <p:tgtEl>
-                                          <p:spTgt spid="435">
+                                          <p:spTgt spid="428">
                                             <p:txEl>
                                               <p:pRg st="0" end="0"/>
                                             </p:txEl>
@@ -17669,7 +17451,7 @@
                                       <p:cBhvr>
                                         <p:cTn id="10" dur="500"/>
                                         <p:tgtEl>
-                                          <p:spTgt spid="435">
+                                          <p:spTgt spid="428">
                                             <p:txEl>
                                               <p:pRg st="0" end="0"/>
                                             </p:txEl>
@@ -17711,7 +17493,7 @@
                                       <p:cBhvr>
                                         <p:cTn id="14" fill="hold"/>
                                         <p:tgtEl>
-                                          <p:spTgt spid="438"/>
+                                          <p:spTgt spid="431"/>
                                         </p:tgtEl>
                                         <p:attrNameLst>
                                           <p:attrName>style.visibility</p:attrName>
@@ -17725,7 +17507,7 @@
                                       <p:cBhvr>
                                         <p:cTn id="15" dur="500"/>
                                         <p:tgtEl>
-                                          <p:spTgt spid="438"/>
+                                          <p:spTgt spid="431"/>
                                         </p:tgtEl>
                                       </p:cBhvr>
                                     </p:animEffect>
@@ -17763,7 +17545,7 @@
                                       <p:cBhvr>
                                         <p:cTn id="19" fill="hold"/>
                                         <p:tgtEl>
-                                          <p:spTgt spid="443"/>
+                                          <p:spTgt spid="436"/>
                                         </p:tgtEl>
                                         <p:attrNameLst>
                                           <p:attrName>style.visibility</p:attrName>
@@ -17777,7 +17559,7 @@
                                       <p:cBhvr>
                                         <p:cTn id="20" dur="500"/>
                                         <p:tgtEl>
-                                          <p:spTgt spid="443"/>
+                                          <p:spTgt spid="436"/>
                                         </p:tgtEl>
                                       </p:cBhvr>
                                     </p:animEffect>
@@ -17812,9 +17594,421 @@
       </p:par>
     </p:tnLst>
     <p:bldLst>
-      <p:bldP build="whole" bldLvl="1" animBg="1" rev="0" advAuto="0" spid="443" grpId="3"/>
-      <p:bldP build="p" bldLvl="5" animBg="1" rev="0" advAuto="0" spid="435" grpId="1"/>
-      <p:bldP build="whole" bldLvl="1" animBg="1" rev="0" advAuto="0" spid="438" grpId="2"/>
+      <p:bldP build="whole" bldLvl="1" animBg="1" rev="0" advAuto="0" spid="431" grpId="2"/>
+      <p:bldP build="whole" bldLvl="1" animBg="1" rev="0" advAuto="0" spid="436" grpId="3"/>
+      <p:bldP build="p" bldLvl="5" animBg="1" rev="0" advAuto="0" spid="428" grpId="1"/>
+    </p:bldLst>
+  </p:timing>
+</p:sld>
+</file>
+
+<file path=ppt/slides/slide49.xml><?xml version="1.0" encoding="utf-8"?>
+<p:sld xmlns:a="http://schemas.openxmlformats.org/drawingml/2006/main" xmlns:r="http://schemas.openxmlformats.org/officeDocument/2006/relationships" xmlns:p="http://schemas.openxmlformats.org/presentationml/2006/main" showMasterSp="1" showMasterPhAnim="1">
+  <p:cSld>
+    <p:spTree>
+      <p:nvGrpSpPr>
+        <p:cNvPr id="1" name=""/>
+        <p:cNvGrpSpPr/>
+        <p:nvPr/>
+      </p:nvGrpSpPr>
+      <p:grpSpPr>
+        <a:xfrm>
+          <a:off x="0" y="0"/>
+          <a:ext cx="0" cy="0"/>
+          <a:chOff x="0" y="0"/>
+          <a:chExt cx="0" cy="0"/>
+        </a:xfrm>
+      </p:grpSpPr>
+      <p:grpSp>
+        <p:nvGrpSpPr>
+          <p:cNvPr id="440" name="Content Placeholder 2"/>
+          <p:cNvGrpSpPr/>
+          <p:nvPr/>
+        </p:nvGrpSpPr>
+        <p:grpSpPr>
+          <a:xfrm>
+            <a:off x="932495" y="1175301"/>
+            <a:ext cx="4967257" cy="2576429"/>
+            <a:chOff x="0" y="0"/>
+            <a:chExt cx="4967256" cy="2576427"/>
+          </a:xfrm>
+        </p:grpSpPr>
+        <p:sp>
+          <p:nvSpPr>
+            <p:cNvPr id="438" name="Rectangle"/>
+            <p:cNvSpPr/>
+            <p:nvPr/>
+          </p:nvSpPr>
+          <p:spPr>
+            <a:xfrm>
+              <a:off x="0" y="-1"/>
+              <a:ext cx="4967257" cy="2576429"/>
+            </a:xfrm>
+            <a:prstGeom prst="rect">
+              <a:avLst/>
+            </a:prstGeom>
+            <a:blipFill rotWithShape="1">
+              <a:blip r:embed="rId2"/>
+              <a:srcRect l="0" t="0" r="0" b="0"/>
+              <a:stretch>
+                <a:fillRect/>
+              </a:stretch>
+            </a:blipFill>
+            <a:ln w="12700" cap="flat">
+              <a:noFill/>
+              <a:miter lim="400000"/>
+            </a:ln>
+            <a:effectLst/>
+          </p:spPr>
+          <p:txBody>
+            <a:bodyPr wrap="square" lIns="45719" tIns="45719" rIns="45719" bIns="45719" numCol="1" anchor="t">
+              <a:noAutofit/>
+            </a:bodyPr>
+            <a:lstStyle/>
+            <a:p>
+              <a:pPr/>
+            </a:p>
+          </p:txBody>
+        </p:sp>
+        <p:sp>
+          <p:nvSpPr>
+            <p:cNvPr id="439" name="Text"/>
+            <p:cNvSpPr txBox="1"/>
+            <p:nvPr/>
+          </p:nvSpPr>
+          <p:spPr>
+            <a:xfrm>
+              <a:off x="0" y="-1"/>
+              <a:ext cx="4967257" cy="358141"/>
+            </a:xfrm>
+            <a:prstGeom prst="rect">
+              <a:avLst/>
+            </a:prstGeom>
+            <a:noFill/>
+            <a:ln w="12700" cap="flat">
+              <a:noFill/>
+              <a:miter lim="400000"/>
+            </a:ln>
+            <a:effectLst/>
+            <a:extLst>
+              <a:ext uri="{C572A759-6A51-4108-AA02-DFA0A04FC94B}">
+                <ma14:wrappingTextBoxFlag xmlns:ma14="http://schemas.microsoft.com/office/mac/drawingml/2011/main" val="1"/>
+              </a:ext>
+            </a:extLst>
+          </p:spPr>
+          <p:txBody>
+            <a:bodyPr wrap="square" lIns="45719" tIns="45719" rIns="45719" bIns="45719" numCol="1" anchor="t">
+              <a:spAutoFit/>
+            </a:bodyPr>
+            <a:lstStyle/>
+            <a:p>
+              <a:pPr/>
+              <a:r>
+                <a:t> </a:t>
+              </a:r>
+            </a:p>
+          </p:txBody>
+        </p:sp>
+      </p:grpSp>
+      <p:sp>
+        <p:nvSpPr>
+          <p:cNvPr id="441" name="Title 1"/>
+          <p:cNvSpPr txBox="1"/>
+          <p:nvPr>
+            <p:ph type="title"/>
+          </p:nvPr>
+        </p:nvSpPr>
+        <p:spPr>
+          <a:xfrm>
+            <a:off x="349291" y="216530"/>
+            <a:ext cx="11493418" cy="767278"/>
+          </a:xfrm>
+          <a:prstGeom prst="rect">
+            <a:avLst/>
+          </a:prstGeom>
+        </p:spPr>
+        <p:txBody>
+          <a:bodyPr/>
+          <a:lstStyle/>
+          <a:p>
+            <a:pPr/>
+            <a:r>
+              <a:t>MAP: Maximum a posteriori estimation</a:t>
+            </a:r>
+          </a:p>
+        </p:txBody>
+      </p:sp>
+      <p:sp>
+        <p:nvSpPr>
+          <p:cNvPr id="442" name="Slide Number Placeholder 3"/>
+          <p:cNvSpPr txBox="1"/>
+          <p:nvPr>
+            <p:ph type="sldNum" sz="quarter" idx="2"/>
+          </p:nvPr>
+        </p:nvSpPr>
+        <p:spPr>
+          <a:xfrm>
+            <a:off x="11724818" y="6448742"/>
+            <a:ext cx="263982" cy="269241"/>
+          </a:xfrm>
+          <a:prstGeom prst="rect">
+            <a:avLst/>
+          </a:prstGeom>
+          <a:extLst>
+            <a:ext uri="{C572A759-6A51-4108-AA02-DFA0A04FC94B}">
+              <ma14:wrappingTextBoxFlag xmlns:ma14="http://schemas.microsoft.com/office/mac/drawingml/2011/main" val="1"/>
+            </a:ext>
+          </a:extLst>
+        </p:spPr>
+        <p:txBody>
+          <a:bodyPr/>
+          <a:lstStyle/>
+          <a:p>
+            <a:pPr/>
+            <a:fld id="{86CB4B4D-7CA3-9044-876B-883B54F8677D}" type="slidenum"/>
+          </a:p>
+        </p:txBody>
+      </p:sp>
+      <p:pic>
+        <p:nvPicPr>
+          <p:cNvPr id="443" name="Picture 5" descr="Picture 5"/>
+          <p:cNvPicPr>
+            <a:picLocks noChangeAspect="1"/>
+          </p:cNvPicPr>
+          <p:nvPr/>
+        </p:nvPicPr>
+        <p:blipFill>
+          <a:blip r:embed="rId3">
+            <a:extLst/>
+          </a:blip>
+          <a:srcRect l="4746" t="17992" r="3363" b="12770"/>
+          <a:stretch>
+            <a:fillRect/>
+          </a:stretch>
+        </p:blipFill>
+        <p:spPr>
+          <a:xfrm>
+            <a:off x="5472392" y="983807"/>
+            <a:ext cx="6370317" cy="3996518"/>
+          </a:xfrm>
+          <a:prstGeom prst="rect">
+            <a:avLst/>
+          </a:prstGeom>
+          <a:ln w="12700">
+            <a:miter lim="400000"/>
+          </a:ln>
+        </p:spPr>
+      </p:pic>
+      <p:grpSp>
+        <p:nvGrpSpPr>
+          <p:cNvPr id="446" name="Rectangle 11"/>
+          <p:cNvGrpSpPr/>
+          <p:nvPr/>
+        </p:nvGrpSpPr>
+        <p:grpSpPr>
+          <a:xfrm>
+            <a:off x="932494" y="3826161"/>
+            <a:ext cx="10739554" cy="2308325"/>
+            <a:chOff x="0" y="0"/>
+            <a:chExt cx="10739552" cy="2308324"/>
+          </a:xfrm>
+        </p:grpSpPr>
+        <p:sp>
+          <p:nvSpPr>
+            <p:cNvPr id="444" name="Rectangle"/>
+            <p:cNvSpPr/>
+            <p:nvPr/>
+          </p:nvSpPr>
+          <p:spPr>
+            <a:xfrm>
+              <a:off x="-1" y="-1"/>
+              <a:ext cx="10739554" cy="2308326"/>
+            </a:xfrm>
+            <a:prstGeom prst="rect">
+              <a:avLst/>
+            </a:prstGeom>
+            <a:blipFill rotWithShape="1">
+              <a:blip r:embed="rId4"/>
+              <a:srcRect l="0" t="0" r="0" b="0"/>
+              <a:stretch>
+                <a:fillRect/>
+              </a:stretch>
+            </a:blipFill>
+            <a:ln w="12700" cap="flat">
+              <a:noFill/>
+              <a:miter lim="400000"/>
+            </a:ln>
+            <a:effectLst/>
+          </p:spPr>
+          <p:txBody>
+            <a:bodyPr wrap="square" lIns="45719" tIns="45719" rIns="45719" bIns="45719" numCol="1" anchor="t">
+              <a:noAutofit/>
+            </a:bodyPr>
+            <a:lstStyle/>
+            <a:p>
+              <a:pPr/>
+            </a:p>
+          </p:txBody>
+        </p:sp>
+        <p:sp>
+          <p:nvSpPr>
+            <p:cNvPr id="445" name="Text"/>
+            <p:cNvSpPr txBox="1"/>
+            <p:nvPr/>
+          </p:nvSpPr>
+          <p:spPr>
+            <a:xfrm>
+              <a:off x="-1" y="-1"/>
+              <a:ext cx="10739554" cy="358141"/>
+            </a:xfrm>
+            <a:prstGeom prst="rect">
+              <a:avLst/>
+            </a:prstGeom>
+            <a:noFill/>
+            <a:ln w="12700" cap="flat">
+              <a:noFill/>
+              <a:miter lim="400000"/>
+            </a:ln>
+            <a:effectLst/>
+            <a:extLst>
+              <a:ext uri="{C572A759-6A51-4108-AA02-DFA0A04FC94B}">
+                <ma14:wrappingTextBoxFlag xmlns:ma14="http://schemas.microsoft.com/office/mac/drawingml/2011/main" val="1"/>
+              </a:ext>
+            </a:extLst>
+          </p:spPr>
+          <p:txBody>
+            <a:bodyPr wrap="square" lIns="45719" tIns="45719" rIns="45719" bIns="45719" numCol="1" anchor="t">
+              <a:spAutoFit/>
+            </a:bodyPr>
+            <a:lstStyle/>
+            <a:p>
+              <a:pPr/>
+              <a:r>
+                <a:t> </a:t>
+              </a:r>
+            </a:p>
+          </p:txBody>
+        </p:sp>
+      </p:grpSp>
+      <p:pic>
+        <p:nvPicPr>
+          <p:cNvPr id="447" name="Picture 12" descr="Picture 12"/>
+          <p:cNvPicPr>
+            <a:picLocks noChangeAspect="1"/>
+          </p:cNvPicPr>
+          <p:nvPr/>
+        </p:nvPicPr>
+        <p:blipFill>
+          <a:blip r:embed="rId5">
+            <a:extLst/>
+          </a:blip>
+          <a:srcRect l="6550" t="90231" r="79501" b="3986"/>
+          <a:stretch>
+            <a:fillRect/>
+          </a:stretch>
+        </p:blipFill>
+        <p:spPr>
+          <a:xfrm>
+            <a:off x="5590902" y="4642266"/>
+            <a:ext cx="1010195" cy="314144"/>
+          </a:xfrm>
+          <a:prstGeom prst="rect">
+            <a:avLst/>
+          </a:prstGeom>
+          <a:ln w="12700">
+            <a:miter lim="400000"/>
+          </a:ln>
+        </p:spPr>
+      </p:pic>
+    </p:spTree>
+  </p:cSld>
+  <p:clrMapOvr>
+    <a:masterClrMapping/>
+  </p:clrMapOvr>
+  <p:transition xmlns:p14="http://schemas.microsoft.com/office/powerpoint/2010/main" spd="med" advClick="1"/>
+  <p:timing>
+    <p:tnLst>
+      <p:par>
+        <p:cTn id="1" nodeType="tmRoot" restart="never" dur="indefinite" fill="hold">
+          <p:childTnLst>
+            <p:seq concurrent="1" prevAc="none" nextAc="seek">
+              <p:cTn id="2" nodeType="mainSeq" dur="indefinite" fill="hold">
+                <p:childTnLst>
+                  <p:par>
+                    <p:cTn id="3" fill="hold">
+                      <p:stCondLst>
+                        <p:cond delay="indefinite"/>
+                      </p:stCondLst>
+                      <p:childTnLst>
+                        <p:par>
+                          <p:cTn id="4" fill="hold">
+                            <p:stCondLst>
+                              <p:cond delay="0"/>
+                            </p:stCondLst>
+                            <p:childTnLst>
+                              <p:par>
+                                <p:cTn id="5" presetClass="entr" nodeType="clickEffect" presetID="9" grpId="1" fill="hold">
+                                  <p:stCondLst>
+                                    <p:cond delay="0"/>
+                                  </p:stCondLst>
+                                  <p:iterate type="el" backwards="0">
+                                    <p:tmAbs val="0"/>
+                                  </p:iterate>
+                                  <p:childTnLst>
+                                    <p:set>
+                                      <p:cBhvr>
+                                        <p:cTn id="6" fill="hold"/>
+                                        <p:tgtEl>
+                                          <p:spTgt spid="440"/>
+                                        </p:tgtEl>
+                                        <p:attrNameLst>
+                                          <p:attrName>style.visibility</p:attrName>
+                                        </p:attrNameLst>
+                                      </p:cBhvr>
+                                      <p:to>
+                                        <p:strVal val="visible"/>
+                                      </p:to>
+                                    </p:set>
+                                    <p:animEffect filter="dissolve" transition="in">
+                                      <p:cBhvr>
+                                        <p:cTn id="7" dur="500"/>
+                                        <p:tgtEl>
+                                          <p:spTgt spid="440"/>
+                                        </p:tgtEl>
+                                      </p:cBhvr>
+                                    </p:animEffect>
+                                  </p:childTnLst>
+                                </p:cTn>
+                              </p:par>
+                            </p:childTnLst>
+                          </p:cTn>
+                        </p:par>
+                      </p:childTnLst>
+                    </p:cTn>
+                  </p:par>
+                </p:childTnLst>
+              </p:cTn>
+              <p:prevCondLst>
+                <p:cond evt="onPrev">
+                  <p:tgtEl>
+                    <p:sldTgt/>
+                  </p:tgtEl>
+                </p:cond>
+              </p:prevCondLst>
+              <p:nextCondLst>
+                <p:cond evt="onNext">
+                  <p:tgtEl>
+                    <p:sldTgt/>
+                  </p:tgtEl>
+                </p:cond>
+              </p:nextCondLst>
+            </p:seq>
+          </p:childTnLst>
+        </p:cTn>
+      </p:par>
+    </p:tnLst>
+    <p:bldLst>
+      <p:bldP build="whole" bldLvl="1" animBg="1" rev="0" advAuto="0" spid="440" grpId="1"/>
     </p:bldLst>
   </p:timing>
 </p:sld>
@@ -18085,421 +18279,9 @@
           <a:chExt cx="0" cy="0"/>
         </a:xfrm>
       </p:grpSpPr>
-      <p:grpSp>
-        <p:nvGrpSpPr>
-          <p:cNvPr id="447" name="Content Placeholder 2"/>
-          <p:cNvGrpSpPr/>
-          <p:nvPr/>
-        </p:nvGrpSpPr>
-        <p:grpSpPr>
-          <a:xfrm>
-            <a:off x="932495" y="1175301"/>
-            <a:ext cx="4967257" cy="2576429"/>
-            <a:chOff x="0" y="0"/>
-            <a:chExt cx="4967256" cy="2576427"/>
-          </a:xfrm>
-        </p:grpSpPr>
-        <p:sp>
-          <p:nvSpPr>
-            <p:cNvPr id="445" name="Rectangle"/>
-            <p:cNvSpPr/>
-            <p:nvPr/>
-          </p:nvSpPr>
-          <p:spPr>
-            <a:xfrm>
-              <a:off x="0" y="-1"/>
-              <a:ext cx="4967257" cy="2576429"/>
-            </a:xfrm>
-            <a:prstGeom prst="rect">
-              <a:avLst/>
-            </a:prstGeom>
-            <a:blipFill rotWithShape="1">
-              <a:blip r:embed="rId2"/>
-              <a:srcRect l="0" t="0" r="0" b="0"/>
-              <a:stretch>
-                <a:fillRect/>
-              </a:stretch>
-            </a:blipFill>
-            <a:ln w="12700" cap="flat">
-              <a:noFill/>
-              <a:miter lim="400000"/>
-            </a:ln>
-            <a:effectLst/>
-          </p:spPr>
-          <p:txBody>
-            <a:bodyPr wrap="square" lIns="45719" tIns="45719" rIns="45719" bIns="45719" numCol="1" anchor="t">
-              <a:noAutofit/>
-            </a:bodyPr>
-            <a:lstStyle/>
-            <a:p>
-              <a:pPr/>
-            </a:p>
-          </p:txBody>
-        </p:sp>
-        <p:sp>
-          <p:nvSpPr>
-            <p:cNvPr id="446" name="Text"/>
-            <p:cNvSpPr txBox="1"/>
-            <p:nvPr/>
-          </p:nvSpPr>
-          <p:spPr>
-            <a:xfrm>
-              <a:off x="0" y="-1"/>
-              <a:ext cx="4967257" cy="358141"/>
-            </a:xfrm>
-            <a:prstGeom prst="rect">
-              <a:avLst/>
-            </a:prstGeom>
-            <a:noFill/>
-            <a:ln w="12700" cap="flat">
-              <a:noFill/>
-              <a:miter lim="400000"/>
-            </a:ln>
-            <a:effectLst/>
-            <a:extLst>
-              <a:ext uri="{C572A759-6A51-4108-AA02-DFA0A04FC94B}">
-                <ma14:wrappingTextBoxFlag xmlns:ma14="http://schemas.microsoft.com/office/mac/drawingml/2011/main" val="1"/>
-              </a:ext>
-            </a:extLst>
-          </p:spPr>
-          <p:txBody>
-            <a:bodyPr wrap="square" lIns="45719" tIns="45719" rIns="45719" bIns="45719" numCol="1" anchor="t">
-              <a:spAutoFit/>
-            </a:bodyPr>
-            <a:lstStyle/>
-            <a:p>
-              <a:pPr/>
-              <a:r>
-                <a:t> </a:t>
-              </a:r>
-            </a:p>
-          </p:txBody>
-        </p:sp>
-      </p:grpSp>
-      <p:sp>
-        <p:nvSpPr>
-          <p:cNvPr id="448" name="Title 1"/>
-          <p:cNvSpPr txBox="1"/>
-          <p:nvPr>
-            <p:ph type="title"/>
-          </p:nvPr>
-        </p:nvSpPr>
-        <p:spPr>
-          <a:xfrm>
-            <a:off x="349291" y="216530"/>
-            <a:ext cx="11493418" cy="767278"/>
-          </a:xfrm>
-          <a:prstGeom prst="rect">
-            <a:avLst/>
-          </a:prstGeom>
-        </p:spPr>
-        <p:txBody>
-          <a:bodyPr/>
-          <a:lstStyle/>
-          <a:p>
-            <a:pPr/>
-            <a:r>
-              <a:t>MAP: Maximum a posteriori estimation</a:t>
-            </a:r>
-          </a:p>
-        </p:txBody>
-      </p:sp>
-      <p:sp>
-        <p:nvSpPr>
-          <p:cNvPr id="449" name="Slide Number Placeholder 3"/>
-          <p:cNvSpPr txBox="1"/>
-          <p:nvPr>
-            <p:ph type="sldNum" sz="quarter" idx="2"/>
-          </p:nvPr>
-        </p:nvSpPr>
-        <p:spPr>
-          <a:xfrm>
-            <a:off x="11724818" y="6448742"/>
-            <a:ext cx="263982" cy="269241"/>
-          </a:xfrm>
-          <a:prstGeom prst="rect">
-            <a:avLst/>
-          </a:prstGeom>
-          <a:extLst>
-            <a:ext uri="{C572A759-6A51-4108-AA02-DFA0A04FC94B}">
-              <ma14:wrappingTextBoxFlag xmlns:ma14="http://schemas.microsoft.com/office/mac/drawingml/2011/main" val="1"/>
-            </a:ext>
-          </a:extLst>
-        </p:spPr>
-        <p:txBody>
-          <a:bodyPr/>
-          <a:lstStyle/>
-          <a:p>
-            <a:pPr/>
-            <a:fld id="{86CB4B4D-7CA3-9044-876B-883B54F8677D}" type="slidenum"/>
-          </a:p>
-        </p:txBody>
-      </p:sp>
-      <p:pic>
-        <p:nvPicPr>
-          <p:cNvPr id="450" name="Picture 5" descr="Picture 5"/>
-          <p:cNvPicPr>
-            <a:picLocks noChangeAspect="1"/>
-          </p:cNvPicPr>
-          <p:nvPr/>
-        </p:nvPicPr>
-        <p:blipFill>
-          <a:blip r:embed="rId3">
-            <a:extLst/>
-          </a:blip>
-          <a:srcRect l="4746" t="17992" r="3363" b="12770"/>
-          <a:stretch>
-            <a:fillRect/>
-          </a:stretch>
-        </p:blipFill>
-        <p:spPr>
-          <a:xfrm>
-            <a:off x="5472392" y="983807"/>
-            <a:ext cx="6370317" cy="3996518"/>
-          </a:xfrm>
-          <a:prstGeom prst="rect">
-            <a:avLst/>
-          </a:prstGeom>
-          <a:ln w="12700">
-            <a:miter lim="400000"/>
-          </a:ln>
-        </p:spPr>
-      </p:pic>
-      <p:grpSp>
-        <p:nvGrpSpPr>
-          <p:cNvPr id="453" name="Rectangle 11"/>
-          <p:cNvGrpSpPr/>
-          <p:nvPr/>
-        </p:nvGrpSpPr>
-        <p:grpSpPr>
-          <a:xfrm>
-            <a:off x="932494" y="3826161"/>
-            <a:ext cx="10739554" cy="2308325"/>
-            <a:chOff x="0" y="0"/>
-            <a:chExt cx="10739552" cy="2308324"/>
-          </a:xfrm>
-        </p:grpSpPr>
-        <p:sp>
-          <p:nvSpPr>
-            <p:cNvPr id="451" name="Rectangle"/>
-            <p:cNvSpPr/>
-            <p:nvPr/>
-          </p:nvSpPr>
-          <p:spPr>
-            <a:xfrm>
-              <a:off x="-1" y="-1"/>
-              <a:ext cx="10739554" cy="2308326"/>
-            </a:xfrm>
-            <a:prstGeom prst="rect">
-              <a:avLst/>
-            </a:prstGeom>
-            <a:blipFill rotWithShape="1">
-              <a:blip r:embed="rId4"/>
-              <a:srcRect l="0" t="0" r="0" b="0"/>
-              <a:stretch>
-                <a:fillRect/>
-              </a:stretch>
-            </a:blipFill>
-            <a:ln w="12700" cap="flat">
-              <a:noFill/>
-              <a:miter lim="400000"/>
-            </a:ln>
-            <a:effectLst/>
-          </p:spPr>
-          <p:txBody>
-            <a:bodyPr wrap="square" lIns="45719" tIns="45719" rIns="45719" bIns="45719" numCol="1" anchor="t">
-              <a:noAutofit/>
-            </a:bodyPr>
-            <a:lstStyle/>
-            <a:p>
-              <a:pPr/>
-            </a:p>
-          </p:txBody>
-        </p:sp>
-        <p:sp>
-          <p:nvSpPr>
-            <p:cNvPr id="452" name="Text"/>
-            <p:cNvSpPr txBox="1"/>
-            <p:nvPr/>
-          </p:nvSpPr>
-          <p:spPr>
-            <a:xfrm>
-              <a:off x="-1" y="-1"/>
-              <a:ext cx="10739554" cy="358141"/>
-            </a:xfrm>
-            <a:prstGeom prst="rect">
-              <a:avLst/>
-            </a:prstGeom>
-            <a:noFill/>
-            <a:ln w="12700" cap="flat">
-              <a:noFill/>
-              <a:miter lim="400000"/>
-            </a:ln>
-            <a:effectLst/>
-            <a:extLst>
-              <a:ext uri="{C572A759-6A51-4108-AA02-DFA0A04FC94B}">
-                <ma14:wrappingTextBoxFlag xmlns:ma14="http://schemas.microsoft.com/office/mac/drawingml/2011/main" val="1"/>
-              </a:ext>
-            </a:extLst>
-          </p:spPr>
-          <p:txBody>
-            <a:bodyPr wrap="square" lIns="45719" tIns="45719" rIns="45719" bIns="45719" numCol="1" anchor="t">
-              <a:spAutoFit/>
-            </a:bodyPr>
-            <a:lstStyle/>
-            <a:p>
-              <a:pPr/>
-              <a:r>
-                <a:t> </a:t>
-              </a:r>
-            </a:p>
-          </p:txBody>
-        </p:sp>
-      </p:grpSp>
-      <p:pic>
-        <p:nvPicPr>
-          <p:cNvPr id="454" name="Picture 12" descr="Picture 12"/>
-          <p:cNvPicPr>
-            <a:picLocks noChangeAspect="1"/>
-          </p:cNvPicPr>
-          <p:nvPr/>
-        </p:nvPicPr>
-        <p:blipFill>
-          <a:blip r:embed="rId5">
-            <a:extLst/>
-          </a:blip>
-          <a:srcRect l="6550" t="90231" r="79501" b="3986"/>
-          <a:stretch>
-            <a:fillRect/>
-          </a:stretch>
-        </p:blipFill>
-        <p:spPr>
-          <a:xfrm>
-            <a:off x="5590902" y="4642266"/>
-            <a:ext cx="1010195" cy="314144"/>
-          </a:xfrm>
-          <a:prstGeom prst="rect">
-            <a:avLst/>
-          </a:prstGeom>
-          <a:ln w="12700">
-            <a:miter lim="400000"/>
-          </a:ln>
-        </p:spPr>
-      </p:pic>
-    </p:spTree>
-  </p:cSld>
-  <p:clrMapOvr>
-    <a:masterClrMapping/>
-  </p:clrMapOvr>
-  <p:transition xmlns:p14="http://schemas.microsoft.com/office/powerpoint/2010/main" spd="med" advClick="1"/>
-  <p:timing>
-    <p:tnLst>
-      <p:par>
-        <p:cTn id="1" nodeType="tmRoot" restart="never" dur="indefinite" fill="hold">
-          <p:childTnLst>
-            <p:seq concurrent="1" prevAc="none" nextAc="seek">
-              <p:cTn id="2" nodeType="mainSeq" dur="indefinite" fill="hold">
-                <p:childTnLst>
-                  <p:par>
-                    <p:cTn id="3" fill="hold">
-                      <p:stCondLst>
-                        <p:cond delay="indefinite"/>
-                      </p:stCondLst>
-                      <p:childTnLst>
-                        <p:par>
-                          <p:cTn id="4" fill="hold">
-                            <p:stCondLst>
-                              <p:cond delay="0"/>
-                            </p:stCondLst>
-                            <p:childTnLst>
-                              <p:par>
-                                <p:cTn id="5" presetClass="entr" nodeType="clickEffect" presetID="9" grpId="1" fill="hold">
-                                  <p:stCondLst>
-                                    <p:cond delay="0"/>
-                                  </p:stCondLst>
-                                  <p:iterate type="el" backwards="0">
-                                    <p:tmAbs val="0"/>
-                                  </p:iterate>
-                                  <p:childTnLst>
-                                    <p:set>
-                                      <p:cBhvr>
-                                        <p:cTn id="6" fill="hold"/>
-                                        <p:tgtEl>
-                                          <p:spTgt spid="447"/>
-                                        </p:tgtEl>
-                                        <p:attrNameLst>
-                                          <p:attrName>style.visibility</p:attrName>
-                                        </p:attrNameLst>
-                                      </p:cBhvr>
-                                      <p:to>
-                                        <p:strVal val="visible"/>
-                                      </p:to>
-                                    </p:set>
-                                    <p:animEffect filter="dissolve" transition="in">
-                                      <p:cBhvr>
-                                        <p:cTn id="7" dur="500"/>
-                                        <p:tgtEl>
-                                          <p:spTgt spid="447"/>
-                                        </p:tgtEl>
-                                      </p:cBhvr>
-                                    </p:animEffect>
-                                  </p:childTnLst>
-                                </p:cTn>
-                              </p:par>
-                            </p:childTnLst>
-                          </p:cTn>
-                        </p:par>
-                      </p:childTnLst>
-                    </p:cTn>
-                  </p:par>
-                </p:childTnLst>
-              </p:cTn>
-              <p:prevCondLst>
-                <p:cond evt="onPrev">
-                  <p:tgtEl>
-                    <p:sldTgt/>
-                  </p:tgtEl>
-                </p:cond>
-              </p:prevCondLst>
-              <p:nextCondLst>
-                <p:cond evt="onNext">
-                  <p:tgtEl>
-                    <p:sldTgt/>
-                  </p:tgtEl>
-                </p:cond>
-              </p:nextCondLst>
-            </p:seq>
-          </p:childTnLst>
-        </p:cTn>
-      </p:par>
-    </p:tnLst>
-    <p:bldLst>
-      <p:bldP build="whole" bldLvl="1" animBg="1" rev="0" advAuto="0" spid="447" grpId="1"/>
-    </p:bldLst>
-  </p:timing>
-</p:sld>
-</file>
-
-<file path=ppt/slides/slide51.xml><?xml version="1.0" encoding="utf-8"?>
-<p:sld xmlns:a="http://schemas.openxmlformats.org/drawingml/2006/main" xmlns:r="http://schemas.openxmlformats.org/officeDocument/2006/relationships" xmlns:p="http://schemas.openxmlformats.org/presentationml/2006/main" showMasterSp="1" showMasterPhAnim="1">
-  <p:cSld>
-    <p:spTree>
-      <p:nvGrpSpPr>
-        <p:cNvPr id="1" name=""/>
-        <p:cNvGrpSpPr/>
-        <p:nvPr/>
-      </p:nvGrpSpPr>
-      <p:grpSpPr>
-        <a:xfrm>
-          <a:off x="0" y="0"/>
-          <a:ext cx="0" cy="0"/>
-          <a:chOff x="0" y="0"/>
-          <a:chExt cx="0" cy="0"/>
-        </a:xfrm>
-      </p:grpSpPr>
-      <p:sp>
-        <p:nvSpPr>
-          <p:cNvPr id="456" name="TextBox 9"/>
+      <p:sp>
+        <p:nvSpPr>
+          <p:cNvPr id="449" name="TextBox 9"/>
           <p:cNvSpPr txBox="1"/>
           <p:nvPr/>
         </p:nvSpPr>
@@ -18539,7 +18321,7 @@
       </p:sp>
       <p:pic>
         <p:nvPicPr>
-          <p:cNvPr id="457" name="Picture 7" descr="Picture 7"/>
+          <p:cNvPr id="450" name="Picture 7" descr="Picture 7"/>
           <p:cNvPicPr>
             <a:picLocks noChangeAspect="1"/>
           </p:cNvPicPr>
@@ -18569,7 +18351,7 @@
       </p:pic>
       <p:sp>
         <p:nvSpPr>
-          <p:cNvPr id="458" name="Rectangle 19"/>
+          <p:cNvPr id="451" name="Rectangle 19"/>
           <p:cNvSpPr/>
           <p:nvPr/>
         </p:nvSpPr>
@@ -18604,7 +18386,7 @@
       </p:sp>
       <p:sp>
         <p:nvSpPr>
-          <p:cNvPr id="459" name="Rectangle 20"/>
+          <p:cNvPr id="452" name="Rectangle 20"/>
           <p:cNvSpPr/>
           <p:nvPr/>
         </p:nvSpPr>
@@ -18639,7 +18421,7 @@
       </p:sp>
       <p:sp>
         <p:nvSpPr>
-          <p:cNvPr id="460" name="Title 1"/>
+          <p:cNvPr id="453" name="Title 1"/>
           <p:cNvSpPr txBox="1"/>
           <p:nvPr>
             <p:ph type="title"/>
@@ -18667,7 +18449,7 @@
       </p:sp>
       <p:sp>
         <p:nvSpPr>
-          <p:cNvPr id="461" name="Slide Number Placeholder 3"/>
+          <p:cNvPr id="454" name="Slide Number Placeholder 3"/>
           <p:cNvSpPr txBox="1"/>
           <p:nvPr>
             <p:ph type="sldNum" sz="quarter" idx="2"/>
@@ -18698,7 +18480,7 @@
       </p:sp>
       <p:sp>
         <p:nvSpPr>
-          <p:cNvPr id="462" name="Content Placeholder 2"/>
+          <p:cNvPr id="455" name="Content Placeholder 2"/>
           <p:cNvSpPr txBox="1"/>
           <p:nvPr>
             <p:ph type="body" idx="1"/>
@@ -18748,7 +18530,7 @@
       </p:sp>
       <p:sp>
         <p:nvSpPr>
-          <p:cNvPr id="463" name="TextBox 8"/>
+          <p:cNvPr id="456" name="TextBox 8"/>
           <p:cNvSpPr txBox="1"/>
           <p:nvPr/>
         </p:nvSpPr>
@@ -18788,7 +18570,7 @@
       </p:sp>
       <p:sp>
         <p:nvSpPr>
-          <p:cNvPr id="464" name="TextBox 10"/>
+          <p:cNvPr id="457" name="TextBox 10"/>
           <p:cNvSpPr txBox="1"/>
           <p:nvPr/>
         </p:nvSpPr>
@@ -18828,7 +18610,7 @@
       </p:sp>
       <p:sp>
         <p:nvSpPr>
-          <p:cNvPr id="465" name="TextBox 11"/>
+          <p:cNvPr id="458" name="TextBox 11"/>
           <p:cNvSpPr txBox="1"/>
           <p:nvPr/>
         </p:nvSpPr>
@@ -18868,7 +18650,7 @@
       </p:sp>
       <p:sp>
         <p:nvSpPr>
-          <p:cNvPr id="466" name="Straight Arrow Connector 13"/>
+          <p:cNvPr id="459" name="Straight Arrow Connector 13"/>
           <p:cNvSpPr/>
           <p:nvPr/>
         </p:nvSpPr>
@@ -18904,7 +18686,7 @@
       </p:sp>
       <p:sp>
         <p:nvSpPr>
-          <p:cNvPr id="467" name="Rectangle 23"/>
+          <p:cNvPr id="460" name="Rectangle 23"/>
           <p:cNvSpPr/>
           <p:nvPr/>
         </p:nvSpPr>
@@ -18980,7 +18762,7 @@
                                           </p:stCondLst>
                                         </p:cTn>
                                         <p:tgtEl>
-                                          <p:spTgt spid="459"/>
+                                          <p:spTgt spid="452"/>
                                         </p:tgtEl>
                                         <p:attrNameLst>
                                           <p:attrName>style.visibility</p:attrName>
@@ -19028,7 +18810,7 @@
                                           </p:stCondLst>
                                         </p:cTn>
                                         <p:tgtEl>
-                                          <p:spTgt spid="458"/>
+                                          <p:spTgt spid="451"/>
                                         </p:tgtEl>
                                         <p:attrNameLst>
                                           <p:attrName>style.visibility</p:attrName>
@@ -19076,7 +18858,7 @@
                                           </p:stCondLst>
                                         </p:cTn>
                                         <p:tgtEl>
-                                          <p:spTgt spid="467"/>
+                                          <p:spTgt spid="460"/>
                                         </p:tgtEl>
                                         <p:attrNameLst>
                                           <p:attrName>style.visibility</p:attrName>
@@ -19117,15 +18899,15 @@
       </p:par>
     </p:tnLst>
     <p:bldLst>
-      <p:bldP build="whole" bldLvl="1" animBg="1" rev="0" advAuto="0" spid="467" grpId="3"/>
-      <p:bldP build="whole" bldLvl="1" animBg="1" rev="0" advAuto="0" spid="458" grpId="2"/>
-      <p:bldP build="whole" bldLvl="1" animBg="1" rev="0" advAuto="0" spid="459" grpId="1"/>
+      <p:bldP build="whole" bldLvl="1" animBg="1" rev="0" advAuto="0" spid="451" grpId="2"/>
+      <p:bldP build="whole" bldLvl="1" animBg="1" rev="0" advAuto="0" spid="452" grpId="1"/>
+      <p:bldP build="whole" bldLvl="1" animBg="1" rev="0" advAuto="0" spid="460" grpId="3"/>
     </p:bldLst>
   </p:timing>
 </p:sld>
 </file>
 
-<file path=ppt/slides/slide52.xml><?xml version="1.0" encoding="utf-8"?>
+<file path=ppt/slides/slide51.xml><?xml version="1.0" encoding="utf-8"?>
 <p:sld xmlns:a="http://schemas.openxmlformats.org/drawingml/2006/main" xmlns:r="http://schemas.openxmlformats.org/officeDocument/2006/relationships" xmlns:p="http://schemas.openxmlformats.org/presentationml/2006/main" showMasterSp="1" showMasterPhAnim="1">
   <p:cSld>
     <p:spTree>
@@ -19144,7 +18926,7 @@
       </p:grpSpPr>
       <p:sp>
         <p:nvSpPr>
-          <p:cNvPr id="469" name="Title 1"/>
+          <p:cNvPr id="462" name="Title 1"/>
           <p:cNvSpPr txBox="1"/>
           <p:nvPr>
             <p:ph type="title"/>
@@ -19172,7 +18954,7 @@
       </p:sp>
       <p:sp>
         <p:nvSpPr>
-          <p:cNvPr id="470" name="Content Placeholder 2"/>
+          <p:cNvPr id="463" name="Content Placeholder 2"/>
           <p:cNvSpPr txBox="1"/>
           <p:nvPr>
             <p:ph type="body" idx="1"/>
@@ -19206,7 +18988,7 @@
       </p:sp>
       <p:sp>
         <p:nvSpPr>
-          <p:cNvPr id="471" name="Slide Number Placeholder 3"/>
+          <p:cNvPr id="464" name="Slide Number Placeholder 3"/>
           <p:cNvSpPr txBox="1"/>
           <p:nvPr>
             <p:ph type="sldNum" sz="quarter" idx="2"/>
@@ -19237,7 +19019,7 @@
       </p:sp>
       <p:grpSp>
         <p:nvGrpSpPr>
-          <p:cNvPr id="474" name="Rectangle 4"/>
+          <p:cNvPr id="467" name="Rectangle 4"/>
           <p:cNvGrpSpPr/>
           <p:nvPr/>
         </p:nvGrpSpPr>
@@ -19251,7 +19033,7 @@
         </p:grpSpPr>
         <p:sp>
           <p:nvSpPr>
-            <p:cNvPr id="472" name="Rectangle"/>
+            <p:cNvPr id="465" name="Rectangle"/>
             <p:cNvSpPr/>
             <p:nvPr/>
           </p:nvSpPr>
@@ -19288,7 +19070,7 @@
         </p:sp>
         <p:sp>
           <p:nvSpPr>
-            <p:cNvPr id="473" name="Text"/>
+            <p:cNvPr id="466" name="Text"/>
             <p:cNvSpPr txBox="1"/>
             <p:nvPr/>
           </p:nvSpPr>
@@ -19328,7 +19110,7 @@
       </p:grpSp>
       <p:grpSp>
         <p:nvGrpSpPr>
-          <p:cNvPr id="477" name="Rectangle 5"/>
+          <p:cNvPr id="470" name="Rectangle 5"/>
           <p:cNvGrpSpPr/>
           <p:nvPr/>
         </p:nvGrpSpPr>
@@ -19342,7 +19124,7 @@
         </p:grpSpPr>
         <p:sp>
           <p:nvSpPr>
-            <p:cNvPr id="475" name="Rectangle"/>
+            <p:cNvPr id="468" name="Rectangle"/>
             <p:cNvSpPr/>
             <p:nvPr/>
           </p:nvSpPr>
@@ -19379,7 +19161,7 @@
         </p:sp>
         <p:sp>
           <p:nvSpPr>
-            <p:cNvPr id="476" name="Text"/>
+            <p:cNvPr id="469" name="Text"/>
             <p:cNvSpPr txBox="1"/>
             <p:nvPr/>
           </p:nvSpPr>
@@ -19419,7 +19201,7 @@
       </p:grpSp>
       <p:grpSp>
         <p:nvGrpSpPr>
-          <p:cNvPr id="480" name="Rectangle 6"/>
+          <p:cNvPr id="473" name="Rectangle 6"/>
           <p:cNvGrpSpPr/>
           <p:nvPr/>
         </p:nvGrpSpPr>
@@ -19433,7 +19215,7 @@
         </p:grpSpPr>
         <p:sp>
           <p:nvSpPr>
-            <p:cNvPr id="478" name="Rectangle"/>
+            <p:cNvPr id="471" name="Rectangle"/>
             <p:cNvSpPr/>
             <p:nvPr/>
           </p:nvSpPr>
@@ -19470,7 +19252,7 @@
         </p:sp>
         <p:sp>
           <p:nvSpPr>
-            <p:cNvPr id="479" name="Text"/>
+            <p:cNvPr id="472" name="Text"/>
             <p:cNvSpPr txBox="1"/>
             <p:nvPr/>
           </p:nvSpPr>
@@ -19510,7 +19292,7 @@
       </p:grpSp>
       <p:grpSp>
         <p:nvGrpSpPr>
-          <p:cNvPr id="483" name="Rectangle 7"/>
+          <p:cNvPr id="476" name="Rectangle 7"/>
           <p:cNvGrpSpPr/>
           <p:nvPr/>
         </p:nvGrpSpPr>
@@ -19524,7 +19306,7 @@
         </p:grpSpPr>
         <p:sp>
           <p:nvSpPr>
-            <p:cNvPr id="481" name="Rectangle"/>
+            <p:cNvPr id="474" name="Rectangle"/>
             <p:cNvSpPr/>
             <p:nvPr/>
           </p:nvSpPr>
@@ -19561,7 +19343,7 @@
         </p:sp>
         <p:sp>
           <p:nvSpPr>
-            <p:cNvPr id="482" name="Text"/>
+            <p:cNvPr id="475" name="Text"/>
             <p:cNvSpPr txBox="1"/>
             <p:nvPr/>
           </p:nvSpPr>
@@ -19601,7 +19383,7 @@
       </p:grpSp>
       <p:sp>
         <p:nvSpPr>
-          <p:cNvPr id="484" name="Arrow: Right 8"/>
+          <p:cNvPr id="477" name="Arrow: Right 8"/>
           <p:cNvSpPr/>
           <p:nvPr/>
         </p:nvSpPr>
@@ -19641,7 +19423,7 @@
       </p:sp>
       <p:sp>
         <p:nvSpPr>
-          <p:cNvPr id="485" name="Arrow: Right 9"/>
+          <p:cNvPr id="478" name="Arrow: Right 9"/>
           <p:cNvSpPr/>
           <p:nvPr/>
         </p:nvSpPr>
@@ -19718,7 +19500,7 @@
                                       <p:cBhvr>
                                         <p:cTn id="6" fill="hold"/>
                                         <p:tgtEl>
-                                          <p:spTgt spid="470">
+                                          <p:spTgt spid="463">
                                             <p:bg/>
                                           </p:spTgt>
                                         </p:tgtEl>
@@ -19734,7 +19516,7 @@
                                       <p:cBhvr>
                                         <p:cTn id="7" dur="500"/>
                                         <p:tgtEl>
-                                          <p:spTgt spid="470">
+                                          <p:spTgt spid="463">
                                             <p:bg/>
                                           </p:spTgt>
                                         </p:tgtEl>
@@ -19756,7 +19538,7 @@
                                       <p:cBhvr>
                                         <p:cTn id="9" fill="hold"/>
                                         <p:tgtEl>
-                                          <p:spTgt spid="470">
+                                          <p:spTgt spid="463">
                                             <p:txEl>
                                               <p:pRg st="0" end="0"/>
                                             </p:txEl>
@@ -19774,7 +19556,7 @@
                                       <p:cBhvr>
                                         <p:cTn id="10" dur="500"/>
                                         <p:tgtEl>
-                                          <p:spTgt spid="470">
+                                          <p:spTgt spid="463">
                                             <p:txEl>
                                               <p:pRg st="0" end="0"/>
                                             </p:txEl>
@@ -19816,7 +19598,7 @@
                                       <p:cBhvr>
                                         <p:cTn id="14" fill="hold"/>
                                         <p:tgtEl>
-                                          <p:spTgt spid="477"/>
+                                          <p:spTgt spid="470"/>
                                         </p:tgtEl>
                                         <p:attrNameLst>
                                           <p:attrName>style.visibility</p:attrName>
@@ -19830,7 +19612,7 @@
                                       <p:cBhvr>
                                         <p:cTn id="15" dur="500"/>
                                         <p:tgtEl>
-                                          <p:spTgt spid="477"/>
+                                          <p:spTgt spid="470"/>
                                         </p:tgtEl>
                                       </p:cBhvr>
                                     </p:animEffect>
@@ -19859,7 +19641,7 @@
                                       <p:cBhvr>
                                         <p:cTn id="18" fill="hold"/>
                                         <p:tgtEl>
-                                          <p:spTgt spid="474"/>
+                                          <p:spTgt spid="467"/>
                                         </p:tgtEl>
                                         <p:attrNameLst>
                                           <p:attrName>style.visibility</p:attrName>
@@ -19873,7 +19655,7 @@
                                       <p:cBhvr>
                                         <p:cTn id="19" dur="500"/>
                                         <p:tgtEl>
-                                          <p:spTgt spid="474"/>
+                                          <p:spTgt spid="467"/>
                                         </p:tgtEl>
                                       </p:cBhvr>
                                     </p:animEffect>
@@ -19902,7 +19684,7 @@
                                       <p:cBhvr>
                                         <p:cTn id="22" fill="hold"/>
                                         <p:tgtEl>
-                                          <p:spTgt spid="484"/>
+                                          <p:spTgt spid="477"/>
                                         </p:tgtEl>
                                         <p:attrNameLst>
                                           <p:attrName>style.visibility</p:attrName>
@@ -19916,7 +19698,7 @@
                                       <p:cBhvr>
                                         <p:cTn id="23" dur="500"/>
                                         <p:tgtEl>
-                                          <p:spTgt spid="484"/>
+                                          <p:spTgt spid="477"/>
                                         </p:tgtEl>
                                       </p:cBhvr>
                                     </p:animEffect>
@@ -19954,7 +19736,7 @@
                                       <p:cBhvr>
                                         <p:cTn id="27" fill="hold"/>
                                         <p:tgtEl>
-                                          <p:spTgt spid="480"/>
+                                          <p:spTgt spid="473"/>
                                         </p:tgtEl>
                                         <p:attrNameLst>
                                           <p:attrName>style.visibility</p:attrName>
@@ -19968,7 +19750,7 @@
                                       <p:cBhvr>
                                         <p:cTn id="28" dur="500"/>
                                         <p:tgtEl>
-                                          <p:spTgt spid="480"/>
+                                          <p:spTgt spid="473"/>
                                         </p:tgtEl>
                                       </p:cBhvr>
                                     </p:animEffect>
@@ -19997,7 +19779,7 @@
                                       <p:cBhvr>
                                         <p:cTn id="31" fill="hold"/>
                                         <p:tgtEl>
-                                          <p:spTgt spid="485"/>
+                                          <p:spTgt spid="478"/>
                                         </p:tgtEl>
                                         <p:attrNameLst>
                                           <p:attrName>style.visibility</p:attrName>
@@ -20011,7 +19793,7 @@
                                       <p:cBhvr>
                                         <p:cTn id="32" dur="500"/>
                                         <p:tgtEl>
-                                          <p:spTgt spid="485"/>
+                                          <p:spTgt spid="478"/>
                                         </p:tgtEl>
                                       </p:cBhvr>
                                     </p:animEffect>
@@ -20040,7 +19822,7 @@
                                       <p:cBhvr>
                                         <p:cTn id="35" fill="hold"/>
                                         <p:tgtEl>
-                                          <p:spTgt spid="483"/>
+                                          <p:spTgt spid="476"/>
                                         </p:tgtEl>
                                         <p:attrNameLst>
                                           <p:attrName>style.visibility</p:attrName>
@@ -20054,7 +19836,7 @@
                                       <p:cBhvr>
                                         <p:cTn id="36" dur="500"/>
                                         <p:tgtEl>
-                                          <p:spTgt spid="483"/>
+                                          <p:spTgt spid="476"/>
                                         </p:tgtEl>
                                       </p:cBhvr>
                                     </p:animEffect>
@@ -20089,19 +19871,19 @@
       </p:par>
     </p:tnLst>
     <p:bldLst>
-      <p:bldP build="whole" bldLvl="1" animBg="1" rev="0" advAuto="0" spid="485" grpId="6"/>
-      <p:bldP build="whole" bldLvl="1" animBg="1" rev="0" advAuto="0" spid="474" grpId="3"/>
-      <p:bldP build="whole" bldLvl="1" animBg="1" rev="0" advAuto="0" spid="484" grpId="4"/>
-      <p:bldP build="whole" bldLvl="1" animBg="1" rev="0" advAuto="0" spid="477" grpId="2"/>
-      <p:bldP build="whole" bldLvl="1" animBg="1" rev="0" advAuto="0" spid="483" grpId="7"/>
-      <p:bldP build="whole" bldLvl="1" animBg="1" rev="0" advAuto="0" spid="480" grpId="5"/>
-      <p:bldP build="p" bldLvl="5" animBg="1" rev="0" advAuto="0" spid="470" grpId="1"/>
+      <p:bldP build="p" bldLvl="5" animBg="1" rev="0" advAuto="0" spid="463" grpId="1"/>
+      <p:bldP build="whole" bldLvl="1" animBg="1" rev="0" advAuto="0" spid="470" grpId="2"/>
+      <p:bldP build="whole" bldLvl="1" animBg="1" rev="0" advAuto="0" spid="467" grpId="3"/>
+      <p:bldP build="whole" bldLvl="1" animBg="1" rev="0" advAuto="0" spid="473" grpId="5"/>
+      <p:bldP build="whole" bldLvl="1" animBg="1" rev="0" advAuto="0" spid="477" grpId="4"/>
+      <p:bldP build="whole" bldLvl="1" animBg="1" rev="0" advAuto="0" spid="476" grpId="7"/>
+      <p:bldP build="whole" bldLvl="1" animBg="1" rev="0" advAuto="0" spid="478" grpId="6"/>
     </p:bldLst>
   </p:timing>
 </p:sld>
 </file>
 
-<file path=ppt/slides/slide53.xml><?xml version="1.0" encoding="utf-8"?>
+<file path=ppt/slides/slide52.xml><?xml version="1.0" encoding="utf-8"?>
 <p:sld xmlns:a="http://schemas.openxmlformats.org/drawingml/2006/main" xmlns:r="http://schemas.openxmlformats.org/officeDocument/2006/relationships" xmlns:p="http://schemas.openxmlformats.org/presentationml/2006/main" showMasterSp="1" showMasterPhAnim="1">
   <p:cSld>
     <p:spTree>
@@ -20120,7 +19902,7 @@
       </p:grpSpPr>
       <p:sp>
         <p:nvSpPr>
-          <p:cNvPr id="487" name="Rectangle: Rounded Corners 4"/>
+          <p:cNvPr id="480" name="Rectangle: Rounded Corners 4"/>
           <p:cNvSpPr/>
           <p:nvPr/>
         </p:nvSpPr>
@@ -20166,7 +19948,7 @@
       </p:sp>
       <p:sp>
         <p:nvSpPr>
-          <p:cNvPr id="488" name="Rectangle: Rounded Corners 5"/>
+          <p:cNvPr id="481" name="Rectangle: Rounded Corners 5"/>
           <p:cNvSpPr/>
           <p:nvPr/>
         </p:nvSpPr>
@@ -20212,7 +19994,7 @@
       </p:sp>
       <p:sp>
         <p:nvSpPr>
-          <p:cNvPr id="489" name="Content Placeholder 2"/>
+          <p:cNvPr id="482" name="Content Placeholder 2"/>
           <p:cNvSpPr txBox="1"/>
           <p:nvPr>
             <p:ph type="body" idx="1"/>
@@ -20246,7 +20028,7 @@
       </p:sp>
       <p:sp>
         <p:nvSpPr>
-          <p:cNvPr id="490" name="Title 1"/>
+          <p:cNvPr id="483" name="Title 1"/>
           <p:cNvSpPr txBox="1"/>
           <p:nvPr>
             <p:ph type="title"/>
@@ -20274,7 +20056,7 @@
       </p:sp>
       <p:sp>
         <p:nvSpPr>
-          <p:cNvPr id="491" name="Slide Number Placeholder 3"/>
+          <p:cNvPr id="484" name="Slide Number Placeholder 3"/>
           <p:cNvSpPr txBox="1"/>
           <p:nvPr>
             <p:ph type="sldNum" sz="quarter" idx="2"/>
@@ -20342,7 +20124,7 @@
                                       <p:cBhvr>
                                         <p:cTn id="6" fill="hold"/>
                                         <p:tgtEl>
-                                          <p:spTgt spid="489">
+                                          <p:spTgt spid="482">
                                             <p:bg/>
                                           </p:spTgt>
                                         </p:tgtEl>
@@ -20358,7 +20140,7 @@
                                       <p:cBhvr>
                                         <p:cTn id="7" dur="500"/>
                                         <p:tgtEl>
-                                          <p:spTgt spid="489">
+                                          <p:spTgt spid="482">
                                             <p:bg/>
                                           </p:spTgt>
                                         </p:tgtEl>
@@ -20380,7 +20162,7 @@
                                       <p:cBhvr>
                                         <p:cTn id="9" fill="hold"/>
                                         <p:tgtEl>
-                                          <p:spTgt spid="489">
+                                          <p:spTgt spid="482">
                                             <p:txEl>
                                               <p:pRg st="0" end="0"/>
                                             </p:txEl>
@@ -20398,7 +20180,7 @@
                                       <p:cBhvr>
                                         <p:cTn id="10" dur="500"/>
                                         <p:tgtEl>
-                                          <p:spTgt spid="489">
+                                          <p:spTgt spid="482">
                                             <p:txEl>
                                               <p:pRg st="0" end="0"/>
                                             </p:txEl>
@@ -20431,7 +20213,7 @@
                                       <p:cBhvr>
                                         <p:cTn id="13" fill="hold"/>
                                         <p:tgtEl>
-                                          <p:spTgt spid="487"/>
+                                          <p:spTgt spid="480"/>
                                         </p:tgtEl>
                                         <p:attrNameLst>
                                           <p:attrName>style.visibility</p:attrName>
@@ -20445,7 +20227,7 @@
                                       <p:cBhvr>
                                         <p:cTn id="14" dur="500"/>
                                         <p:tgtEl>
-                                          <p:spTgt spid="487"/>
+                                          <p:spTgt spid="480"/>
                                         </p:tgtEl>
                                       </p:cBhvr>
                                     </p:animEffect>
@@ -20474,7 +20256,7 @@
                                       <p:cBhvr>
                                         <p:cTn id="17" fill="hold"/>
                                         <p:tgtEl>
-                                          <p:spTgt spid="488"/>
+                                          <p:spTgt spid="481"/>
                                         </p:tgtEl>
                                         <p:attrNameLst>
                                           <p:attrName>style.visibility</p:attrName>
@@ -20488,7 +20270,7 @@
                                       <p:cBhvr>
                                         <p:cTn id="18" dur="500"/>
                                         <p:tgtEl>
-                                          <p:spTgt spid="488"/>
+                                          <p:spTgt spid="481"/>
                                         </p:tgtEl>
                                       </p:cBhvr>
                                     </p:animEffect>
@@ -20523,15 +20305,15 @@
       </p:par>
     </p:tnLst>
     <p:bldLst>
-      <p:bldP build="whole" bldLvl="1" animBg="1" rev="0" advAuto="0" spid="488" grpId="3"/>
-      <p:bldP build="whole" bldLvl="1" animBg="1" rev="0" advAuto="0" spid="487" grpId="2"/>
-      <p:bldP build="p" bldLvl="5" animBg="1" rev="0" advAuto="0" spid="489" grpId="1"/>
+      <p:bldP build="whole" bldLvl="1" animBg="1" rev="0" advAuto="0" spid="481" grpId="3"/>
+      <p:bldP build="p" bldLvl="5" animBg="1" rev="0" advAuto="0" spid="482" grpId="1"/>
+      <p:bldP build="whole" bldLvl="1" animBg="1" rev="0" advAuto="0" spid="480" grpId="2"/>
     </p:bldLst>
   </p:timing>
 </p:sld>
 </file>
 
-<file path=ppt/slides/slide54.xml><?xml version="1.0" encoding="utf-8"?>
+<file path=ppt/slides/slide53.xml><?xml version="1.0" encoding="utf-8"?>
 <p:sld xmlns:a="http://schemas.openxmlformats.org/drawingml/2006/main" xmlns:r="http://schemas.openxmlformats.org/officeDocument/2006/relationships" xmlns:p="http://schemas.openxmlformats.org/presentationml/2006/main" showMasterSp="1" showMasterPhAnim="1">
   <p:cSld>
     <p:spTree>
@@ -20550,7 +20332,7 @@
       </p:grpSpPr>
       <p:sp>
         <p:nvSpPr>
-          <p:cNvPr id="493" name="Title 1"/>
+          <p:cNvPr id="486" name="Title 1"/>
           <p:cNvSpPr txBox="1"/>
           <p:nvPr>
             <p:ph type="title"/>
@@ -20578,7 +20360,7 @@
       </p:sp>
       <p:sp>
         <p:nvSpPr>
-          <p:cNvPr id="494" name="Content Placeholder 2"/>
+          <p:cNvPr id="487" name="Content Placeholder 2"/>
           <p:cNvSpPr txBox="1"/>
           <p:nvPr>
             <p:ph type="body" idx="1"/>
@@ -20612,7 +20394,7 @@
       </p:sp>
       <p:sp>
         <p:nvSpPr>
-          <p:cNvPr id="495" name="Slide Number Placeholder 3"/>
+          <p:cNvPr id="488" name="Slide Number Placeholder 3"/>
           <p:cNvSpPr txBox="1"/>
           <p:nvPr>
             <p:ph type="sldNum" sz="quarter" idx="2"/>
@@ -20680,7 +20462,7 @@
                                       <p:cBhvr>
                                         <p:cTn id="6" fill="hold"/>
                                         <p:tgtEl>
-                                          <p:spTgt spid="494">
+                                          <p:spTgt spid="487">
                                             <p:bg/>
                                           </p:spTgt>
                                         </p:tgtEl>
@@ -20696,7 +20478,7 @@
                                       <p:cBhvr>
                                         <p:cTn id="7" dur="500"/>
                                         <p:tgtEl>
-                                          <p:spTgt spid="494">
+                                          <p:spTgt spid="487">
                                             <p:bg/>
                                           </p:spTgt>
                                         </p:tgtEl>
@@ -20718,7 +20500,7 @@
                                       <p:cBhvr>
                                         <p:cTn id="9" fill="hold"/>
                                         <p:tgtEl>
-                                          <p:spTgt spid="494">
+                                          <p:spTgt spid="487">
                                             <p:txEl>
                                               <p:pRg st="0" end="0"/>
                                             </p:txEl>
@@ -20736,7 +20518,7 @@
                                       <p:cBhvr>
                                         <p:cTn id="10" dur="500"/>
                                         <p:tgtEl>
-                                          <p:spTgt spid="494">
+                                          <p:spTgt spid="487">
                                             <p:txEl>
                                               <p:pRg st="0" end="0"/>
                                             </p:txEl>
@@ -20775,13 +20557,13 @@
       </p:par>
     </p:tnLst>
     <p:bldLst>
-      <p:bldP build="p" bldLvl="5" animBg="1" rev="0" advAuto="0" spid="494" grpId="1"/>
+      <p:bldP build="p" bldLvl="5" animBg="1" rev="0" advAuto="0" spid="487" grpId="1"/>
     </p:bldLst>
   </p:timing>
 </p:sld>
 </file>
 
-<file path=ppt/slides/slide55.xml><?xml version="1.0" encoding="utf-8"?>
+<file path=ppt/slides/slide54.xml><?xml version="1.0" encoding="utf-8"?>
 <p:sld xmlns:a="http://schemas.openxmlformats.org/drawingml/2006/main" xmlns:r="http://schemas.openxmlformats.org/officeDocument/2006/relationships" xmlns:p="http://schemas.openxmlformats.org/presentationml/2006/main" showMasterSp="1" showMasterPhAnim="1">
   <p:cSld>
     <p:spTree>
@@ -20800,7 +20582,7 @@
       </p:grpSpPr>
       <p:sp>
         <p:nvSpPr>
-          <p:cNvPr id="497" name="Title 1"/>
+          <p:cNvPr id="490" name="Title 1"/>
           <p:cNvSpPr txBox="1"/>
           <p:nvPr>
             <p:ph type="title"/>
@@ -20828,7 +20610,7 @@
       </p:sp>
       <p:sp>
         <p:nvSpPr>
-          <p:cNvPr id="498" name="Content Placeholder 2"/>
+          <p:cNvPr id="491" name="Content Placeholder 2"/>
           <p:cNvSpPr txBox="1"/>
           <p:nvPr>
             <p:ph type="body" idx="1"/>
@@ -20862,7 +20644,7 @@
       </p:sp>
       <p:sp>
         <p:nvSpPr>
-          <p:cNvPr id="499" name="Slide Number Placeholder 3"/>
+          <p:cNvPr id="492" name="Slide Number Placeholder 3"/>
           <p:cNvSpPr txBox="1"/>
           <p:nvPr>
             <p:ph type="sldNum" sz="quarter" idx="2"/>
@@ -20893,7 +20675,7 @@
       </p:sp>
       <p:sp>
         <p:nvSpPr>
-          <p:cNvPr id="500" name="TextBox 4"/>
+          <p:cNvPr id="493" name="TextBox 4"/>
           <p:cNvSpPr txBox="1"/>
           <p:nvPr/>
         </p:nvSpPr>
@@ -20981,7 +20763,7 @@
                                       <p:cBhvr>
                                         <p:cTn id="6" fill="hold"/>
                                         <p:tgtEl>
-                                          <p:spTgt spid="498">
+                                          <p:spTgt spid="491">
                                             <p:bg/>
                                           </p:spTgt>
                                         </p:tgtEl>
@@ -20997,7 +20779,7 @@
                                       <p:cBhvr>
                                         <p:cTn id="7" dur="500"/>
                                         <p:tgtEl>
-                                          <p:spTgt spid="498">
+                                          <p:spTgt spid="491">
                                             <p:bg/>
                                           </p:spTgt>
                                         </p:tgtEl>
@@ -21019,7 +20801,7 @@
                                       <p:cBhvr>
                                         <p:cTn id="9" fill="hold"/>
                                         <p:tgtEl>
-                                          <p:spTgt spid="498">
+                                          <p:spTgt spid="491">
                                             <p:txEl>
                                               <p:pRg st="0" end="0"/>
                                             </p:txEl>
@@ -21037,7 +20819,7 @@
                                       <p:cBhvr>
                                         <p:cTn id="10" dur="500"/>
                                         <p:tgtEl>
-                                          <p:spTgt spid="498">
+                                          <p:spTgt spid="491">
                                             <p:txEl>
                                               <p:pRg st="0" end="0"/>
                                             </p:txEl>
@@ -21079,7 +20861,7 @@
                                       <p:cBhvr>
                                         <p:cTn id="14" fill="hold"/>
                                         <p:tgtEl>
-                                          <p:spTgt spid="500"/>
+                                          <p:spTgt spid="493"/>
                                         </p:tgtEl>
                                         <p:attrNameLst>
                                           <p:attrName>style.visibility</p:attrName>
@@ -21120,14 +20902,14 @@
       </p:par>
     </p:tnLst>
     <p:bldLst>
-      <p:bldP build="p" bldLvl="5" animBg="1" rev="0" advAuto="0" spid="498" grpId="1"/>
-      <p:bldP build="whole" bldLvl="1" animBg="1" rev="0" advAuto="0" spid="500" grpId="2"/>
+      <p:bldP build="p" bldLvl="5" animBg="1" rev="0" advAuto="0" spid="491" grpId="1"/>
+      <p:bldP build="whole" bldLvl="1" animBg="1" rev="0" advAuto="0" spid="493" grpId="2"/>
     </p:bldLst>
   </p:timing>
 </p:sld>
 </file>
 
-<file path=ppt/slides/slide56.xml><?xml version="1.0" encoding="utf-8"?>
+<file path=ppt/slides/slide55.xml><?xml version="1.0" encoding="utf-8"?>
 <p:sld xmlns:a="http://schemas.openxmlformats.org/drawingml/2006/main" xmlns:r="http://schemas.openxmlformats.org/officeDocument/2006/relationships" xmlns:p="http://schemas.openxmlformats.org/presentationml/2006/main" showMasterSp="1" showMasterPhAnim="1">
   <p:cSld>
     <p:spTree>
@@ -21146,7 +20928,7 @@
       </p:grpSpPr>
       <p:sp>
         <p:nvSpPr>
-          <p:cNvPr id="502" name="Title 1"/>
+          <p:cNvPr id="495" name="Title 1"/>
           <p:cNvSpPr txBox="1"/>
           <p:nvPr>
             <p:ph type="title"/>
@@ -21182,7 +20964,7 @@
       </p:sp>
       <p:sp>
         <p:nvSpPr>
-          <p:cNvPr id="503" name="Content Placeholder 2"/>
+          <p:cNvPr id="496" name="Content Placeholder 2"/>
           <p:cNvSpPr txBox="1"/>
           <p:nvPr>
             <p:ph type="body" sz="quarter" idx="1"/>
@@ -21218,7 +21000,7 @@
       </p:sp>
       <p:sp>
         <p:nvSpPr>
-          <p:cNvPr id="504" name="Slide Number Placeholder 3"/>
+          <p:cNvPr id="497" name="Slide Number Placeholder 3"/>
           <p:cNvSpPr txBox="1"/>
           <p:nvPr>
             <p:ph type="sldNum" sz="quarter" idx="2"/>
@@ -21257,7 +21039,7 @@
       </p:sp>
       <p:sp>
         <p:nvSpPr>
-          <p:cNvPr id="505" name="Content Placeholder 2"/>
+          <p:cNvPr id="498" name="Content Placeholder 2"/>
           <p:cNvSpPr txBox="1"/>
           <p:nvPr/>
         </p:nvSpPr>
@@ -21313,7 +21095,7 @@
       </p:sp>
       <p:grpSp>
         <p:nvGrpSpPr>
-          <p:cNvPr id="508" name="TextBox 5"/>
+          <p:cNvPr id="501" name="TextBox 5"/>
           <p:cNvGrpSpPr/>
           <p:nvPr/>
         </p:nvGrpSpPr>
@@ -21327,7 +21109,7 @@
         </p:grpSpPr>
         <p:sp>
           <p:nvSpPr>
-            <p:cNvPr id="506" name="Rectangle"/>
+            <p:cNvPr id="499" name="Rectangle"/>
             <p:cNvSpPr/>
             <p:nvPr/>
           </p:nvSpPr>
@@ -21364,7 +21146,7 @@
         </p:sp>
         <p:sp>
           <p:nvSpPr>
-            <p:cNvPr id="507" name="Text"/>
+            <p:cNvPr id="500" name="Text"/>
             <p:cNvSpPr txBox="1"/>
             <p:nvPr/>
           </p:nvSpPr>
@@ -21404,7 +21186,7 @@
       </p:grpSp>
       <p:grpSp>
         <p:nvGrpSpPr>
-          <p:cNvPr id="511" name="TextBox 6"/>
+          <p:cNvPr id="504" name="TextBox 6"/>
           <p:cNvGrpSpPr/>
           <p:nvPr/>
         </p:nvGrpSpPr>
@@ -21418,7 +21200,7 @@
         </p:grpSpPr>
         <p:sp>
           <p:nvSpPr>
-            <p:cNvPr id="509" name="Rectangle"/>
+            <p:cNvPr id="502" name="Rectangle"/>
             <p:cNvSpPr/>
             <p:nvPr/>
           </p:nvSpPr>
@@ -21455,7 +21237,7 @@
         </p:sp>
         <p:sp>
           <p:nvSpPr>
-            <p:cNvPr id="510" name="Text"/>
+            <p:cNvPr id="503" name="Text"/>
             <p:cNvSpPr txBox="1"/>
             <p:nvPr/>
           </p:nvSpPr>
@@ -21495,7 +21277,7 @@
       </p:grpSp>
       <p:grpSp>
         <p:nvGrpSpPr>
-          <p:cNvPr id="514" name="TextBox 7"/>
+          <p:cNvPr id="507" name="TextBox 7"/>
           <p:cNvGrpSpPr/>
           <p:nvPr/>
         </p:nvGrpSpPr>
@@ -21509,7 +21291,7 @@
         </p:grpSpPr>
         <p:sp>
           <p:nvSpPr>
-            <p:cNvPr id="512" name="Rectangle"/>
+            <p:cNvPr id="505" name="Rectangle"/>
             <p:cNvSpPr/>
             <p:nvPr/>
           </p:nvSpPr>
@@ -21546,7 +21328,7 @@
         </p:sp>
         <p:sp>
           <p:nvSpPr>
-            <p:cNvPr id="513" name="Text"/>
+            <p:cNvPr id="506" name="Text"/>
             <p:cNvSpPr txBox="1"/>
             <p:nvPr/>
           </p:nvSpPr>
@@ -21586,7 +21368,7 @@
       </p:grpSp>
       <p:grpSp>
         <p:nvGrpSpPr>
-          <p:cNvPr id="517" name="TextBox 8"/>
+          <p:cNvPr id="510" name="TextBox 8"/>
           <p:cNvGrpSpPr/>
           <p:nvPr/>
         </p:nvGrpSpPr>
@@ -21600,7 +21382,7 @@
         </p:grpSpPr>
         <p:sp>
           <p:nvSpPr>
-            <p:cNvPr id="515" name="Rectangle"/>
+            <p:cNvPr id="508" name="Rectangle"/>
             <p:cNvSpPr/>
             <p:nvPr/>
           </p:nvSpPr>
@@ -21637,7 +21419,7 @@
         </p:sp>
         <p:sp>
           <p:nvSpPr>
-            <p:cNvPr id="516" name="Text"/>
+            <p:cNvPr id="509" name="Text"/>
             <p:cNvSpPr txBox="1"/>
             <p:nvPr/>
           </p:nvSpPr>
@@ -21677,7 +21459,7 @@
       </p:grpSp>
       <p:grpSp>
         <p:nvGrpSpPr>
-          <p:cNvPr id="520" name="TextBox 9"/>
+          <p:cNvPr id="513" name="TextBox 9"/>
           <p:cNvGrpSpPr/>
           <p:nvPr/>
         </p:nvGrpSpPr>
@@ -21691,7 +21473,7 @@
         </p:grpSpPr>
         <p:sp>
           <p:nvSpPr>
-            <p:cNvPr id="518" name="Rectangle"/>
+            <p:cNvPr id="511" name="Rectangle"/>
             <p:cNvSpPr/>
             <p:nvPr/>
           </p:nvSpPr>
@@ -21728,7 +21510,7 @@
         </p:sp>
         <p:sp>
           <p:nvSpPr>
-            <p:cNvPr id="519" name="Text"/>
+            <p:cNvPr id="512" name="Text"/>
             <p:cNvSpPr txBox="1"/>
             <p:nvPr/>
           </p:nvSpPr>
@@ -21768,7 +21550,7 @@
       </p:grpSp>
       <p:grpSp>
         <p:nvGrpSpPr>
-          <p:cNvPr id="523" name="TextBox 10"/>
+          <p:cNvPr id="516" name="TextBox 10"/>
           <p:cNvGrpSpPr/>
           <p:nvPr/>
         </p:nvGrpSpPr>
@@ -21782,7 +21564,7 @@
         </p:grpSpPr>
         <p:sp>
           <p:nvSpPr>
-            <p:cNvPr id="521" name="Rectangle"/>
+            <p:cNvPr id="514" name="Rectangle"/>
             <p:cNvSpPr/>
             <p:nvPr/>
           </p:nvSpPr>
@@ -21819,7 +21601,7 @@
         </p:sp>
         <p:sp>
           <p:nvSpPr>
-            <p:cNvPr id="522" name="Text"/>
+            <p:cNvPr id="515" name="Text"/>
             <p:cNvSpPr txBox="1"/>
             <p:nvPr/>
           </p:nvSpPr>
@@ -21859,7 +21641,7 @@
       </p:grpSp>
       <p:grpSp>
         <p:nvGrpSpPr>
-          <p:cNvPr id="526" name="TextBox 11"/>
+          <p:cNvPr id="519" name="TextBox 11"/>
           <p:cNvGrpSpPr/>
           <p:nvPr/>
         </p:nvGrpSpPr>
@@ -21873,7 +21655,7 @@
         </p:grpSpPr>
         <p:sp>
           <p:nvSpPr>
-            <p:cNvPr id="524" name="Rectangle"/>
+            <p:cNvPr id="517" name="Rectangle"/>
             <p:cNvSpPr/>
             <p:nvPr/>
           </p:nvSpPr>
@@ -21910,7 +21692,7 @@
         </p:sp>
         <p:sp>
           <p:nvSpPr>
-            <p:cNvPr id="525" name="Text"/>
+            <p:cNvPr id="518" name="Text"/>
             <p:cNvSpPr txBox="1"/>
             <p:nvPr/>
           </p:nvSpPr>
@@ -21950,7 +21732,7 @@
       </p:grpSp>
       <p:grpSp>
         <p:nvGrpSpPr>
-          <p:cNvPr id="529" name="TextBox 12"/>
+          <p:cNvPr id="522" name="TextBox 12"/>
           <p:cNvGrpSpPr/>
           <p:nvPr/>
         </p:nvGrpSpPr>
@@ -21964,7 +21746,7 @@
         </p:grpSpPr>
         <p:sp>
           <p:nvSpPr>
-            <p:cNvPr id="527" name="Rectangle"/>
+            <p:cNvPr id="520" name="Rectangle"/>
             <p:cNvSpPr/>
             <p:nvPr/>
           </p:nvSpPr>
@@ -22001,7 +21783,7 @@
         </p:sp>
         <p:sp>
           <p:nvSpPr>
-            <p:cNvPr id="528" name="Text"/>
+            <p:cNvPr id="521" name="Text"/>
             <p:cNvSpPr txBox="1"/>
             <p:nvPr/>
           </p:nvSpPr>
@@ -22078,7 +21860,7 @@
                                       <p:cBhvr>
                                         <p:cTn id="6" fill="hold"/>
                                         <p:tgtEl>
-                                          <p:spTgt spid="503">
+                                          <p:spTgt spid="496">
                                             <p:bg/>
                                           </p:spTgt>
                                         </p:tgtEl>
@@ -22094,7 +21876,7 @@
                                       <p:cBhvr>
                                         <p:cTn id="7" dur="500"/>
                                         <p:tgtEl>
-                                          <p:spTgt spid="503">
+                                          <p:spTgt spid="496">
                                             <p:bg/>
                                           </p:spTgt>
                                         </p:tgtEl>
@@ -22116,7 +21898,7 @@
                                       <p:cBhvr>
                                         <p:cTn id="9" fill="hold"/>
                                         <p:tgtEl>
-                                          <p:spTgt spid="503">
+                                          <p:spTgt spid="496">
                                             <p:txEl>
                                               <p:pRg st="0" end="0"/>
                                             </p:txEl>
@@ -22134,7 +21916,7 @@
                                       <p:cBhvr>
                                         <p:cTn id="10" dur="500"/>
                                         <p:tgtEl>
-                                          <p:spTgt spid="503">
+                                          <p:spTgt spid="496">
                                             <p:txEl>
                                               <p:pRg st="0" end="0"/>
                                             </p:txEl>
@@ -22176,7 +21958,7 @@
                                       <p:cBhvr>
                                         <p:cTn id="14" fill="hold"/>
                                         <p:tgtEl>
-                                          <p:spTgt spid="508"/>
+                                          <p:spTgt spid="501"/>
                                         </p:tgtEl>
                                         <p:attrNameLst>
                                           <p:attrName>style.visibility</p:attrName>
@@ -22190,7 +21972,7 @@
                                       <p:cBhvr>
                                         <p:cTn id="15" dur="500"/>
                                         <p:tgtEl>
-                                          <p:spTgt spid="508"/>
+                                          <p:spTgt spid="501"/>
                                         </p:tgtEl>
                                       </p:cBhvr>
                                     </p:animEffect>
@@ -22228,7 +22010,7 @@
                                       <p:cBhvr>
                                         <p:cTn id="19" fill="hold"/>
                                         <p:tgtEl>
-                                          <p:spTgt spid="511"/>
+                                          <p:spTgt spid="504"/>
                                         </p:tgtEl>
                                         <p:attrNameLst>
                                           <p:attrName>style.visibility</p:attrName>
@@ -22242,7 +22024,7 @@
                                       <p:cBhvr>
                                         <p:cTn id="20" dur="500"/>
                                         <p:tgtEl>
-                                          <p:spTgt spid="511"/>
+                                          <p:spTgt spid="504"/>
                                         </p:tgtEl>
                                       </p:cBhvr>
                                     </p:animEffect>
@@ -22280,7 +22062,7 @@
                                       <p:cBhvr>
                                         <p:cTn id="24" fill="hold"/>
                                         <p:tgtEl>
-                                          <p:spTgt spid="514"/>
+                                          <p:spTgt spid="507"/>
                                         </p:tgtEl>
                                         <p:attrNameLst>
                                           <p:attrName>style.visibility</p:attrName>
@@ -22294,7 +22076,7 @@
                                       <p:cBhvr>
                                         <p:cTn id="25" dur="500"/>
                                         <p:tgtEl>
-                                          <p:spTgt spid="514"/>
+                                          <p:spTgt spid="507"/>
                                         </p:tgtEl>
                                       </p:cBhvr>
                                     </p:animEffect>
@@ -22332,7 +22114,7 @@
                                       <p:cBhvr>
                                         <p:cTn id="29" fill="hold"/>
                                         <p:tgtEl>
-                                          <p:spTgt spid="517"/>
+                                          <p:spTgt spid="510"/>
                                         </p:tgtEl>
                                         <p:attrNameLst>
                                           <p:attrName>style.visibility</p:attrName>
@@ -22346,7 +22128,7 @@
                                       <p:cBhvr>
                                         <p:cTn id="30" dur="500"/>
                                         <p:tgtEl>
-                                          <p:spTgt spid="517"/>
+                                          <p:spTgt spid="510"/>
                                         </p:tgtEl>
                                       </p:cBhvr>
                                     </p:animEffect>
@@ -22384,7 +22166,7 @@
                                       <p:cBhvr>
                                         <p:cTn id="34" fill="hold"/>
                                         <p:tgtEl>
-                                          <p:spTgt spid="505"/>
+                                          <p:spTgt spid="498"/>
                                         </p:tgtEl>
                                         <p:attrNameLst>
                                           <p:attrName>style.visibility</p:attrName>
@@ -22398,7 +22180,7 @@
                                       <p:cBhvr>
                                         <p:cTn id="35" dur="500"/>
                                         <p:tgtEl>
-                                          <p:spTgt spid="505"/>
+                                          <p:spTgt spid="498"/>
                                         </p:tgtEl>
                                       </p:cBhvr>
                                     </p:animEffect>
@@ -22436,7 +22218,7 @@
                                       <p:cBhvr>
                                         <p:cTn id="39" fill="hold"/>
                                         <p:tgtEl>
-                                          <p:spTgt spid="520"/>
+                                          <p:spTgt spid="513"/>
                                         </p:tgtEl>
                                         <p:attrNameLst>
                                           <p:attrName>style.visibility</p:attrName>
@@ -22450,7 +22232,7 @@
                                       <p:cBhvr>
                                         <p:cTn id="40" dur="500"/>
                                         <p:tgtEl>
-                                          <p:spTgt spid="520"/>
+                                          <p:spTgt spid="513"/>
                                         </p:tgtEl>
                                       </p:cBhvr>
                                     </p:animEffect>
@@ -22488,7 +22270,7 @@
                                       <p:cBhvr>
                                         <p:cTn id="44" fill="hold"/>
                                         <p:tgtEl>
-                                          <p:spTgt spid="523"/>
+                                          <p:spTgt spid="516"/>
                                         </p:tgtEl>
                                         <p:attrNameLst>
                                           <p:attrName>style.visibility</p:attrName>
@@ -22502,7 +22284,7 @@
                                       <p:cBhvr>
                                         <p:cTn id="45" dur="500"/>
                                         <p:tgtEl>
-                                          <p:spTgt spid="523"/>
+                                          <p:spTgt spid="516"/>
                                         </p:tgtEl>
                                       </p:cBhvr>
                                     </p:animEffect>
@@ -22540,7 +22322,7 @@
                                       <p:cBhvr>
                                         <p:cTn id="49" fill="hold"/>
                                         <p:tgtEl>
-                                          <p:spTgt spid="526"/>
+                                          <p:spTgt spid="519"/>
                                         </p:tgtEl>
                                         <p:attrNameLst>
                                           <p:attrName>style.visibility</p:attrName>
@@ -22554,7 +22336,7 @@
                                       <p:cBhvr>
                                         <p:cTn id="50" dur="500"/>
                                         <p:tgtEl>
-                                          <p:spTgt spid="526"/>
+                                          <p:spTgt spid="519"/>
                                         </p:tgtEl>
                                       </p:cBhvr>
                                     </p:animEffect>
@@ -22592,7 +22374,7 @@
                                       <p:cBhvr>
                                         <p:cTn id="54" fill="hold"/>
                                         <p:tgtEl>
-                                          <p:spTgt spid="529"/>
+                                          <p:spTgt spid="522"/>
                                         </p:tgtEl>
                                         <p:attrNameLst>
                                           <p:attrName>style.visibility</p:attrName>
@@ -22606,7 +22388,7 @@
                                       <p:cBhvr>
                                         <p:cTn id="55" dur="500"/>
                                         <p:tgtEl>
-                                          <p:spTgt spid="529"/>
+                                          <p:spTgt spid="522"/>
                                         </p:tgtEl>
                                       </p:cBhvr>
                                     </p:animEffect>
@@ -22641,22 +22423,22 @@
       </p:par>
     </p:tnLst>
     <p:bldLst>
-      <p:bldP build="whole" bldLvl="1" animBg="1" rev="0" advAuto="0" spid="526" grpId="9"/>
-      <p:bldP build="p" bldLvl="1" animBg="1" rev="0" advAuto="0" spid="503" grpId="1"/>
-      <p:bldP build="whole" bldLvl="1" animBg="1" rev="0" advAuto="0" spid="511" grpId="3"/>
-      <p:bldP build="whole" bldLvl="1" animBg="1" rev="0" advAuto="0" spid="514" grpId="4"/>
-      <p:bldP build="whole" bldLvl="1" animBg="1" rev="0" advAuto="0" spid="517" grpId="5"/>
-      <p:bldP build="whole" bldLvl="1" animBg="1" rev="0" advAuto="0" spid="520" grpId="7"/>
-      <p:bldP build="whole" bldLvl="1" animBg="1" rev="0" advAuto="0" spid="508" grpId="2"/>
-      <p:bldP build="whole" bldLvl="1" animBg="1" rev="0" advAuto="0" spid="523" grpId="8"/>
-      <p:bldP build="whole" bldLvl="1" animBg="1" rev="0" advAuto="0" spid="529" grpId="10"/>
-      <p:bldP build="whole" bldLvl="1" animBg="1" rev="0" advAuto="0" spid="505" grpId="6"/>
+      <p:bldP build="p" bldLvl="1" animBg="1" rev="0" advAuto="0" spid="496" grpId="1"/>
+      <p:bldP build="whole" bldLvl="1" animBg="1" rev="0" advAuto="0" spid="516" grpId="8"/>
+      <p:bldP build="whole" bldLvl="1" animBg="1" rev="0" advAuto="0" spid="510" grpId="5"/>
+      <p:bldP build="whole" bldLvl="1" animBg="1" rev="0" advAuto="0" spid="519" grpId="9"/>
+      <p:bldP build="whole" bldLvl="1" animBg="1" rev="0" advAuto="0" spid="501" grpId="2"/>
+      <p:bldP build="whole" bldLvl="1" animBg="1" rev="0" advAuto="0" spid="498" grpId="6"/>
+      <p:bldP build="whole" bldLvl="1" animBg="1" rev="0" advAuto="0" spid="513" grpId="7"/>
+      <p:bldP build="whole" bldLvl="1" animBg="1" rev="0" advAuto="0" spid="504" grpId="3"/>
+      <p:bldP build="whole" bldLvl="1" animBg="1" rev="0" advAuto="0" spid="522" grpId="10"/>
+      <p:bldP build="whole" bldLvl="1" animBg="1" rev="0" advAuto="0" spid="507" grpId="4"/>
     </p:bldLst>
   </p:timing>
 </p:sld>
 </file>
 
-<file path=ppt/slides/slide57.xml><?xml version="1.0" encoding="utf-8"?>
+<file path=ppt/slides/slide56.xml><?xml version="1.0" encoding="utf-8"?>
 <p:sld xmlns:a="http://schemas.openxmlformats.org/drawingml/2006/main" xmlns:r="http://schemas.openxmlformats.org/officeDocument/2006/relationships" xmlns:p="http://schemas.openxmlformats.org/presentationml/2006/main" showMasterSp="1" showMasterPhAnim="1">
   <p:cSld>
     <p:spTree>
@@ -22675,7 +22457,7 @@
       </p:grpSpPr>
       <p:sp>
         <p:nvSpPr>
-          <p:cNvPr id="531" name="Content Placeholder 2"/>
+          <p:cNvPr id="524" name="Content Placeholder 2"/>
           <p:cNvSpPr txBox="1"/>
           <p:nvPr>
             <p:ph type="body" idx="1"/>
@@ -22709,7 +22491,7 @@
       </p:sp>
       <p:sp>
         <p:nvSpPr>
-          <p:cNvPr id="532" name="Title 1"/>
+          <p:cNvPr id="525" name="Title 1"/>
           <p:cNvSpPr txBox="1"/>
           <p:nvPr>
             <p:ph type="title"/>
@@ -22737,7 +22519,7 @@
       </p:sp>
       <p:sp>
         <p:nvSpPr>
-          <p:cNvPr id="533" name="Slide Number Placeholder 3"/>
+          <p:cNvPr id="526" name="Slide Number Placeholder 3"/>
           <p:cNvSpPr txBox="1"/>
           <p:nvPr>
             <p:ph type="sldNum" sz="quarter" idx="2"/>
@@ -22768,7 +22550,7 @@
       </p:sp>
       <p:sp>
         <p:nvSpPr>
-          <p:cNvPr id="534" name="TextBox 13"/>
+          <p:cNvPr id="527" name="TextBox 13"/>
           <p:cNvSpPr txBox="1"/>
           <p:nvPr/>
         </p:nvSpPr>
@@ -22852,7 +22634,7 @@
                                       <p:cBhvr>
                                         <p:cTn id="6" fill="hold"/>
                                         <p:tgtEl>
-                                          <p:spTgt spid="531">
+                                          <p:spTgt spid="524">
                                             <p:bg/>
                                           </p:spTgt>
                                         </p:tgtEl>
@@ -22868,7 +22650,7 @@
                                       <p:cBhvr>
                                         <p:cTn id="7" dur="500"/>
                                         <p:tgtEl>
-                                          <p:spTgt spid="531">
+                                          <p:spTgt spid="524">
                                             <p:bg/>
                                           </p:spTgt>
                                         </p:tgtEl>
@@ -22890,7 +22672,7 @@
                                       <p:cBhvr>
                                         <p:cTn id="9" fill="hold"/>
                                         <p:tgtEl>
-                                          <p:spTgt spid="531">
+                                          <p:spTgt spid="524">
                                             <p:txEl>
                                               <p:pRg st="0" end="0"/>
                                             </p:txEl>
@@ -22908,7 +22690,7 @@
                                       <p:cBhvr>
                                         <p:cTn id="10" dur="500"/>
                                         <p:tgtEl>
-                                          <p:spTgt spid="531">
+                                          <p:spTgt spid="524">
                                             <p:txEl>
                                               <p:pRg st="0" end="0"/>
                                             </p:txEl>
@@ -22950,7 +22732,7 @@
                                       <p:cBhvr>
                                         <p:cTn id="14" fill="hold"/>
                                         <p:tgtEl>
-                                          <p:spTgt spid="534"/>
+                                          <p:spTgt spid="527"/>
                                         </p:tgtEl>
                                         <p:attrNameLst>
                                           <p:attrName>style.visibility</p:attrName>
@@ -22964,7 +22746,7 @@
                                       <p:cBhvr>
                                         <p:cTn id="15" dur="500"/>
                                         <p:tgtEl>
-                                          <p:spTgt spid="534"/>
+                                          <p:spTgt spid="527"/>
                                         </p:tgtEl>
                                       </p:cBhvr>
                                     </p:animEffect>
@@ -22999,10 +22781,97 @@
       </p:par>
     </p:tnLst>
     <p:bldLst>
-      <p:bldP build="whole" bldLvl="1" animBg="1" rev="0" advAuto="0" spid="534" grpId="2"/>
-      <p:bldP build="p" bldLvl="5" animBg="1" rev="0" advAuto="0" spid="531" grpId="1"/>
+      <p:bldP build="whole" bldLvl="1" animBg="1" rev="0" advAuto="0" spid="527" grpId="2"/>
+      <p:bldP build="p" bldLvl="5" animBg="1" rev="0" advAuto="0" spid="524" grpId="1"/>
     </p:bldLst>
   </p:timing>
+</p:sld>
+</file>
+
+<file path=ppt/slides/slide57.xml><?xml version="1.0" encoding="utf-8"?>
+<p:sld xmlns:a="http://schemas.openxmlformats.org/drawingml/2006/main" xmlns:r="http://schemas.openxmlformats.org/officeDocument/2006/relationships" xmlns:p="http://schemas.openxmlformats.org/presentationml/2006/main" showMasterSp="1" showMasterPhAnim="1">
+  <p:cSld>
+    <p:spTree>
+      <p:nvGrpSpPr>
+        <p:cNvPr id="1" name=""/>
+        <p:cNvGrpSpPr/>
+        <p:nvPr/>
+      </p:nvGrpSpPr>
+      <p:grpSpPr>
+        <a:xfrm>
+          <a:off x="0" y="0"/>
+          <a:ext cx="0" cy="0"/>
+          <a:chOff x="0" y="0"/>
+          <a:chExt cx="0" cy="0"/>
+        </a:xfrm>
+      </p:grpSpPr>
+      <p:sp>
+        <p:nvSpPr>
+          <p:cNvPr id="529" name="Title 1"/>
+          <p:cNvSpPr txBox="1"/>
+          <p:nvPr>
+            <p:ph type="title"/>
+          </p:nvPr>
+        </p:nvSpPr>
+        <p:spPr>
+          <a:xfrm>
+            <a:off x="914400" y="2918082"/>
+            <a:ext cx="10363200" cy="1362077"/>
+          </a:xfrm>
+          <a:prstGeom prst="rect">
+            <a:avLst/>
+          </a:prstGeom>
+        </p:spPr>
+        <p:txBody>
+          <a:bodyPr/>
+          <a:lstStyle>
+            <a:lvl1pPr algn="ctr"/>
+          </a:lstStyle>
+          <a:p>
+            <a:pPr/>
+            <a:r>
+              <a:t>Thank you!</a:t>
+            </a:r>
+          </a:p>
+        </p:txBody>
+      </p:sp>
+      <p:sp>
+        <p:nvSpPr>
+          <p:cNvPr id="530" name="Slide Number Placeholder 3"/>
+          <p:cNvSpPr txBox="1"/>
+          <p:nvPr>
+            <p:ph type="sldNum" sz="quarter" idx="2"/>
+          </p:nvPr>
+        </p:nvSpPr>
+        <p:spPr>
+          <a:xfrm>
+            <a:off x="11318418" y="6404295"/>
+            <a:ext cx="263982" cy="269241"/>
+          </a:xfrm>
+          <a:prstGeom prst="rect">
+            <a:avLst/>
+          </a:prstGeom>
+          <a:extLst>
+            <a:ext uri="{C572A759-6A51-4108-AA02-DFA0A04FC94B}">
+              <ma14:wrappingTextBoxFlag xmlns:ma14="http://schemas.microsoft.com/office/mac/drawingml/2011/main" val="1"/>
+            </a:ext>
+          </a:extLst>
+        </p:spPr>
+        <p:txBody>
+          <a:bodyPr/>
+          <a:lstStyle/>
+          <a:p>
+            <a:pPr/>
+            <a:fld id="{86CB4B4D-7CA3-9044-876B-883B54F8677D}" type="slidenum"/>
+          </a:p>
+        </p:txBody>
+      </p:sp>
+    </p:spTree>
+  </p:cSld>
+  <p:clrMapOvr>
+    <a:masterClrMapping/>
+  </p:clrMapOvr>
+  <p:transition xmlns:p14="http://schemas.microsoft.com/office/powerpoint/2010/main" spd="med" advClick="1"/>
 </p:sld>
 </file>
 
@@ -23025,7 +22894,7 @@
       </p:grpSpPr>
       <p:sp>
         <p:nvSpPr>
-          <p:cNvPr id="536" name="Title 1"/>
+          <p:cNvPr id="532" name="Title 1"/>
           <p:cNvSpPr txBox="1"/>
           <p:nvPr>
             <p:ph type="title"/>
@@ -23033,93 +22902,6 @@
         </p:nvSpPr>
         <p:spPr>
           <a:xfrm>
-            <a:off x="914400" y="2918082"/>
-            <a:ext cx="10363200" cy="1362077"/>
-          </a:xfrm>
-          <a:prstGeom prst="rect">
-            <a:avLst/>
-          </a:prstGeom>
-        </p:spPr>
-        <p:txBody>
-          <a:bodyPr/>
-          <a:lstStyle>
-            <a:lvl1pPr algn="ctr"/>
-          </a:lstStyle>
-          <a:p>
-            <a:pPr/>
-            <a:r>
-              <a:t>Thank you!</a:t>
-            </a:r>
-          </a:p>
-        </p:txBody>
-      </p:sp>
-      <p:sp>
-        <p:nvSpPr>
-          <p:cNvPr id="537" name="Slide Number Placeholder 3"/>
-          <p:cNvSpPr txBox="1"/>
-          <p:nvPr>
-            <p:ph type="sldNum" sz="quarter" idx="2"/>
-          </p:nvPr>
-        </p:nvSpPr>
-        <p:spPr>
-          <a:xfrm>
-            <a:off x="11318418" y="6404295"/>
-            <a:ext cx="263982" cy="269241"/>
-          </a:xfrm>
-          <a:prstGeom prst="rect">
-            <a:avLst/>
-          </a:prstGeom>
-          <a:extLst>
-            <a:ext uri="{C572A759-6A51-4108-AA02-DFA0A04FC94B}">
-              <ma14:wrappingTextBoxFlag xmlns:ma14="http://schemas.microsoft.com/office/mac/drawingml/2011/main" val="1"/>
-            </a:ext>
-          </a:extLst>
-        </p:spPr>
-        <p:txBody>
-          <a:bodyPr/>
-          <a:lstStyle/>
-          <a:p>
-            <a:pPr/>
-            <a:fld id="{86CB4B4D-7CA3-9044-876B-883B54F8677D}" type="slidenum"/>
-          </a:p>
-        </p:txBody>
-      </p:sp>
-    </p:spTree>
-  </p:cSld>
-  <p:clrMapOvr>
-    <a:masterClrMapping/>
-  </p:clrMapOvr>
-  <p:transition xmlns:p14="http://schemas.microsoft.com/office/powerpoint/2010/main" spd="med" advClick="1"/>
-</p:sld>
-</file>
-
-<file path=ppt/slides/slide59.xml><?xml version="1.0" encoding="utf-8"?>
-<p:sld xmlns:a="http://schemas.openxmlformats.org/drawingml/2006/main" xmlns:r="http://schemas.openxmlformats.org/officeDocument/2006/relationships" xmlns:p="http://schemas.openxmlformats.org/presentationml/2006/main" showMasterSp="1" showMasterPhAnim="1">
-  <p:cSld>
-    <p:spTree>
-      <p:nvGrpSpPr>
-        <p:cNvPr id="1" name=""/>
-        <p:cNvGrpSpPr/>
-        <p:nvPr/>
-      </p:nvGrpSpPr>
-      <p:grpSpPr>
-        <a:xfrm>
-          <a:off x="0" y="0"/>
-          <a:ext cx="0" cy="0"/>
-          <a:chOff x="0" y="0"/>
-          <a:chExt cx="0" cy="0"/>
-        </a:xfrm>
-      </p:grpSpPr>
-      <p:sp>
-        <p:nvSpPr>
-          <p:cNvPr id="539" name="Title 1"/>
-          <p:cNvSpPr txBox="1"/>
-          <p:nvPr>
-            <p:ph type="title"/>
-          </p:nvPr>
-        </p:nvSpPr>
-        <p:spPr>
-          <a:xfrm>
             <a:off x="349291" y="216530"/>
             <a:ext cx="11493418" cy="767278"/>
           </a:xfrm>
@@ -23140,7 +22922,7 @@
       </p:sp>
       <p:sp>
         <p:nvSpPr>
-          <p:cNvPr id="540" name="Content Placeholder 2"/>
+          <p:cNvPr id="533" name="Content Placeholder 2"/>
           <p:cNvSpPr txBox="1"/>
           <p:nvPr>
             <p:ph type="body" idx="1"/>
@@ -23174,7 +22956,7 @@
       </p:sp>
       <p:sp>
         <p:nvSpPr>
-          <p:cNvPr id="541" name="Slide Number Placeholder 3"/>
+          <p:cNvPr id="534" name="Slide Number Placeholder 3"/>
           <p:cNvSpPr txBox="1"/>
           <p:nvPr>
             <p:ph type="sldNum" sz="quarter" idx="2"/>
@@ -23205,7 +22987,7 @@
       </p:sp>
       <p:sp>
         <p:nvSpPr>
-          <p:cNvPr id="542" name="Straight Arrow Connector 5"/>
+          <p:cNvPr id="535" name="Straight Arrow Connector 5"/>
           <p:cNvSpPr/>
           <p:nvPr/>
         </p:nvSpPr>
@@ -23241,7 +23023,7 @@
       </p:sp>
       <p:grpSp>
         <p:nvGrpSpPr>
-          <p:cNvPr id="545" name="TextBox 6"/>
+          <p:cNvPr id="538" name="TextBox 6"/>
           <p:cNvGrpSpPr/>
           <p:nvPr/>
         </p:nvGrpSpPr>
@@ -23255,7 +23037,7 @@
         </p:grpSpPr>
         <p:sp>
           <p:nvSpPr>
-            <p:cNvPr id="543" name="Rectangle"/>
+            <p:cNvPr id="536" name="Rectangle"/>
             <p:cNvSpPr/>
             <p:nvPr/>
           </p:nvSpPr>
@@ -23292,7 +23074,7 @@
         </p:sp>
         <p:sp>
           <p:nvSpPr>
-            <p:cNvPr id="544" name="Text"/>
+            <p:cNvPr id="537" name="Text"/>
             <p:cNvSpPr txBox="1"/>
             <p:nvPr/>
           </p:nvSpPr>
@@ -23336,6 +23118,256 @@
     <a:masterClrMapping/>
   </p:clrMapOvr>
   <p:transition xmlns:p14="http://schemas.microsoft.com/office/powerpoint/2010/main" spd="med" advClick="1"/>
+</p:sld>
+</file>
+
+<file path=ppt/slides/slide59.xml><?xml version="1.0" encoding="utf-8"?>
+<p:sld xmlns:a="http://schemas.openxmlformats.org/drawingml/2006/main" xmlns:r="http://schemas.openxmlformats.org/officeDocument/2006/relationships" xmlns:p="http://schemas.openxmlformats.org/presentationml/2006/main" showMasterSp="1" showMasterPhAnim="1">
+  <p:cSld>
+    <p:spTree>
+      <p:nvGrpSpPr>
+        <p:cNvPr id="1" name=""/>
+        <p:cNvGrpSpPr/>
+        <p:nvPr/>
+      </p:nvGrpSpPr>
+      <p:grpSpPr>
+        <a:xfrm>
+          <a:off x="0" y="0"/>
+          <a:ext cx="0" cy="0"/>
+          <a:chOff x="0" y="0"/>
+          <a:chExt cx="0" cy="0"/>
+        </a:xfrm>
+      </p:grpSpPr>
+      <p:sp>
+        <p:nvSpPr>
+          <p:cNvPr id="542" name="Title 1"/>
+          <p:cNvSpPr txBox="1"/>
+          <p:nvPr>
+            <p:ph type="title"/>
+          </p:nvPr>
+        </p:nvSpPr>
+        <p:spPr>
+          <a:xfrm>
+            <a:off x="349291" y="216530"/>
+            <a:ext cx="11493418" cy="767278"/>
+          </a:xfrm>
+          <a:prstGeom prst="rect">
+            <a:avLst/>
+          </a:prstGeom>
+        </p:spPr>
+        <p:txBody>
+          <a:bodyPr/>
+          <a:lstStyle/>
+          <a:p>
+            <a:pPr/>
+            <a:r>
+              <a:t>Augmented problem – Elastic Net</a:t>
+            </a:r>
+          </a:p>
+        </p:txBody>
+      </p:sp>
+      <p:sp>
+        <p:nvSpPr>
+          <p:cNvPr id="543" name="Content Placeholder 2"/>
+          <p:cNvSpPr txBox="1"/>
+          <p:nvPr>
+            <p:ph type="body" idx="1"/>
+          </p:nvPr>
+        </p:nvSpPr>
+        <p:spPr>
+          <a:xfrm>
+            <a:off x="932496" y="1177757"/>
+            <a:ext cx="10327008" cy="4989128"/>
+          </a:xfrm>
+          <a:prstGeom prst="rect">
+            <a:avLst/>
+          </a:prstGeom>
+          <a:blipFill>
+            <a:blip r:embed="rId2"/>
+            <a:stretch>
+              <a:fillRect/>
+            </a:stretch>
+          </a:blipFill>
+        </p:spPr>
+        <p:txBody>
+          <a:bodyPr/>
+          <a:lstStyle/>
+          <a:p>
+            <a:pPr/>
+            <a:r>
+              <a:t> </a:t>
+            </a:r>
+          </a:p>
+        </p:txBody>
+      </p:sp>
+      <p:sp>
+        <p:nvSpPr>
+          <p:cNvPr id="544" name="Slide Number Placeholder 3"/>
+          <p:cNvSpPr txBox="1"/>
+          <p:nvPr>
+            <p:ph type="sldNum" sz="quarter" idx="2"/>
+          </p:nvPr>
+        </p:nvSpPr>
+        <p:spPr>
+          <a:xfrm>
+            <a:off x="11724818" y="6448742"/>
+            <a:ext cx="263982" cy="269241"/>
+          </a:xfrm>
+          <a:prstGeom prst="rect">
+            <a:avLst/>
+          </a:prstGeom>
+          <a:extLst>
+            <a:ext uri="{C572A759-6A51-4108-AA02-DFA0A04FC94B}">
+              <ma14:wrappingTextBoxFlag xmlns:ma14="http://schemas.microsoft.com/office/mac/drawingml/2011/main" val="1"/>
+            </a:ext>
+          </a:extLst>
+        </p:spPr>
+        <p:txBody>
+          <a:bodyPr/>
+          <a:lstStyle/>
+          <a:p>
+            <a:pPr/>
+            <a:fld id="{86CB4B4D-7CA3-9044-876B-883B54F8677D}" type="slidenum"/>
+          </a:p>
+        </p:txBody>
+      </p:sp>
+    </p:spTree>
+  </p:cSld>
+  <p:clrMapOvr>
+    <a:masterClrMapping/>
+  </p:clrMapOvr>
+  <p:transition xmlns:p14="http://schemas.microsoft.com/office/powerpoint/2010/main" spd="med" advClick="1"/>
+  <p:timing>
+    <p:tnLst>
+      <p:par>
+        <p:cTn id="1" nodeType="tmRoot" restart="never" dur="indefinite" fill="hold">
+          <p:childTnLst>
+            <p:seq concurrent="1" prevAc="none" nextAc="seek">
+              <p:cTn id="2" nodeType="mainSeq" dur="indefinite" fill="hold">
+                <p:childTnLst>
+                  <p:par>
+                    <p:cTn id="3" fill="hold">
+                      <p:stCondLst>
+                        <p:cond delay="indefinite"/>
+                      </p:stCondLst>
+                      <p:childTnLst>
+                        <p:par>
+                          <p:cTn id="4" fill="hold">
+                            <p:stCondLst>
+                              <p:cond delay="0"/>
+                            </p:stCondLst>
+                            <p:childTnLst>
+                              <p:par>
+                                <p:cTn id="5" presetClass="entr" nodeType="clickEffect" presetID="9" grpId="1" fill="hold">
+                                  <p:stCondLst>
+                                    <p:cond delay="0"/>
+                                  </p:stCondLst>
+                                  <p:iterate type="el" backwards="0">
+                                    <p:tmAbs val="0"/>
+                                  </p:iterate>
+                                  <p:childTnLst>
+                                    <p:set>
+                                      <p:cBhvr>
+                                        <p:cTn id="6" fill="hold"/>
+                                        <p:tgtEl>
+                                          <p:spTgt spid="543">
+                                            <p:bg/>
+                                          </p:spTgt>
+                                        </p:tgtEl>
+                                        <p:attrNameLst>
+                                          <p:attrName>style.visibility</p:attrName>
+                                        </p:attrNameLst>
+                                      </p:cBhvr>
+                                      <p:to>
+                                        <p:strVal val="visible"/>
+                                      </p:to>
+                                    </p:set>
+                                    <p:animEffect filter="dissolve" transition="in">
+                                      <p:cBhvr>
+                                        <p:cTn id="7" dur="500"/>
+                                        <p:tgtEl>
+                                          <p:spTgt spid="543">
+                                            <p:bg/>
+                                          </p:spTgt>
+                                        </p:tgtEl>
+                                      </p:cBhvr>
+                                    </p:animEffect>
+                                  </p:childTnLst>
+                                </p:cTn>
+                              </p:par>
+                              <p:par>
+                                <p:cTn id="8" presetClass="entr" nodeType="withEffect" presetSubtype="0" presetID="9" grpId="1" fill="hold">
+                                  <p:stCondLst>
+                                    <p:cond delay="0"/>
+                                  </p:stCondLst>
+                                  <p:iterate type="el" backwards="0">
+                                    <p:tmAbs val="0"/>
+                                  </p:iterate>
+                                  <p:childTnLst>
+                                    <p:set>
+                                      <p:cBhvr>
+                                        <p:cTn id="9" fill="hold"/>
+                                        <p:tgtEl>
+                                          <p:spTgt spid="543">
+                                            <p:txEl>
+                                              <p:pRg st="0" end="0"/>
+                                            </p:txEl>
+                                          </p:spTgt>
+                                        </p:tgtEl>
+                                        <p:attrNameLst>
+                                          <p:attrName>style.visibility</p:attrName>
+                                        </p:attrNameLst>
+                                      </p:cBhvr>
+                                      <p:to>
+                                        <p:strVal val="visible"/>
+                                      </p:to>
+                                    </p:set>
+                                    <p:animEffect filter="dissolve" transition="in">
+                                      <p:cBhvr>
+                                        <p:cTn id="10" dur="500"/>
+                                        <p:tgtEl>
+                                          <p:spTgt spid="543">
+                                            <p:txEl>
+                                              <p:pRg st="0" end="0"/>
+                                            </p:txEl>
+                                          </p:spTgt>
+                                        </p:tgtEl>
+                                      </p:cBhvr>
+                                    </p:animEffect>
+                                  </p:childTnLst>
+                                </p:cTn>
+                              </p:par>
+                            </p:childTnLst>
+                          </p:cTn>
+                        </p:par>
+                      </p:childTnLst>
+                    </p:cTn>
+                  </p:par>
+                </p:childTnLst>
+              </p:cTn>
+              <p:prevCondLst>
+                <p:cond evt="onPrev">
+                  <p:tgtEl>
+                    <p:sldTgt/>
+                  </p:tgtEl>
+                </p:cond>
+              </p:prevCondLst>
+              <p:nextCondLst>
+                <p:cond evt="onNext">
+                  <p:tgtEl>
+                    <p:sldTgt/>
+                  </p:tgtEl>
+                </p:cond>
+              </p:nextCondLst>
+            </p:seq>
+          </p:childTnLst>
+        </p:cTn>
+      </p:par>
+    </p:tnLst>
+    <p:bldLst>
+      <p:bldP build="p" bldLvl="5" animBg="1" rev="0" advAuto="0" spid="543" grpId="1"/>
+    </p:bldLst>
+  </p:timing>
 </p:sld>
 </file>
 
@@ -23717,8 +23749,8 @@
       </p:par>
     </p:tnLst>
     <p:bldLst>
+      <p:bldP build="whole" bldLvl="1" animBg="1" rev="0" advAuto="0" spid="174" grpId="2"/>
       <p:bldP build="p" bldLvl="5" animBg="1" rev="0" advAuto="0" spid="170" grpId="1"/>
-      <p:bldP build="whole" bldLvl="1" animBg="1" rev="0" advAuto="0" spid="174" grpId="2"/>
     </p:bldLst>
   </p:timing>
 </p:sld>
@@ -23743,7 +23775,7 @@
       </p:grpSpPr>
       <p:sp>
         <p:nvSpPr>
-          <p:cNvPr id="549" name="Title 1"/>
+          <p:cNvPr id="546" name="Title 1"/>
           <p:cNvSpPr txBox="1"/>
           <p:nvPr>
             <p:ph type="title"/>
@@ -23771,7 +23803,7 @@
       </p:sp>
       <p:sp>
         <p:nvSpPr>
-          <p:cNvPr id="550" name="Content Placeholder 2"/>
+          <p:cNvPr id="547" name="Content Placeholder 2"/>
           <p:cNvSpPr txBox="1"/>
           <p:nvPr>
             <p:ph type="body" idx="1"/>
@@ -23805,7 +23837,7 @@
       </p:sp>
       <p:sp>
         <p:nvSpPr>
-          <p:cNvPr id="551" name="Slide Number Placeholder 3"/>
+          <p:cNvPr id="548" name="Slide Number Placeholder 3"/>
           <p:cNvSpPr txBox="1"/>
           <p:nvPr>
             <p:ph type="sldNum" sz="quarter" idx="2"/>
@@ -23834,259 +23866,9 @@
           </a:p>
         </p:txBody>
       </p:sp>
-    </p:spTree>
-  </p:cSld>
-  <p:clrMapOvr>
-    <a:masterClrMapping/>
-  </p:clrMapOvr>
-  <p:transition xmlns:p14="http://schemas.microsoft.com/office/powerpoint/2010/main" spd="med" advClick="1"/>
-  <p:timing>
-    <p:tnLst>
-      <p:par>
-        <p:cTn id="1" nodeType="tmRoot" restart="never" dur="indefinite" fill="hold">
-          <p:childTnLst>
-            <p:seq concurrent="1" prevAc="none" nextAc="seek">
-              <p:cTn id="2" nodeType="mainSeq" dur="indefinite" fill="hold">
-                <p:childTnLst>
-                  <p:par>
-                    <p:cTn id="3" fill="hold">
-                      <p:stCondLst>
-                        <p:cond delay="indefinite"/>
-                      </p:stCondLst>
-                      <p:childTnLst>
-                        <p:par>
-                          <p:cTn id="4" fill="hold">
-                            <p:stCondLst>
-                              <p:cond delay="0"/>
-                            </p:stCondLst>
-                            <p:childTnLst>
-                              <p:par>
-                                <p:cTn id="5" presetClass="entr" nodeType="clickEffect" presetID="9" grpId="1" fill="hold">
-                                  <p:stCondLst>
-                                    <p:cond delay="0"/>
-                                  </p:stCondLst>
-                                  <p:iterate type="el" backwards="0">
-                                    <p:tmAbs val="0"/>
-                                  </p:iterate>
-                                  <p:childTnLst>
-                                    <p:set>
-                                      <p:cBhvr>
-                                        <p:cTn id="6" fill="hold"/>
-                                        <p:tgtEl>
-                                          <p:spTgt spid="550">
-                                            <p:bg/>
-                                          </p:spTgt>
-                                        </p:tgtEl>
-                                        <p:attrNameLst>
-                                          <p:attrName>style.visibility</p:attrName>
-                                        </p:attrNameLst>
-                                      </p:cBhvr>
-                                      <p:to>
-                                        <p:strVal val="visible"/>
-                                      </p:to>
-                                    </p:set>
-                                    <p:animEffect filter="dissolve" transition="in">
-                                      <p:cBhvr>
-                                        <p:cTn id="7" dur="500"/>
-                                        <p:tgtEl>
-                                          <p:spTgt spid="550">
-                                            <p:bg/>
-                                          </p:spTgt>
-                                        </p:tgtEl>
-                                      </p:cBhvr>
-                                    </p:animEffect>
-                                  </p:childTnLst>
-                                </p:cTn>
-                              </p:par>
-                              <p:par>
-                                <p:cTn id="8" presetClass="entr" nodeType="withEffect" presetSubtype="0" presetID="9" grpId="1" fill="hold">
-                                  <p:stCondLst>
-                                    <p:cond delay="0"/>
-                                  </p:stCondLst>
-                                  <p:iterate type="el" backwards="0">
-                                    <p:tmAbs val="0"/>
-                                  </p:iterate>
-                                  <p:childTnLst>
-                                    <p:set>
-                                      <p:cBhvr>
-                                        <p:cTn id="9" fill="hold"/>
-                                        <p:tgtEl>
-                                          <p:spTgt spid="550">
-                                            <p:txEl>
-                                              <p:pRg st="0" end="0"/>
-                                            </p:txEl>
-                                          </p:spTgt>
-                                        </p:tgtEl>
-                                        <p:attrNameLst>
-                                          <p:attrName>style.visibility</p:attrName>
-                                        </p:attrNameLst>
-                                      </p:cBhvr>
-                                      <p:to>
-                                        <p:strVal val="visible"/>
-                                      </p:to>
-                                    </p:set>
-                                    <p:animEffect filter="dissolve" transition="in">
-                                      <p:cBhvr>
-                                        <p:cTn id="10" dur="500"/>
-                                        <p:tgtEl>
-                                          <p:spTgt spid="550">
-                                            <p:txEl>
-                                              <p:pRg st="0" end="0"/>
-                                            </p:txEl>
-                                          </p:spTgt>
-                                        </p:tgtEl>
-                                      </p:cBhvr>
-                                    </p:animEffect>
-                                  </p:childTnLst>
-                                </p:cTn>
-                              </p:par>
-                            </p:childTnLst>
-                          </p:cTn>
-                        </p:par>
-                      </p:childTnLst>
-                    </p:cTn>
-                  </p:par>
-                </p:childTnLst>
-              </p:cTn>
-              <p:prevCondLst>
-                <p:cond evt="onPrev">
-                  <p:tgtEl>
-                    <p:sldTgt/>
-                  </p:tgtEl>
-                </p:cond>
-              </p:prevCondLst>
-              <p:nextCondLst>
-                <p:cond evt="onNext">
-                  <p:tgtEl>
-                    <p:sldTgt/>
-                  </p:tgtEl>
-                </p:cond>
-              </p:nextCondLst>
-            </p:seq>
-          </p:childTnLst>
-        </p:cTn>
-      </p:par>
-    </p:tnLst>
-    <p:bldLst>
-      <p:bldP build="p" bldLvl="5" animBg="1" rev="0" advAuto="0" spid="550" grpId="1"/>
-    </p:bldLst>
-  </p:timing>
-</p:sld>
-</file>
-
-<file path=ppt/slides/slide61.xml><?xml version="1.0" encoding="utf-8"?>
-<p:sld xmlns:a="http://schemas.openxmlformats.org/drawingml/2006/main" xmlns:r="http://schemas.openxmlformats.org/officeDocument/2006/relationships" xmlns:p="http://schemas.openxmlformats.org/presentationml/2006/main" showMasterSp="1" showMasterPhAnim="1">
-  <p:cSld>
-    <p:spTree>
-      <p:nvGrpSpPr>
-        <p:cNvPr id="1" name=""/>
-        <p:cNvGrpSpPr/>
-        <p:nvPr/>
-      </p:nvGrpSpPr>
-      <p:grpSpPr>
-        <a:xfrm>
-          <a:off x="0" y="0"/>
-          <a:ext cx="0" cy="0"/>
-          <a:chOff x="0" y="0"/>
-          <a:chExt cx="0" cy="0"/>
-        </a:xfrm>
-      </p:grpSpPr>
-      <p:sp>
-        <p:nvSpPr>
-          <p:cNvPr id="553" name="Title 1"/>
-          <p:cNvSpPr txBox="1"/>
-          <p:nvPr>
-            <p:ph type="title"/>
-          </p:nvPr>
-        </p:nvSpPr>
-        <p:spPr>
-          <a:xfrm>
-            <a:off x="349291" y="216530"/>
-            <a:ext cx="11493418" cy="767278"/>
-          </a:xfrm>
-          <a:prstGeom prst="rect">
-            <a:avLst/>
-          </a:prstGeom>
-        </p:spPr>
-        <p:txBody>
-          <a:bodyPr/>
-          <a:lstStyle/>
-          <a:p>
-            <a:pPr/>
-            <a:r>
-              <a:t>Augmented problem – Elastic Net</a:t>
-            </a:r>
-          </a:p>
-        </p:txBody>
-      </p:sp>
-      <p:sp>
-        <p:nvSpPr>
-          <p:cNvPr id="554" name="Content Placeholder 2"/>
-          <p:cNvSpPr txBox="1"/>
-          <p:nvPr>
-            <p:ph type="body" idx="1"/>
-          </p:nvPr>
-        </p:nvSpPr>
-        <p:spPr>
-          <a:xfrm>
-            <a:off x="932496" y="1177757"/>
-            <a:ext cx="10327008" cy="4989128"/>
-          </a:xfrm>
-          <a:prstGeom prst="rect">
-            <a:avLst/>
-          </a:prstGeom>
-          <a:blipFill>
-            <a:blip r:embed="rId2"/>
-            <a:stretch>
-              <a:fillRect/>
-            </a:stretch>
-          </a:blipFill>
-        </p:spPr>
-        <p:txBody>
-          <a:bodyPr/>
-          <a:lstStyle/>
-          <a:p>
-            <a:pPr/>
-            <a:r>
-              <a:t> </a:t>
-            </a:r>
-          </a:p>
-        </p:txBody>
-      </p:sp>
-      <p:sp>
-        <p:nvSpPr>
-          <p:cNvPr id="555" name="Slide Number Placeholder 3"/>
-          <p:cNvSpPr txBox="1"/>
-          <p:nvPr>
-            <p:ph type="sldNum" sz="quarter" idx="2"/>
-          </p:nvPr>
-        </p:nvSpPr>
-        <p:spPr>
-          <a:xfrm>
-            <a:off x="11724818" y="6448742"/>
-            <a:ext cx="263982" cy="269241"/>
-          </a:xfrm>
-          <a:prstGeom prst="rect">
-            <a:avLst/>
-          </a:prstGeom>
-          <a:extLst>
-            <a:ext uri="{C572A759-6A51-4108-AA02-DFA0A04FC94B}">
-              <ma14:wrappingTextBoxFlag xmlns:ma14="http://schemas.microsoft.com/office/mac/drawingml/2011/main" val="1"/>
-            </a:ext>
-          </a:extLst>
-        </p:spPr>
-        <p:txBody>
-          <a:bodyPr/>
-          <a:lstStyle/>
-          <a:p>
-            <a:pPr/>
-            <a:fld id="{86CB4B4D-7CA3-9044-876B-883B54F8677D}" type="slidenum"/>
-          </a:p>
-        </p:txBody>
-      </p:sp>
-      <p:sp>
-        <p:nvSpPr>
-          <p:cNvPr id="556" name="Arrow: Right 4"/>
+      <p:sp>
+        <p:nvSpPr>
+          <p:cNvPr id="549" name="Arrow: Right 4"/>
           <p:cNvSpPr/>
           <p:nvPr/>
         </p:nvSpPr>
@@ -24145,7 +23927,7 @@
       </p:sp>
       <p:grpSp>
         <p:nvGrpSpPr>
-          <p:cNvPr id="559" name="Rectangle 5"/>
+          <p:cNvPr id="552" name="Rectangle 5"/>
           <p:cNvGrpSpPr/>
           <p:nvPr/>
         </p:nvGrpSpPr>
@@ -24159,7 +23941,7 @@
         </p:grpSpPr>
         <p:sp>
           <p:nvSpPr>
-            <p:cNvPr id="557" name="Rectangle"/>
+            <p:cNvPr id="550" name="Rectangle"/>
             <p:cNvSpPr/>
             <p:nvPr/>
           </p:nvSpPr>
@@ -24219,7 +24001,7 @@
         </p:sp>
         <p:sp>
           <p:nvSpPr>
-            <p:cNvPr id="558" name="LASSO problem!"/>
+            <p:cNvPr id="551" name="LASSO problem!"/>
             <p:cNvSpPr txBox="1"/>
             <p:nvPr/>
           </p:nvSpPr>
@@ -24304,7 +24086,7 @@
                                       <p:cBhvr>
                                         <p:cTn id="6" fill="hold"/>
                                         <p:tgtEl>
-                                          <p:spTgt spid="554">
+                                          <p:spTgt spid="547">
                                             <p:bg/>
                                           </p:spTgt>
                                         </p:tgtEl>
@@ -24320,7 +24102,7 @@
                                       <p:cBhvr>
                                         <p:cTn id="7" dur="500"/>
                                         <p:tgtEl>
-                                          <p:spTgt spid="554">
+                                          <p:spTgt spid="547">
                                             <p:bg/>
                                           </p:spTgt>
                                         </p:tgtEl>
@@ -24342,7 +24124,7 @@
                                       <p:cBhvr>
                                         <p:cTn id="9" fill="hold"/>
                                         <p:tgtEl>
-                                          <p:spTgt spid="554">
+                                          <p:spTgt spid="547">
                                             <p:txEl>
                                               <p:pRg st="0" end="0"/>
                                             </p:txEl>
@@ -24360,7 +24142,7 @@
                                       <p:cBhvr>
                                         <p:cTn id="10" dur="500"/>
                                         <p:tgtEl>
-                                          <p:spTgt spid="554">
+                                          <p:spTgt spid="547">
                                             <p:txEl>
                                               <p:pRg st="0" end="0"/>
                                             </p:txEl>
@@ -24402,7 +24184,7 @@
                                       <p:cBhvr>
                                         <p:cTn id="14" fill="hold"/>
                                         <p:tgtEl>
-                                          <p:spTgt spid="559"/>
+                                          <p:spTgt spid="552"/>
                                         </p:tgtEl>
                                         <p:attrNameLst>
                                           <p:attrName>style.visibility</p:attrName>
@@ -24416,7 +24198,7 @@
                                       <p:cBhvr>
                                         <p:cTn id="15" dur="500"/>
                                         <p:tgtEl>
-                                          <p:spTgt spid="559"/>
+                                          <p:spTgt spid="552"/>
                                         </p:tgtEl>
                                       </p:cBhvr>
                                     </p:animEffect>
@@ -24445,7 +24227,7 @@
                                       <p:cBhvr>
                                         <p:cTn id="18" fill="hold"/>
                                         <p:tgtEl>
-                                          <p:spTgt spid="556"/>
+                                          <p:spTgt spid="549"/>
                                         </p:tgtEl>
                                         <p:attrNameLst>
                                           <p:attrName>style.visibility</p:attrName>
@@ -24459,7 +24241,7 @@
                                       <p:cBhvr>
                                         <p:cTn id="19" dur="500"/>
                                         <p:tgtEl>
-                                          <p:spTgt spid="556"/>
+                                          <p:spTgt spid="549"/>
                                         </p:tgtEl>
                                       </p:cBhvr>
                                     </p:animEffect>
@@ -24494,9 +24276,9 @@
       </p:par>
     </p:tnLst>
     <p:bldLst>
-      <p:bldP build="whole" bldLvl="1" animBg="1" rev="0" advAuto="0" spid="559" grpId="2"/>
-      <p:bldP build="whole" bldLvl="1" animBg="1" rev="0" advAuto="0" spid="556" grpId="3"/>
-      <p:bldP build="p" bldLvl="5" animBg="1" rev="0" advAuto="0" spid="554" grpId="1"/>
+      <p:bldP build="p" bldLvl="5" animBg="1" rev="0" advAuto="0" spid="547" grpId="1"/>
+      <p:bldP build="whole" bldLvl="1" animBg="1" rev="0" advAuto="0" spid="552" grpId="2"/>
+      <p:bldP build="whole" bldLvl="1" animBg="1" rev="0" advAuto="0" spid="549" grpId="3"/>
     </p:bldLst>
   </p:timing>
 </p:sld>
@@ -25524,13 +25306,13 @@
       </p:par>
     </p:tnLst>
     <p:bldLst>
+      <p:bldP build="whole" bldLvl="1" animBg="1" rev="0" advAuto="0" spid="188" grpId="4"/>
+      <p:bldP build="whole" bldLvl="1" animBg="1" rev="0" advAuto="0" spid="187" grpId="5"/>
+      <p:bldP build="whole" bldLvl="1" animBg="1" rev="0" advAuto="0" spid="191" grpId="8"/>
       <p:bldP build="p" bldLvl="5" animBg="1" rev="0" advAuto="0" spid="189" grpId="9"/>
+      <p:bldP build="whole" bldLvl="1" animBg="1" rev="0" advAuto="0" spid="184" grpId="1"/>
       <p:bldP build="whole" bldLvl="1" animBg="1" rev="0" advAuto="0" spid="190" grpId="7"/>
-      <p:bldP build="whole" bldLvl="1" animBg="1" rev="0" advAuto="0" spid="184" grpId="1"/>
       <p:bldP build="whole" bldLvl="1" animBg="1" rev="0" advAuto="0" spid="183" grpId="3"/>
-      <p:bldP build="whole" bldLvl="1" animBg="1" rev="0" advAuto="0" spid="187" grpId="5"/>
-      <p:bldP build="whole" bldLvl="1" animBg="1" rev="0" advAuto="0" spid="188" grpId="4"/>
-      <p:bldP build="whole" bldLvl="1" animBg="1" rev="0" advAuto="0" spid="191" grpId="8"/>
       <p:bldP build="whole" bldLvl="1" animBg="1" rev="0" advAuto="0" spid="186" grpId="6"/>
       <p:bldP build="whole" bldLvl="1" animBg="1" rev="0" advAuto="0" spid="185" grpId="2"/>
     </p:bldLst>
@@ -26586,14 +26368,14 @@
       </p:par>
     </p:tnLst>
     <p:bldLst>
+      <p:bldP build="whole" bldLvl="1" animBg="1" rev="0" advAuto="0" spid="199" grpId="3"/>
       <p:bldP build="whole" bldLvl="1" animBg="1" rev="0" advAuto="0" spid="200" grpId="6"/>
+      <p:bldP build="whole" bldLvl="1" animBg="1" rev="0" advAuto="0" spid="201" grpId="5"/>
+      <p:bldP build="whole" bldLvl="1" animBg="1" rev="0" advAuto="0" spid="203" grpId="7"/>
+      <p:bldP build="whole" bldLvl="1" animBg="1" rev="0" advAuto="0" spid="207" grpId="9"/>
       <p:bldP build="whole" bldLvl="1" animBg="1" rev="0" advAuto="0" spid="198" grpId="2"/>
-      <p:bldP build="whole" bldLvl="1" animBg="1" rev="0" advAuto="0" spid="201" grpId="5"/>
-      <p:bldP build="whole" bldLvl="1" animBg="1" rev="0" advAuto="0" spid="207" grpId="9"/>
-      <p:bldP build="whole" bldLvl="1" animBg="1" rev="0" advAuto="0" spid="199" grpId="3"/>
+      <p:bldP build="whole" bldLvl="1" animBg="1" rev="0" advAuto="0" spid="206" grpId="8"/>
       <p:bldP build="p" bldLvl="5" animBg="1" rev="0" advAuto="0" spid="196" grpId="1"/>
-      <p:bldP build="whole" bldLvl="1" animBg="1" rev="0" advAuto="0" spid="206" grpId="8"/>
-      <p:bldP build="whole" bldLvl="1" animBg="1" rev="0" advAuto="0" spid="203" grpId="7"/>
       <p:bldP build="whole" bldLvl="1" animBg="1" rev="0" advAuto="0" spid="202" grpId="4"/>
     </p:bldLst>
   </p:timing>
